--- a/03 - Delay effects/B - Vibrato/Fractional delay.pptx
+++ b/03 - Delay effects/B - Vibrato/Fractional delay.pptx
@@ -6,7 +6,7 @@
     <p:sldMasterId id="2147483660" r:id="rId2"/>
   </p:sldMasterIdLst>
   <p:notesMasterIdLst>
-    <p:notesMasterId r:id="rId13"/>
+    <p:notesMasterId r:id="rId12"/>
   </p:notesMasterIdLst>
   <p:sldIdLst>
     <p:sldId id="295" r:id="rId3"/>
@@ -15,10 +15,9 @@
     <p:sldId id="314" r:id="rId6"/>
     <p:sldId id="316" r:id="rId7"/>
     <p:sldId id="309" r:id="rId8"/>
-    <p:sldId id="290" r:id="rId9"/>
-    <p:sldId id="296" r:id="rId10"/>
-    <p:sldId id="297" r:id="rId11"/>
-    <p:sldId id="298" r:id="rId12"/>
+    <p:sldId id="296" r:id="rId9"/>
+    <p:sldId id="297" r:id="rId10"/>
+    <p:sldId id="298" r:id="rId11"/>
   </p:sldIdLst>
   <p:sldSz cx="12192000" cy="6858000"/>
   <p:notesSz cx="6858000" cy="9144000"/>
@@ -210,7 +209,7 @@
           <a:p>
             <a:fld id="{BE487CCF-3B53-4F90-977B-B099D72D42DC}" type="datetimeFigureOut">
               <a:rPr lang="en-GB" smtClean="0"/>
-              <a:t>04/11/2023</a:t>
+              <a:t>16/02/2024</a:t>
             </a:fld>
             <a:endParaRPr lang="en-GB"/>
           </a:p>
@@ -703,7 +702,7 @@
           <a:p>
             <a:fld id="{0FEDB78B-1C29-47A0-98D1-C458191ECDD0}" type="slidenum">
               <a:rPr lang="en-GB" smtClean="0"/>
-              <a:t>8</a:t>
+              <a:t>7</a:t>
             </a:fld>
             <a:endParaRPr lang="en-GB"/>
           </a:p>
@@ -822,7 +821,7 @@
           <a:p>
             <a:fld id="{0FEDB78B-1C29-47A0-98D1-C458191ECDD0}" type="slidenum">
               <a:rPr lang="en-GB" smtClean="0"/>
-              <a:t>9</a:t>
+              <a:t>8</a:t>
             </a:fld>
             <a:endParaRPr lang="en-GB"/>
           </a:p>
@@ -924,7 +923,7 @@
           <a:p>
             <a:fld id="{0FEDB78B-1C29-47A0-98D1-C458191ECDD0}" type="slidenum">
               <a:rPr lang="en-GB" smtClean="0"/>
-              <a:t>10</a:t>
+              <a:t>9</a:t>
             </a:fld>
             <a:endParaRPr lang="en-GB"/>
           </a:p>
@@ -1092,7 +1091,7 @@
           <a:p>
             <a:fld id="{F8A5948D-6B6B-4AEB-B022-F2A9ADD6F77D}" type="datetimeFigureOut">
               <a:rPr lang="en-GB" smtClean="0"/>
-              <a:t>04/11/2023</a:t>
+              <a:t>16/02/2024</a:t>
             </a:fld>
             <a:endParaRPr lang="en-GB"/>
           </a:p>
@@ -1292,7 +1291,7 @@
           <a:p>
             <a:fld id="{F8A5948D-6B6B-4AEB-B022-F2A9ADD6F77D}" type="datetimeFigureOut">
               <a:rPr lang="en-GB" smtClean="0"/>
-              <a:t>04/11/2023</a:t>
+              <a:t>16/02/2024</a:t>
             </a:fld>
             <a:endParaRPr lang="en-GB"/>
           </a:p>
@@ -1502,7 +1501,7 @@
           <a:p>
             <a:fld id="{F8A5948D-6B6B-4AEB-B022-F2A9ADD6F77D}" type="datetimeFigureOut">
               <a:rPr lang="en-GB" smtClean="0"/>
-              <a:t>04/11/2023</a:t>
+              <a:t>16/02/2024</a:t>
             </a:fld>
             <a:endParaRPr lang="en-GB"/>
           </a:p>
@@ -2936,7 +2935,7 @@
           <a:p>
             <a:fld id="{F8A5948D-6B6B-4AEB-B022-F2A9ADD6F77D}" type="datetimeFigureOut">
               <a:rPr lang="en-GB" smtClean="0"/>
-              <a:t>04/11/2023</a:t>
+              <a:t>16/02/2024</a:t>
             </a:fld>
             <a:endParaRPr lang="en-GB"/>
           </a:p>
@@ -3618,7 +3617,7 @@
           <a:p>
             <a:fld id="{F8A5948D-6B6B-4AEB-B022-F2A9ADD6F77D}" type="datetimeFigureOut">
               <a:rPr lang="en-GB" smtClean="0"/>
-              <a:t>04/11/2023</a:t>
+              <a:t>16/02/2024</a:t>
             </a:fld>
             <a:endParaRPr lang="en-GB"/>
           </a:p>
@@ -3886,7 +3885,7 @@
           <a:p>
             <a:fld id="{F8A5948D-6B6B-4AEB-B022-F2A9ADD6F77D}" type="datetimeFigureOut">
               <a:rPr lang="en-GB" smtClean="0"/>
-              <a:t>04/11/2023</a:t>
+              <a:t>16/02/2024</a:t>
             </a:fld>
             <a:endParaRPr lang="en-GB"/>
           </a:p>
@@ -4301,7 +4300,7 @@
           <a:p>
             <a:fld id="{F8A5948D-6B6B-4AEB-B022-F2A9ADD6F77D}" type="datetimeFigureOut">
               <a:rPr lang="en-GB" smtClean="0"/>
-              <a:t>04/11/2023</a:t>
+              <a:t>16/02/2024</a:t>
             </a:fld>
             <a:endParaRPr lang="en-GB"/>
           </a:p>
@@ -4443,7 +4442,7 @@
           <a:p>
             <a:fld id="{F8A5948D-6B6B-4AEB-B022-F2A9ADD6F77D}" type="datetimeFigureOut">
               <a:rPr lang="en-GB" smtClean="0"/>
-              <a:t>04/11/2023</a:t>
+              <a:t>16/02/2024</a:t>
             </a:fld>
             <a:endParaRPr lang="en-GB"/>
           </a:p>
@@ -4556,7 +4555,7 @@
           <a:p>
             <a:fld id="{F8A5948D-6B6B-4AEB-B022-F2A9ADD6F77D}" type="datetimeFigureOut">
               <a:rPr lang="en-GB" smtClean="0"/>
-              <a:t>04/11/2023</a:t>
+              <a:t>16/02/2024</a:t>
             </a:fld>
             <a:endParaRPr lang="en-GB"/>
           </a:p>
@@ -4869,7 +4868,7 @@
           <a:p>
             <a:fld id="{F8A5948D-6B6B-4AEB-B022-F2A9ADD6F77D}" type="datetimeFigureOut">
               <a:rPr lang="en-GB" smtClean="0"/>
-              <a:t>04/11/2023</a:t>
+              <a:t>16/02/2024</a:t>
             </a:fld>
             <a:endParaRPr lang="en-GB"/>
           </a:p>
@@ -5158,7 +5157,7 @@
           <a:p>
             <a:fld id="{F8A5948D-6B6B-4AEB-B022-F2A9ADD6F77D}" type="datetimeFigureOut">
               <a:rPr lang="en-GB" smtClean="0"/>
-              <a:t>04/11/2023</a:t>
+              <a:t>16/02/2024</a:t>
             </a:fld>
             <a:endParaRPr lang="en-GB"/>
           </a:p>
@@ -5401,7 +5400,7 @@
           <a:p>
             <a:fld id="{F8A5948D-6B6B-4AEB-B022-F2A9ADD6F77D}" type="datetimeFigureOut">
               <a:rPr lang="en-GB" smtClean="0"/>
-              <a:t>04/11/2023</a:t>
+              <a:t>16/02/2024</a:t>
             </a:fld>
             <a:endParaRPr lang="en-GB"/>
           </a:p>
@@ -6627,1138 +6626,6 @@
   <p:clrMapOvr>
     <a:masterClrMapping/>
   </p:clrMapOvr>
-</p:sld>
-</file>
-
-<file path=ppt/slides/slide10.xml><?xml version="1.0" encoding="utf-8"?>
-<p:sld xmlns:a="http://schemas.openxmlformats.org/drawingml/2006/main" xmlns:r="http://schemas.openxmlformats.org/officeDocument/2006/relationships" xmlns:p="http://schemas.openxmlformats.org/presentationml/2006/main">
-  <p:cSld>
-    <p:spTree>
-      <p:nvGrpSpPr>
-        <p:cNvPr id="1" name=""/>
-        <p:cNvGrpSpPr/>
-        <p:nvPr/>
-      </p:nvGrpSpPr>
-      <p:grpSpPr>
-        <a:xfrm>
-          <a:off x="0" y="0"/>
-          <a:ext cx="0" cy="0"/>
-          <a:chOff x="0" y="0"/>
-          <a:chExt cx="0" cy="0"/>
-        </a:xfrm>
-      </p:grpSpPr>
-      <p:sp>
-        <p:nvSpPr>
-          <p:cNvPr id="2" name="Title 1">
-            <a:extLst>
-              <a:ext uri="{FF2B5EF4-FFF2-40B4-BE49-F238E27FC236}">
-                <a16:creationId xmlns:a16="http://schemas.microsoft.com/office/drawing/2014/main" id="{118C212E-98BB-B9A3-DFE9-B4F95E1EA6F8}"/>
-              </a:ext>
-            </a:extLst>
-          </p:cNvPr>
-          <p:cNvSpPr>
-            <a:spLocks noGrp="1"/>
-          </p:cNvSpPr>
-          <p:nvPr>
-            <p:ph type="title"/>
-          </p:nvPr>
-        </p:nvSpPr>
-        <p:spPr/>
-        <p:txBody>
-          <a:bodyPr/>
-          <a:lstStyle/>
-          <a:p>
-            <a:r>
-              <a:rPr lang="en-GB" dirty="0"/>
-              <a:t>Interpolate sample</a:t>
-            </a:r>
-          </a:p>
-        </p:txBody>
-      </p:sp>
-      <p:sp>
-        <p:nvSpPr>
-          <p:cNvPr id="10" name="TextBox 9">
-            <a:extLst>
-              <a:ext uri="{FF2B5EF4-FFF2-40B4-BE49-F238E27FC236}">
-                <a16:creationId xmlns:a16="http://schemas.microsoft.com/office/drawing/2014/main" id="{D97B1AAE-913C-6F01-8193-03F17736D115}"/>
-              </a:ext>
-            </a:extLst>
-          </p:cNvPr>
-          <p:cNvSpPr txBox="1"/>
-          <p:nvPr/>
-        </p:nvSpPr>
-        <p:spPr>
-          <a:xfrm>
-            <a:off x="190921" y="1748248"/>
-            <a:ext cx="11708231" cy="4678204"/>
-          </a:xfrm>
-          <a:prstGeom prst="rect">
-            <a:avLst/>
-          </a:prstGeom>
-          <a:noFill/>
-          <a:ln w="19050">
-            <a:solidFill>
-              <a:srgbClr val="FF0000"/>
-            </a:solidFill>
-          </a:ln>
-        </p:spPr>
-        <p:txBody>
-          <a:bodyPr wrap="square" rtlCol="0">
-            <a:spAutoFit/>
-          </a:bodyPr>
-          <a:lstStyle/>
-          <a:p>
-            <a:r>
-              <a:rPr lang="en-GB" sz="2000" dirty="0">
-                <a:solidFill>
-                  <a:srgbClr val="0000FF"/>
-                </a:solidFill>
-                <a:latin typeface="Cascadia Mono" panose="020B0609020000020004" pitchFamily="49" charset="0"/>
-              </a:rPr>
-              <a:t>float</a:t>
-            </a:r>
-            <a:r>
-              <a:rPr lang="en-GB" sz="2000" dirty="0">
-                <a:solidFill>
-                  <a:srgbClr val="000000"/>
-                </a:solidFill>
-                <a:latin typeface="Cascadia Mono" panose="020B0609020000020004" pitchFamily="49" charset="0"/>
-              </a:rPr>
-              <a:t> </a:t>
-            </a:r>
-            <a:r>
-              <a:rPr lang="en-GB" sz="2000" dirty="0" err="1">
-                <a:solidFill>
-                  <a:srgbClr val="2B91AF"/>
-                </a:solidFill>
-                <a:latin typeface="Cascadia Mono" panose="020B0609020000020004" pitchFamily="49" charset="0"/>
-              </a:rPr>
-              <a:t>PluginAudioProcessor</a:t>
-            </a:r>
-            <a:r>
-              <a:rPr lang="en-GB" sz="2000" dirty="0">
-                <a:solidFill>
-                  <a:srgbClr val="000000"/>
-                </a:solidFill>
-                <a:latin typeface="Cascadia Mono" panose="020B0609020000020004" pitchFamily="49" charset="0"/>
-              </a:rPr>
-              <a:t>::</a:t>
-            </a:r>
-            <a:r>
-              <a:rPr lang="en-GB" sz="2000" dirty="0" err="1">
-                <a:solidFill>
-                  <a:srgbClr val="000000"/>
-                </a:solidFill>
-                <a:latin typeface="Cascadia Mono" panose="020B0609020000020004" pitchFamily="49" charset="0"/>
-              </a:rPr>
-              <a:t>interpolateSample</a:t>
-            </a:r>
-            <a:r>
-              <a:rPr lang="en-GB" sz="2000" dirty="0">
-                <a:solidFill>
-                  <a:srgbClr val="000000"/>
-                </a:solidFill>
-                <a:latin typeface="Cascadia Mono" panose="020B0609020000020004" pitchFamily="49" charset="0"/>
-              </a:rPr>
-              <a:t>(</a:t>
-            </a:r>
-            <a:r>
-              <a:rPr lang="en-GB" sz="2000" dirty="0">
-                <a:solidFill>
-                  <a:srgbClr val="0000FF"/>
-                </a:solidFill>
-                <a:latin typeface="Cascadia Mono" panose="020B0609020000020004" pitchFamily="49" charset="0"/>
-              </a:rPr>
-              <a:t>int</a:t>
-            </a:r>
-            <a:r>
-              <a:rPr lang="en-GB" sz="2000" dirty="0">
-                <a:solidFill>
-                  <a:srgbClr val="000000"/>
-                </a:solidFill>
-                <a:latin typeface="Cascadia Mono" panose="020B0609020000020004" pitchFamily="49" charset="0"/>
-              </a:rPr>
-              <a:t> </a:t>
-            </a:r>
-            <a:r>
-              <a:rPr lang="en-GB" sz="2000" dirty="0">
-                <a:solidFill>
-                  <a:srgbClr val="808080"/>
-                </a:solidFill>
-                <a:latin typeface="Cascadia Mono" panose="020B0609020000020004" pitchFamily="49" charset="0"/>
-              </a:rPr>
-              <a:t>type</a:t>
-            </a:r>
-            <a:r>
-              <a:rPr lang="en-GB" sz="2000" dirty="0">
-                <a:solidFill>
-                  <a:srgbClr val="000000"/>
-                </a:solidFill>
-                <a:latin typeface="Cascadia Mono" panose="020B0609020000020004" pitchFamily="49" charset="0"/>
-              </a:rPr>
-              <a:t>, </a:t>
-            </a:r>
-          </a:p>
-          <a:p>
-            <a:r>
-              <a:rPr lang="en-GB" sz="2000" dirty="0">
-                <a:solidFill>
-                  <a:srgbClr val="000000"/>
-                </a:solidFill>
-                <a:latin typeface="Cascadia Mono" panose="020B0609020000020004" pitchFamily="49" charset="0"/>
-              </a:rPr>
-              <a:t>       </a:t>
-            </a:r>
-            <a:r>
-              <a:rPr lang="en-GB" sz="2000" dirty="0">
-                <a:solidFill>
-                  <a:srgbClr val="0000FF"/>
-                </a:solidFill>
-                <a:latin typeface="Cascadia Mono" panose="020B0609020000020004" pitchFamily="49" charset="0"/>
-              </a:rPr>
-              <a:t>float</a:t>
-            </a:r>
-            <a:r>
-              <a:rPr lang="en-GB" sz="2000" dirty="0">
-                <a:solidFill>
-                  <a:srgbClr val="000000"/>
-                </a:solidFill>
-                <a:latin typeface="Cascadia Mono" panose="020B0609020000020004" pitchFamily="49" charset="0"/>
-              </a:rPr>
-              <a:t> </a:t>
-            </a:r>
-            <a:r>
-              <a:rPr lang="en-GB" sz="2000" dirty="0" err="1">
-                <a:solidFill>
-                  <a:srgbClr val="808080"/>
-                </a:solidFill>
-                <a:latin typeface="Cascadia Mono" panose="020B0609020000020004" pitchFamily="49" charset="0"/>
-              </a:rPr>
-              <a:t>delayReadPosition</a:t>
-            </a:r>
-            <a:r>
-              <a:rPr lang="en-GB" sz="2000" dirty="0">
-                <a:solidFill>
-                  <a:srgbClr val="000000"/>
-                </a:solidFill>
-                <a:latin typeface="Cascadia Mono" panose="020B0609020000020004" pitchFamily="49" charset="0"/>
-              </a:rPr>
-              <a:t>, </a:t>
-            </a:r>
-            <a:r>
-              <a:rPr lang="en-GB" sz="2000" dirty="0">
-                <a:solidFill>
-                  <a:srgbClr val="0000FF"/>
-                </a:solidFill>
-                <a:latin typeface="Cascadia Mono" panose="020B0609020000020004" pitchFamily="49" charset="0"/>
-              </a:rPr>
-              <a:t>float</a:t>
-            </a:r>
-            <a:r>
-              <a:rPr lang="en-GB" sz="2000" dirty="0">
-                <a:solidFill>
-                  <a:srgbClr val="000000"/>
-                </a:solidFill>
-                <a:latin typeface="Cascadia Mono" panose="020B0609020000020004" pitchFamily="49" charset="0"/>
-              </a:rPr>
-              <a:t>* </a:t>
-            </a:r>
-            <a:r>
-              <a:rPr lang="en-GB" sz="2000" dirty="0" err="1">
-                <a:solidFill>
-                  <a:srgbClr val="808080"/>
-                </a:solidFill>
-                <a:latin typeface="Cascadia Mono" panose="020B0609020000020004" pitchFamily="49" charset="0"/>
-              </a:rPr>
-              <a:t>delayData</a:t>
-            </a:r>
-            <a:r>
-              <a:rPr lang="en-GB" sz="2000" dirty="0">
-                <a:solidFill>
-                  <a:srgbClr val="000000"/>
-                </a:solidFill>
-                <a:latin typeface="Cascadia Mono" panose="020B0609020000020004" pitchFamily="49" charset="0"/>
-              </a:rPr>
-              <a:t>, </a:t>
-            </a:r>
-            <a:r>
-              <a:rPr lang="en-GB" sz="2000" dirty="0">
-                <a:solidFill>
-                  <a:srgbClr val="0000FF"/>
-                </a:solidFill>
-                <a:latin typeface="Cascadia Mono" panose="020B0609020000020004" pitchFamily="49" charset="0"/>
-              </a:rPr>
-              <a:t>int</a:t>
-            </a:r>
-            <a:r>
-              <a:rPr lang="en-GB" sz="2000" dirty="0">
-                <a:solidFill>
-                  <a:srgbClr val="000000"/>
-                </a:solidFill>
-                <a:latin typeface="Cascadia Mono" panose="020B0609020000020004" pitchFamily="49" charset="0"/>
-              </a:rPr>
-              <a:t> </a:t>
-            </a:r>
-            <a:r>
-              <a:rPr lang="en-GB" sz="2000" dirty="0" err="1">
-                <a:solidFill>
-                  <a:srgbClr val="808080"/>
-                </a:solidFill>
-                <a:latin typeface="Cascadia Mono" panose="020B0609020000020004" pitchFamily="49" charset="0"/>
-              </a:rPr>
-              <a:t>delayBufferLength</a:t>
-            </a:r>
-            <a:r>
-              <a:rPr lang="en-GB" sz="2000" dirty="0">
-                <a:solidFill>
-                  <a:srgbClr val="000000"/>
-                </a:solidFill>
-                <a:latin typeface="Cascadia Mono" panose="020B0609020000020004" pitchFamily="49" charset="0"/>
-              </a:rPr>
-              <a:t>) {</a:t>
-            </a:r>
-          </a:p>
-          <a:p>
-            <a:r>
-              <a:rPr lang="en-GB" sz="2000" dirty="0">
-                <a:solidFill>
-                  <a:srgbClr val="000000"/>
-                </a:solidFill>
-                <a:latin typeface="Cascadia Mono" panose="020B0609020000020004" pitchFamily="49" charset="0"/>
-              </a:rPr>
-              <a:t>  </a:t>
-            </a:r>
-            <a:r>
-              <a:rPr lang="en-GB" sz="2000" dirty="0">
-                <a:solidFill>
-                  <a:srgbClr val="0000FF"/>
-                </a:solidFill>
-                <a:latin typeface="Cascadia Mono" panose="020B0609020000020004" pitchFamily="49" charset="0"/>
-              </a:rPr>
-              <a:t>switch</a:t>
-            </a:r>
-            <a:r>
-              <a:rPr lang="en-GB" sz="2000" dirty="0">
-                <a:solidFill>
-                  <a:srgbClr val="000000"/>
-                </a:solidFill>
-                <a:latin typeface="Cascadia Mono" panose="020B0609020000020004" pitchFamily="49" charset="0"/>
-              </a:rPr>
-              <a:t> (</a:t>
-            </a:r>
-            <a:r>
-              <a:rPr lang="en-GB" sz="2000" dirty="0">
-                <a:solidFill>
-                  <a:srgbClr val="808080"/>
-                </a:solidFill>
-                <a:latin typeface="Cascadia Mono" panose="020B0609020000020004" pitchFamily="49" charset="0"/>
-              </a:rPr>
-              <a:t>type</a:t>
-            </a:r>
-            <a:r>
-              <a:rPr lang="en-GB" sz="2000" dirty="0">
-                <a:solidFill>
-                  <a:srgbClr val="000000"/>
-                </a:solidFill>
-                <a:latin typeface="Cascadia Mono" panose="020B0609020000020004" pitchFamily="49" charset="0"/>
-              </a:rPr>
-              <a:t>) {</a:t>
-            </a:r>
-          </a:p>
-          <a:p>
-            <a:r>
-              <a:rPr lang="en-GB" sz="2000" dirty="0">
-                <a:solidFill>
-                  <a:srgbClr val="0000FF"/>
-                </a:solidFill>
-                <a:latin typeface="Cascadia Mono" panose="020B0609020000020004" pitchFamily="49" charset="0"/>
-              </a:rPr>
-              <a:t>    …</a:t>
-            </a:r>
-          </a:p>
-          <a:p>
-            <a:r>
-              <a:rPr lang="en-GB" sz="2000" dirty="0">
-                <a:solidFill>
-                  <a:srgbClr val="0000FF"/>
-                </a:solidFill>
-                <a:latin typeface="Cascadia Mono" panose="020B0609020000020004" pitchFamily="49" charset="0"/>
-              </a:rPr>
-              <a:t>    case</a:t>
-            </a:r>
-            <a:r>
-              <a:rPr lang="en-GB" sz="2000" dirty="0">
-                <a:solidFill>
-                  <a:srgbClr val="000000"/>
-                </a:solidFill>
-                <a:latin typeface="Cascadia Mono" panose="020B0609020000020004" pitchFamily="49" charset="0"/>
-              </a:rPr>
-              <a:t> 2: { </a:t>
-            </a:r>
-            <a:r>
-              <a:rPr lang="en-GB" sz="2000" dirty="0">
-                <a:solidFill>
-                  <a:srgbClr val="008000"/>
-                </a:solidFill>
-                <a:latin typeface="Cascadia Mono" panose="020B0609020000020004" pitchFamily="49" charset="0"/>
-              </a:rPr>
-              <a:t>//quadratic</a:t>
-            </a:r>
-          </a:p>
-          <a:p>
-            <a:r>
-              <a:rPr lang="en-GB" sz="2000" dirty="0">
-                <a:solidFill>
-                  <a:srgbClr val="000000"/>
-                </a:solidFill>
-                <a:latin typeface="Cascadia Mono" panose="020B0609020000020004" pitchFamily="49" charset="0"/>
-              </a:rPr>
-              <a:t>      </a:t>
-            </a:r>
-            <a:r>
-              <a:rPr lang="en-GB" sz="2000" dirty="0">
-                <a:solidFill>
-                  <a:srgbClr val="0000FF"/>
-                </a:solidFill>
-                <a:latin typeface="Cascadia Mono" panose="020B0609020000020004" pitchFamily="49" charset="0"/>
-              </a:rPr>
-              <a:t>int</a:t>
-            </a:r>
-            <a:r>
-              <a:rPr lang="en-GB" sz="2000" dirty="0">
-                <a:solidFill>
-                  <a:srgbClr val="000000"/>
-                </a:solidFill>
-                <a:latin typeface="Cascadia Mono" panose="020B0609020000020004" pitchFamily="49" charset="0"/>
-              </a:rPr>
-              <a:t> sample1 = (</a:t>
-            </a:r>
-            <a:r>
-              <a:rPr lang="en-GB" sz="2000" dirty="0">
-                <a:solidFill>
-                  <a:srgbClr val="0000FF"/>
-                </a:solidFill>
-                <a:latin typeface="Cascadia Mono" panose="020B0609020000020004" pitchFamily="49" charset="0"/>
-              </a:rPr>
-              <a:t>int</a:t>
-            </a:r>
-            <a:r>
-              <a:rPr lang="en-GB" sz="2000" dirty="0">
-                <a:solidFill>
-                  <a:srgbClr val="000000"/>
-                </a:solidFill>
-                <a:latin typeface="Cascadia Mono" panose="020B0609020000020004" pitchFamily="49" charset="0"/>
-              </a:rPr>
-              <a:t>)</a:t>
-            </a:r>
-            <a:r>
-              <a:rPr lang="en-GB" sz="2000" dirty="0" err="1">
-                <a:solidFill>
-                  <a:srgbClr val="000000"/>
-                </a:solidFill>
-                <a:latin typeface="Cascadia Mono" panose="020B0609020000020004" pitchFamily="49" charset="0"/>
-              </a:rPr>
-              <a:t>floorf</a:t>
-            </a:r>
-            <a:r>
-              <a:rPr lang="en-GB" sz="2000" dirty="0">
-                <a:solidFill>
-                  <a:srgbClr val="000000"/>
-                </a:solidFill>
-                <a:latin typeface="Cascadia Mono" panose="020B0609020000020004" pitchFamily="49" charset="0"/>
-              </a:rPr>
-              <a:t>(</a:t>
-            </a:r>
-            <a:r>
-              <a:rPr lang="en-GB" sz="2000" dirty="0" err="1">
-                <a:solidFill>
-                  <a:srgbClr val="808080"/>
-                </a:solidFill>
-                <a:latin typeface="Cascadia Mono" panose="020B0609020000020004" pitchFamily="49" charset="0"/>
-              </a:rPr>
-              <a:t>delayReadPosition</a:t>
-            </a:r>
-            <a:r>
-              <a:rPr lang="en-GB" sz="2000" dirty="0">
-                <a:solidFill>
-                  <a:srgbClr val="000000"/>
-                </a:solidFill>
-                <a:latin typeface="Cascadia Mono" panose="020B0609020000020004" pitchFamily="49" charset="0"/>
-              </a:rPr>
-              <a:t> + 0.5) % </a:t>
-            </a:r>
-            <a:r>
-              <a:rPr lang="en-GB" sz="2000" dirty="0" err="1">
-                <a:solidFill>
-                  <a:srgbClr val="808080"/>
-                </a:solidFill>
-                <a:latin typeface="Cascadia Mono" panose="020B0609020000020004" pitchFamily="49" charset="0"/>
-              </a:rPr>
-              <a:t>delayBufferLength</a:t>
-            </a:r>
-            <a:r>
-              <a:rPr lang="en-GB" sz="2000" dirty="0">
-                <a:solidFill>
-                  <a:srgbClr val="000000"/>
-                </a:solidFill>
-                <a:latin typeface="Cascadia Mono" panose="020B0609020000020004" pitchFamily="49" charset="0"/>
-              </a:rPr>
-              <a:t>;</a:t>
-            </a:r>
-          </a:p>
-          <a:p>
-            <a:r>
-              <a:rPr lang="en-GB" sz="2000" dirty="0">
-                <a:solidFill>
-                  <a:srgbClr val="000000"/>
-                </a:solidFill>
-                <a:latin typeface="Cascadia Mono" panose="020B0609020000020004" pitchFamily="49" charset="0"/>
-              </a:rPr>
-              <a:t>      </a:t>
-            </a:r>
-            <a:r>
-              <a:rPr lang="en-GB" sz="2000" dirty="0">
-                <a:solidFill>
-                  <a:srgbClr val="0000FF"/>
-                </a:solidFill>
-                <a:latin typeface="Cascadia Mono" panose="020B0609020000020004" pitchFamily="49" charset="0"/>
-              </a:rPr>
-              <a:t>int</a:t>
-            </a:r>
-            <a:r>
-              <a:rPr lang="en-GB" sz="2000" dirty="0">
-                <a:solidFill>
-                  <a:srgbClr val="000000"/>
-                </a:solidFill>
-                <a:latin typeface="Cascadia Mono" panose="020B0609020000020004" pitchFamily="49" charset="0"/>
-              </a:rPr>
-              <a:t> sample2 = (sample1 + 1) % </a:t>
-            </a:r>
-            <a:r>
-              <a:rPr lang="en-GB" sz="2000" dirty="0" err="1">
-                <a:solidFill>
-                  <a:srgbClr val="808080"/>
-                </a:solidFill>
-                <a:latin typeface="Cascadia Mono" panose="020B0609020000020004" pitchFamily="49" charset="0"/>
-              </a:rPr>
-              <a:t>delayBufferLength</a:t>
-            </a:r>
-            <a:r>
-              <a:rPr lang="en-GB" sz="2000" dirty="0">
-                <a:solidFill>
-                  <a:srgbClr val="000000"/>
-                </a:solidFill>
-                <a:latin typeface="Cascadia Mono" panose="020B0609020000020004" pitchFamily="49" charset="0"/>
-              </a:rPr>
-              <a:t>;</a:t>
-            </a:r>
-          </a:p>
-          <a:p>
-            <a:r>
-              <a:rPr lang="en-GB" sz="2000" dirty="0">
-                <a:solidFill>
-                  <a:srgbClr val="000000"/>
-                </a:solidFill>
-                <a:latin typeface="Cascadia Mono" panose="020B0609020000020004" pitchFamily="49" charset="0"/>
-              </a:rPr>
-              <a:t>      </a:t>
-            </a:r>
-            <a:r>
-              <a:rPr lang="en-GB" sz="2000" dirty="0">
-                <a:solidFill>
-                  <a:srgbClr val="0000FF"/>
-                </a:solidFill>
-                <a:latin typeface="Cascadia Mono" panose="020B0609020000020004" pitchFamily="49" charset="0"/>
-              </a:rPr>
-              <a:t>int</a:t>
-            </a:r>
-            <a:r>
-              <a:rPr lang="en-GB" sz="2000" dirty="0">
-                <a:solidFill>
-                  <a:srgbClr val="000000"/>
-                </a:solidFill>
-                <a:latin typeface="Cascadia Mono" panose="020B0609020000020004" pitchFamily="49" charset="0"/>
-              </a:rPr>
-              <a:t> sample0 = (sample1 - 1) % </a:t>
-            </a:r>
-            <a:r>
-              <a:rPr lang="en-GB" sz="2000" dirty="0" err="1">
-                <a:solidFill>
-                  <a:srgbClr val="808080"/>
-                </a:solidFill>
-                <a:latin typeface="Cascadia Mono" panose="020B0609020000020004" pitchFamily="49" charset="0"/>
-              </a:rPr>
-              <a:t>delayBufferLength</a:t>
-            </a:r>
-            <a:r>
-              <a:rPr lang="en-GB" sz="2000" dirty="0">
-                <a:solidFill>
-                  <a:srgbClr val="000000"/>
-                </a:solidFill>
-                <a:latin typeface="Cascadia Mono" panose="020B0609020000020004" pitchFamily="49" charset="0"/>
-              </a:rPr>
-              <a:t>;</a:t>
-            </a:r>
-          </a:p>
-          <a:p>
-            <a:r>
-              <a:rPr lang="en-GB" sz="2000" dirty="0">
-                <a:solidFill>
-                  <a:srgbClr val="000000"/>
-                </a:solidFill>
-                <a:latin typeface="Cascadia Mono" panose="020B0609020000020004" pitchFamily="49" charset="0"/>
-              </a:rPr>
-              <a:t>      </a:t>
-            </a:r>
-            <a:r>
-              <a:rPr lang="en-GB" sz="2000" dirty="0">
-                <a:solidFill>
-                  <a:srgbClr val="0000FF"/>
-                </a:solidFill>
-                <a:latin typeface="Cascadia Mono" panose="020B0609020000020004" pitchFamily="49" charset="0"/>
-              </a:rPr>
-              <a:t>float</a:t>
-            </a:r>
-            <a:r>
-              <a:rPr lang="en-GB" sz="2000" dirty="0">
-                <a:solidFill>
-                  <a:srgbClr val="000000"/>
-                </a:solidFill>
-                <a:latin typeface="Cascadia Mono" panose="020B0609020000020004" pitchFamily="49" charset="0"/>
-              </a:rPr>
-              <a:t> fraction = </a:t>
-            </a:r>
-            <a:r>
-              <a:rPr lang="en-GB" sz="2000" dirty="0" err="1">
-                <a:solidFill>
-                  <a:srgbClr val="808080"/>
-                </a:solidFill>
-                <a:latin typeface="Cascadia Mono" panose="020B0609020000020004" pitchFamily="49" charset="0"/>
-              </a:rPr>
-              <a:t>delayReadPosition</a:t>
-            </a:r>
-            <a:r>
-              <a:rPr lang="en-GB" sz="2000" dirty="0">
-                <a:solidFill>
-                  <a:srgbClr val="000000"/>
-                </a:solidFill>
-                <a:latin typeface="Cascadia Mono" panose="020B0609020000020004" pitchFamily="49" charset="0"/>
-              </a:rPr>
-              <a:t> - sample1;</a:t>
-            </a:r>
-          </a:p>
-          <a:p>
-            <a:r>
-              <a:rPr lang="en-GB" sz="2000" dirty="0">
-                <a:solidFill>
-                  <a:srgbClr val="000000"/>
-                </a:solidFill>
-                <a:latin typeface="Cascadia Mono" panose="020B0609020000020004" pitchFamily="49" charset="0"/>
-              </a:rPr>
-              <a:t>      </a:t>
-            </a:r>
-            <a:r>
-              <a:rPr lang="en-GB" sz="2000" dirty="0">
-                <a:solidFill>
-                  <a:srgbClr val="0000FF"/>
-                </a:solidFill>
-                <a:latin typeface="Cascadia Mono" panose="020B0609020000020004" pitchFamily="49" charset="0"/>
-              </a:rPr>
-              <a:t>return</a:t>
-            </a:r>
-            <a:r>
-              <a:rPr lang="en-GB" sz="2000" dirty="0">
-                <a:solidFill>
-                  <a:srgbClr val="000000"/>
-                </a:solidFill>
-                <a:latin typeface="Cascadia Mono" panose="020B0609020000020004" pitchFamily="49" charset="0"/>
-              </a:rPr>
-              <a:t> (fraction * (fraction - 1) * </a:t>
-            </a:r>
-            <a:r>
-              <a:rPr lang="en-GB" sz="2000" dirty="0" err="1">
-                <a:solidFill>
-                  <a:srgbClr val="808080"/>
-                </a:solidFill>
-                <a:latin typeface="Cascadia Mono" panose="020B0609020000020004" pitchFamily="49" charset="0"/>
-              </a:rPr>
-              <a:t>delayData</a:t>
-            </a:r>
-            <a:r>
-              <a:rPr lang="en-GB" sz="2000" dirty="0">
-                <a:solidFill>
-                  <a:srgbClr val="000000"/>
-                </a:solidFill>
-                <a:latin typeface="Cascadia Mono" panose="020B0609020000020004" pitchFamily="49" charset="0"/>
-              </a:rPr>
-              <a:t>[sample0]</a:t>
-            </a:r>
-          </a:p>
-          <a:p>
-            <a:r>
-              <a:rPr lang="en-GB" sz="2000" dirty="0">
-                <a:solidFill>
-                  <a:srgbClr val="000000"/>
-                </a:solidFill>
-                <a:latin typeface="Cascadia Mono" panose="020B0609020000020004" pitchFamily="49" charset="0"/>
-              </a:rPr>
-              <a:t>           - 2 * (fraction - 1) * (fraction + 1) * </a:t>
-            </a:r>
-            <a:r>
-              <a:rPr lang="en-GB" sz="2000" dirty="0" err="1">
-                <a:solidFill>
-                  <a:srgbClr val="808080"/>
-                </a:solidFill>
-                <a:latin typeface="Cascadia Mono" panose="020B0609020000020004" pitchFamily="49" charset="0"/>
-              </a:rPr>
-              <a:t>delayData</a:t>
-            </a:r>
-            <a:r>
-              <a:rPr lang="en-GB" sz="2000" dirty="0">
-                <a:solidFill>
-                  <a:srgbClr val="000000"/>
-                </a:solidFill>
-                <a:latin typeface="Cascadia Mono" panose="020B0609020000020004" pitchFamily="49" charset="0"/>
-              </a:rPr>
-              <a:t>[sample1]</a:t>
-            </a:r>
-          </a:p>
-          <a:p>
-            <a:r>
-              <a:rPr lang="en-GB" sz="2000" dirty="0">
-                <a:solidFill>
-                  <a:srgbClr val="000000"/>
-                </a:solidFill>
-                <a:latin typeface="Cascadia Mono" panose="020B0609020000020004" pitchFamily="49" charset="0"/>
-              </a:rPr>
-              <a:t>           + fraction * (fraction + 1) * </a:t>
-            </a:r>
-            <a:r>
-              <a:rPr lang="en-GB" sz="2000" dirty="0" err="1">
-                <a:solidFill>
-                  <a:srgbClr val="808080"/>
-                </a:solidFill>
-                <a:latin typeface="Cascadia Mono" panose="020B0609020000020004" pitchFamily="49" charset="0"/>
-              </a:rPr>
-              <a:t>delayData</a:t>
-            </a:r>
-            <a:r>
-              <a:rPr lang="en-GB" sz="2000" dirty="0">
-                <a:solidFill>
-                  <a:srgbClr val="000000"/>
-                </a:solidFill>
-                <a:latin typeface="Cascadia Mono" panose="020B0609020000020004" pitchFamily="49" charset="0"/>
-              </a:rPr>
-              <a:t>[sample2]) / 2.0f;</a:t>
-            </a:r>
-          </a:p>
-          <a:p>
-            <a:r>
-              <a:rPr lang="en-GB" sz="2000" dirty="0">
-                <a:solidFill>
-                  <a:srgbClr val="000000"/>
-                </a:solidFill>
-                <a:latin typeface="Cascadia Mono" panose="020B0609020000020004" pitchFamily="49" charset="0"/>
-              </a:rPr>
-              <a:t>    }</a:t>
-            </a:r>
-          </a:p>
-          <a:p>
-            <a:r>
-              <a:rPr lang="en-GB" sz="2000" dirty="0">
-                <a:solidFill>
-                  <a:srgbClr val="000000"/>
-                </a:solidFill>
-                <a:latin typeface="Cascadia Mono" panose="020B0609020000020004" pitchFamily="49" charset="0"/>
-              </a:rPr>
-              <a:t>  }</a:t>
-            </a:r>
-          </a:p>
-          <a:p>
-            <a:r>
-              <a:rPr lang="en-GB" sz="2000" dirty="0">
-                <a:solidFill>
-                  <a:srgbClr val="000000"/>
-                </a:solidFill>
-                <a:latin typeface="Cascadia Mono" panose="020B0609020000020004" pitchFamily="49" charset="0"/>
-              </a:rPr>
-              <a:t>}</a:t>
-            </a:r>
-            <a:endParaRPr lang="en-GB" sz="2800" dirty="0">
-              <a:solidFill>
-                <a:srgbClr val="000000"/>
-              </a:solidFill>
-              <a:latin typeface="Cascadia Mono" panose="020B0609020000020004" pitchFamily="49" charset="0"/>
-            </a:endParaRPr>
-          </a:p>
-        </p:txBody>
-      </p:sp>
-      <p:cxnSp>
-        <p:nvCxnSpPr>
-          <p:cNvPr id="14" name="Straight Arrow Connector 13">
-            <a:extLst>
-              <a:ext uri="{FF2B5EF4-FFF2-40B4-BE49-F238E27FC236}">
-                <a16:creationId xmlns:a16="http://schemas.microsoft.com/office/drawing/2014/main" id="{FCC83061-C463-0CEC-AA4B-05FDEB66BBB7}"/>
-              </a:ext>
-            </a:extLst>
-          </p:cNvPr>
-          <p:cNvCxnSpPr>
-            <a:cxnSpLocks/>
-            <a:endCxn id="15" idx="1"/>
-          </p:cNvCxnSpPr>
-          <p:nvPr/>
-        </p:nvCxnSpPr>
-        <p:spPr>
-          <a:xfrm flipV="1">
-            <a:off x="4326966" y="2295381"/>
-            <a:ext cx="4159622" cy="969496"/>
-          </a:xfrm>
-          <a:prstGeom prst="straightConnector1">
-            <a:avLst/>
-          </a:prstGeom>
-          <a:ln w="25400">
-            <a:headEnd type="arrow" w="lg" len="lg"/>
-            <a:tailEnd type="none"/>
-          </a:ln>
-        </p:spPr>
-        <p:style>
-          <a:lnRef idx="1">
-            <a:schemeClr val="accent1"/>
-          </a:lnRef>
-          <a:fillRef idx="0">
-            <a:schemeClr val="accent1"/>
-          </a:fillRef>
-          <a:effectRef idx="0">
-            <a:schemeClr val="accent1"/>
-          </a:effectRef>
-          <a:fontRef idx="minor">
-            <a:schemeClr val="tx1"/>
-          </a:fontRef>
-        </p:style>
-      </p:cxnSp>
-      <p:sp>
-        <p:nvSpPr>
-          <p:cNvPr id="15" name="TextBox 14">
-            <a:extLst>
-              <a:ext uri="{FF2B5EF4-FFF2-40B4-BE49-F238E27FC236}">
-                <a16:creationId xmlns:a16="http://schemas.microsoft.com/office/drawing/2014/main" id="{4831D541-01FF-060A-52C7-DD916370C7FB}"/>
-              </a:ext>
-            </a:extLst>
-          </p:cNvPr>
-          <p:cNvSpPr txBox="1"/>
-          <p:nvPr/>
-        </p:nvSpPr>
-        <p:spPr>
-          <a:xfrm>
-            <a:off x="8486588" y="1633661"/>
-            <a:ext cx="2674471" cy="1323439"/>
-          </a:xfrm>
-          <a:prstGeom prst="rect">
-            <a:avLst/>
-          </a:prstGeom>
-          <a:solidFill>
-            <a:schemeClr val="bg1"/>
-          </a:solidFill>
-          <a:ln w="25400">
-            <a:solidFill>
-              <a:schemeClr val="accent1"/>
-            </a:solidFill>
-          </a:ln>
-        </p:spPr>
-        <p:txBody>
-          <a:bodyPr wrap="square" rtlCol="0">
-            <a:spAutoFit/>
-          </a:bodyPr>
-          <a:lstStyle/>
-          <a:p>
-            <a:r>
-              <a:rPr lang="en-GB" sz="2000" dirty="0"/>
-              <a:t>adjust sample weights with fraction by which read pointer between 3 samples</a:t>
-            </a:r>
-          </a:p>
-        </p:txBody>
-      </p:sp>
-    </p:spTree>
-    <p:extLst>
-      <p:ext uri="{BB962C8B-B14F-4D97-AF65-F5344CB8AC3E}">
-        <p14:creationId xmlns:p14="http://schemas.microsoft.com/office/powerpoint/2010/main" val="705262965"/>
-      </p:ext>
-    </p:extLst>
-  </p:cSld>
-  <p:clrMapOvr>
-    <a:masterClrMapping/>
-  </p:clrMapOvr>
-  <p:transition/>
-  <p:timing>
-    <p:tnLst>
-      <p:par>
-        <p:cTn id="1" dur="indefinite" restart="never" nodeType="tmRoot">
-          <p:childTnLst>
-            <p:seq concurrent="1" nextAc="seek">
-              <p:cTn id="2" dur="indefinite" nodeType="mainSeq">
-                <p:childTnLst>
-                  <p:par>
-                    <p:cTn id="3" fill="hold">
-                      <p:stCondLst>
-                        <p:cond delay="indefinite"/>
-                      </p:stCondLst>
-                      <p:childTnLst>
-                        <p:par>
-                          <p:cTn id="4" fill="hold">
-                            <p:stCondLst>
-                              <p:cond delay="0"/>
-                            </p:stCondLst>
-                            <p:childTnLst>
-                              <p:par>
-                                <p:cTn id="5" presetID="1" presetClass="entr" presetSubtype="0" fill="hold" nodeType="clickEffect">
-                                  <p:stCondLst>
-                                    <p:cond delay="0"/>
-                                  </p:stCondLst>
-                                  <p:childTnLst>
-                                    <p:set>
-                                      <p:cBhvr>
-                                        <p:cTn id="6" dur="1" fill="hold">
-                                          <p:stCondLst>
-                                            <p:cond delay="0"/>
-                                          </p:stCondLst>
-                                        </p:cTn>
-                                        <p:tgtEl>
-                                          <p:spTgt spid="14"/>
-                                        </p:tgtEl>
-                                        <p:attrNameLst>
-                                          <p:attrName>style.visibility</p:attrName>
-                                        </p:attrNameLst>
-                                      </p:cBhvr>
-                                      <p:to>
-                                        <p:strVal val="visible"/>
-                                      </p:to>
-                                    </p:set>
-                                  </p:childTnLst>
-                                </p:cTn>
-                              </p:par>
-                              <p:par>
-                                <p:cTn id="7" presetID="1" presetClass="entr" presetSubtype="0" fill="hold" grpId="0" nodeType="withEffect">
-                                  <p:stCondLst>
-                                    <p:cond delay="0"/>
-                                  </p:stCondLst>
-                                  <p:childTnLst>
-                                    <p:set>
-                                      <p:cBhvr>
-                                        <p:cTn id="8" dur="1" fill="hold">
-                                          <p:stCondLst>
-                                            <p:cond delay="0"/>
-                                          </p:stCondLst>
-                                        </p:cTn>
-                                        <p:tgtEl>
-                                          <p:spTgt spid="15"/>
-                                        </p:tgtEl>
-                                        <p:attrNameLst>
-                                          <p:attrName>style.visibility</p:attrName>
-                                        </p:attrNameLst>
-                                      </p:cBhvr>
-                                      <p:to>
-                                        <p:strVal val="visible"/>
-                                      </p:to>
-                                    </p:set>
-                                  </p:childTnLst>
-                                </p:cTn>
-                              </p:par>
-                            </p:childTnLst>
-                          </p:cTn>
-                        </p:par>
-                      </p:childTnLst>
-                    </p:cTn>
-                  </p:par>
-                  <p:par>
-                    <p:cTn id="9" fill="hold">
-                      <p:stCondLst>
-                        <p:cond delay="indefinite"/>
-                      </p:stCondLst>
-                      <p:childTnLst>
-                        <p:par>
-                          <p:cTn id="10" fill="hold">
-                            <p:stCondLst>
-                              <p:cond delay="0"/>
-                            </p:stCondLst>
-                            <p:childTnLst>
-                              <p:par>
-                                <p:cTn id="11" presetID="2" presetClass="exit" presetSubtype="4" fill="hold" nodeType="clickEffect">
-                                  <p:stCondLst>
-                                    <p:cond delay="0"/>
-                                  </p:stCondLst>
-                                  <p:childTnLst>
-                                    <p:anim calcmode="lin" valueType="num">
-                                      <p:cBhvr additive="base">
-                                        <p:cTn id="12" dur="500"/>
-                                        <p:tgtEl>
-                                          <p:spTgt spid="14"/>
-                                        </p:tgtEl>
-                                        <p:attrNameLst>
-                                          <p:attrName>ppt_x</p:attrName>
-                                        </p:attrNameLst>
-                                      </p:cBhvr>
-                                      <p:tavLst>
-                                        <p:tav tm="0">
-                                          <p:val>
-                                            <p:strVal val="ppt_x"/>
-                                          </p:val>
-                                        </p:tav>
-                                        <p:tav tm="100000">
-                                          <p:val>
-                                            <p:strVal val="ppt_x"/>
-                                          </p:val>
-                                        </p:tav>
-                                      </p:tavLst>
-                                    </p:anim>
-                                    <p:anim calcmode="lin" valueType="num">
-                                      <p:cBhvr additive="base">
-                                        <p:cTn id="13" dur="500"/>
-                                        <p:tgtEl>
-                                          <p:spTgt spid="14"/>
-                                        </p:tgtEl>
-                                        <p:attrNameLst>
-                                          <p:attrName>ppt_y</p:attrName>
-                                        </p:attrNameLst>
-                                      </p:cBhvr>
-                                      <p:tavLst>
-                                        <p:tav tm="0">
-                                          <p:val>
-                                            <p:strVal val="ppt_y"/>
-                                          </p:val>
-                                        </p:tav>
-                                        <p:tav tm="100000">
-                                          <p:val>
-                                            <p:strVal val="1+ppt_h/2"/>
-                                          </p:val>
-                                        </p:tav>
-                                      </p:tavLst>
-                                    </p:anim>
-                                    <p:set>
-                                      <p:cBhvr>
-                                        <p:cTn id="14" dur="1" fill="hold">
-                                          <p:stCondLst>
-                                            <p:cond delay="499"/>
-                                          </p:stCondLst>
-                                        </p:cTn>
-                                        <p:tgtEl>
-                                          <p:spTgt spid="14"/>
-                                        </p:tgtEl>
-                                        <p:attrNameLst>
-                                          <p:attrName>style.visibility</p:attrName>
-                                        </p:attrNameLst>
-                                      </p:cBhvr>
-                                      <p:to>
-                                        <p:strVal val="hidden"/>
-                                      </p:to>
-                                    </p:set>
-                                  </p:childTnLst>
-                                </p:cTn>
-                              </p:par>
-                              <p:par>
-                                <p:cTn id="15" presetID="2" presetClass="exit" presetSubtype="4" fill="hold" grpId="1" nodeType="withEffect">
-                                  <p:stCondLst>
-                                    <p:cond delay="0"/>
-                                  </p:stCondLst>
-                                  <p:childTnLst>
-                                    <p:anim calcmode="lin" valueType="num">
-                                      <p:cBhvr additive="base">
-                                        <p:cTn id="16" dur="500"/>
-                                        <p:tgtEl>
-                                          <p:spTgt spid="15"/>
-                                        </p:tgtEl>
-                                        <p:attrNameLst>
-                                          <p:attrName>ppt_x</p:attrName>
-                                        </p:attrNameLst>
-                                      </p:cBhvr>
-                                      <p:tavLst>
-                                        <p:tav tm="0">
-                                          <p:val>
-                                            <p:strVal val="ppt_x"/>
-                                          </p:val>
-                                        </p:tav>
-                                        <p:tav tm="100000">
-                                          <p:val>
-                                            <p:strVal val="ppt_x"/>
-                                          </p:val>
-                                        </p:tav>
-                                      </p:tavLst>
-                                    </p:anim>
-                                    <p:anim calcmode="lin" valueType="num">
-                                      <p:cBhvr additive="base">
-                                        <p:cTn id="17" dur="500"/>
-                                        <p:tgtEl>
-                                          <p:spTgt spid="15"/>
-                                        </p:tgtEl>
-                                        <p:attrNameLst>
-                                          <p:attrName>ppt_y</p:attrName>
-                                        </p:attrNameLst>
-                                      </p:cBhvr>
-                                      <p:tavLst>
-                                        <p:tav tm="0">
-                                          <p:val>
-                                            <p:strVal val="ppt_y"/>
-                                          </p:val>
-                                        </p:tav>
-                                        <p:tav tm="100000">
-                                          <p:val>
-                                            <p:strVal val="1+ppt_h/2"/>
-                                          </p:val>
-                                        </p:tav>
-                                      </p:tavLst>
-                                    </p:anim>
-                                    <p:set>
-                                      <p:cBhvr>
-                                        <p:cTn id="18" dur="1" fill="hold">
-                                          <p:stCondLst>
-                                            <p:cond delay="499"/>
-                                          </p:stCondLst>
-                                        </p:cTn>
-                                        <p:tgtEl>
-                                          <p:spTgt spid="15"/>
-                                        </p:tgtEl>
-                                        <p:attrNameLst>
-                                          <p:attrName>style.visibility</p:attrName>
-                                        </p:attrNameLst>
-                                      </p:cBhvr>
-                                      <p:to>
-                                        <p:strVal val="hidden"/>
-                                      </p:to>
-                                    </p:set>
-                                  </p:childTnLst>
-                                </p:cTn>
-                              </p:par>
-                            </p:childTnLst>
-                          </p:cTn>
-                        </p:par>
-                      </p:childTnLst>
-                    </p:cTn>
-                  </p:par>
-                </p:childTnLst>
-              </p:cTn>
-              <p:prevCondLst>
-                <p:cond evt="onPrev" delay="0">
-                  <p:tgtEl>
-                    <p:sldTgt/>
-                  </p:tgtEl>
-                </p:cond>
-              </p:prevCondLst>
-              <p:nextCondLst>
-                <p:cond evt="onNext" delay="0">
-                  <p:tgtEl>
-                    <p:sldTgt/>
-                  </p:tgtEl>
-                </p:cond>
-              </p:nextCondLst>
-            </p:seq>
-          </p:childTnLst>
-        </p:cTn>
-      </p:par>
-    </p:tnLst>
-    <p:bldLst>
-      <p:bldP spid="15" grpId="0" animBg="1"/>
-      <p:bldP spid="15" grpId="1" animBg="1"/>
-    </p:bldLst>
-  </p:timing>
 </p:sld>
 </file>
 
@@ -13108,206 +11975,6 @@
           <a:chExt cx="0" cy="0"/>
         </a:xfrm>
       </p:grpSpPr>
-      <p:sp>
-        <p:nvSpPr>
-          <p:cNvPr id="49153" name="Rectangle 1"/>
-          <p:cNvSpPr>
-            <a:spLocks noGrp="1" noChangeArrowheads="1"/>
-          </p:cNvSpPr>
-          <p:nvPr>
-            <p:ph type="title"/>
-          </p:nvPr>
-        </p:nvSpPr>
-        <p:spPr>
-          <a:ln/>
-        </p:spPr>
-        <p:txBody>
-          <a:bodyPr/>
-          <a:lstStyle/>
-          <a:p>
-            <a:r>
-              <a:rPr lang="en-US"/>
-              <a:t>Fractional delay in practice</a:t>
-            </a:r>
-          </a:p>
-        </p:txBody>
-      </p:sp>
-      <p:sp>
-        <p:nvSpPr>
-          <p:cNvPr id="49154" name="Rectangle 2"/>
-          <p:cNvSpPr>
-            <a:spLocks noGrp="1" noChangeArrowheads="1"/>
-          </p:cNvSpPr>
-          <p:nvPr>
-            <p:ph type="body" idx="1"/>
-          </p:nvPr>
-        </p:nvSpPr>
-        <p:spPr>
-          <a:ln/>
-        </p:spPr>
-        <p:txBody>
-          <a:bodyPr anchor="t"/>
-          <a:lstStyle/>
-          <a:p>
-            <a:pPr marL="446469"/>
-            <a:r>
-              <a:rPr lang="en-US" dirty="0"/>
-              <a:t>Use </a:t>
-            </a:r>
-            <a:r>
-              <a:rPr lang="en-US" dirty="0">
-                <a:solidFill>
-                  <a:srgbClr val="0000FF"/>
-                </a:solidFill>
-              </a:rPr>
-              <a:t>interpolation</a:t>
-            </a:r>
-            <a:r>
-              <a:rPr lang="en-US" dirty="0"/>
-              <a:t> between samples</a:t>
-            </a:r>
-          </a:p>
-          <a:p>
-            <a:pPr marL="803643" lvl="1"/>
-            <a:r>
-              <a:rPr lang="en-US" sz="2400" dirty="0"/>
-              <a:t>Linear (fast), second order or cubic (better quality)</a:t>
-            </a:r>
-          </a:p>
-          <a:p>
-            <a:pPr marL="446469"/>
-            <a:r>
-              <a:rPr lang="en-US" sz="2391" dirty="0" err="1"/>
-              <a:t>Pseudocode</a:t>
-            </a:r>
-            <a:r>
-              <a:rPr lang="en-US" sz="2391" dirty="0"/>
-              <a:t> (next slide...)</a:t>
-            </a:r>
-          </a:p>
-          <a:p>
-            <a:pPr marL="803643" lvl="1"/>
-            <a:r>
-              <a:rPr lang="en-US" sz="2400" dirty="0"/>
-              <a:t>Input: </a:t>
-            </a:r>
-          </a:p>
-          <a:p>
-            <a:pPr marL="1071524" lvl="2"/>
-            <a:r>
-              <a:rPr lang="en-US" sz="1800" dirty="0"/>
-              <a:t>An input signal x[n] at sampling rate </a:t>
-            </a:r>
-            <a:r>
-              <a:rPr lang="en-US" sz="1800" dirty="0">
-                <a:latin typeface="Courier" pitchFamily="49" charset="0"/>
-                <a:ea typeface="Courier" pitchFamily="49" charset="0"/>
-                <a:cs typeface="Courier" pitchFamily="49" charset="0"/>
-                <a:sym typeface="Courier" pitchFamily="49" charset="0"/>
-              </a:rPr>
-              <a:t>R</a:t>
-            </a:r>
-            <a:endParaRPr lang="en-US" sz="1800" dirty="0"/>
-          </a:p>
-          <a:p>
-            <a:pPr marL="1071524" lvl="2"/>
-            <a:r>
-              <a:rPr lang="en-US" sz="1800" dirty="0"/>
-              <a:t>Required delay line size </a:t>
-            </a:r>
-            <a:r>
-              <a:rPr lang="en-US" sz="1800" dirty="0">
-                <a:latin typeface="Courier" pitchFamily="49" charset="0"/>
-                <a:ea typeface="Courier" pitchFamily="49" charset="0"/>
-                <a:cs typeface="Courier" pitchFamily="49" charset="0"/>
-                <a:sym typeface="Courier" pitchFamily="49" charset="0"/>
-              </a:rPr>
-              <a:t>D</a:t>
-            </a:r>
-            <a:endParaRPr lang="en-US" sz="1800" dirty="0"/>
-          </a:p>
-          <a:p>
-            <a:pPr marL="1071524" lvl="2"/>
-            <a:r>
-              <a:rPr lang="en-US" sz="1800" dirty="0"/>
-              <a:t>Starting delay for read pointer </a:t>
-            </a:r>
-            <a:r>
-              <a:rPr lang="en-US" sz="1800" dirty="0" err="1">
-                <a:latin typeface="Courier" pitchFamily="49" charset="0"/>
-                <a:ea typeface="Courier" pitchFamily="49" charset="0"/>
-                <a:cs typeface="Courier" pitchFamily="49" charset="0"/>
-                <a:sym typeface="Courier" pitchFamily="49" charset="0"/>
-              </a:rPr>
-              <a:t>initialdelay</a:t>
-            </a:r>
-            <a:endParaRPr lang="en-US" sz="1800" dirty="0"/>
-          </a:p>
-          <a:p>
-            <a:pPr marL="1071524" lvl="2"/>
-            <a:r>
-              <a:rPr lang="en-US" sz="1800" dirty="0"/>
-              <a:t>Read pointer update rate </a:t>
-            </a:r>
-            <a:r>
-              <a:rPr lang="en-US" sz="1800" dirty="0" err="1">
-                <a:latin typeface="Courier" pitchFamily="49" charset="0"/>
-                <a:ea typeface="Courier" pitchFamily="49" charset="0"/>
-                <a:cs typeface="Courier" pitchFamily="49" charset="0"/>
-                <a:sym typeface="Courier" pitchFamily="49" charset="0"/>
-              </a:rPr>
-              <a:t>updateread</a:t>
-            </a:r>
-            <a:r>
-              <a:rPr lang="en-US" sz="1800" dirty="0"/>
-              <a:t> (write pointer update rate=1)</a:t>
-            </a:r>
-            <a:endParaRPr lang="en-US" sz="1547" dirty="0"/>
-          </a:p>
-          <a:p>
-            <a:pPr marL="803643" lvl="1"/>
-            <a:r>
-              <a:rPr lang="en-US" sz="2400" dirty="0"/>
-              <a:t>Output: </a:t>
-            </a:r>
-          </a:p>
-          <a:p>
-            <a:pPr marL="1071524" lvl="2"/>
-            <a:r>
-              <a:rPr lang="en-US" sz="1800" i="1" dirty="0"/>
-              <a:t>N</a:t>
-            </a:r>
-            <a:r>
-              <a:rPr lang="en-US" sz="1800" dirty="0"/>
-              <a:t> samples of signal </a:t>
-            </a:r>
-            <a:r>
-              <a:rPr lang="en-US" sz="1800" i="1" dirty="0"/>
-              <a:t>y</a:t>
-            </a:r>
-            <a:r>
-              <a:rPr lang="en-US" sz="1800" dirty="0"/>
-              <a:t>[</a:t>
-            </a:r>
-            <a:r>
-              <a:rPr lang="en-US" sz="1800" i="1" dirty="0"/>
-              <a:t>n</a:t>
-            </a:r>
-            <a:r>
-              <a:rPr lang="en-US" sz="1800" dirty="0"/>
-              <a:t>] at sampling rate </a:t>
-            </a:r>
-            <a:r>
-              <a:rPr lang="en-US" sz="1800" i="1" dirty="0"/>
-              <a:t>R</a:t>
-            </a:r>
-            <a:r>
-              <a:rPr lang="en-US" sz="1800" dirty="0"/>
-              <a:t> (output of read pointer)</a:t>
-            </a:r>
-          </a:p>
-        </p:txBody>
-      </p:sp>
       <p:pic>
         <p:nvPicPr>
           <p:cNvPr id="49155" name="Picture 3"/>
@@ -13325,8 +11992,8 @@
         </p:blipFill>
         <p:spPr bwMode="auto">
           <a:xfrm>
-            <a:off x="6623223" y="4621428"/>
-            <a:ext cx="5568778" cy="2200854"/>
+            <a:off x="7111596" y="17186"/>
+            <a:ext cx="5052188" cy="1996691"/>
           </a:xfrm>
           <a:prstGeom prst="rect">
             <a:avLst/>
@@ -13340,6 +12007,1346 @@
           </a:ln>
         </p:spPr>
       </p:pic>
+      <p:sp>
+        <p:nvSpPr>
+          <p:cNvPr id="49153" name="Rectangle 1"/>
+          <p:cNvSpPr>
+            <a:spLocks noGrp="1" noChangeArrowheads="1"/>
+          </p:cNvSpPr>
+          <p:nvPr>
+            <p:ph type="title"/>
+          </p:nvPr>
+        </p:nvSpPr>
+        <p:spPr>
+          <a:ln/>
+        </p:spPr>
+        <p:txBody>
+          <a:bodyPr/>
+          <a:lstStyle/>
+          <a:p>
+            <a:r>
+              <a:rPr lang="en-US" sz="4400" dirty="0">
+                <a:solidFill>
+                  <a:srgbClr val="0000FF"/>
+                </a:solidFill>
+              </a:rPr>
+              <a:t>Fractional delay </a:t>
+            </a:r>
+            <a:r>
+              <a:rPr lang="en-US" sz="4400" dirty="0"/>
+              <a:t>in practice</a:t>
+            </a:r>
+            <a:endParaRPr lang="en-US" dirty="0"/>
+          </a:p>
+        </p:txBody>
+      </p:sp>
+      <p:sp>
+        <p:nvSpPr>
+          <p:cNvPr id="49154" name="Rectangle 2"/>
+          <p:cNvSpPr>
+            <a:spLocks noGrp="1" noChangeArrowheads="1"/>
+          </p:cNvSpPr>
+          <p:nvPr>
+            <p:ph type="body" idx="1"/>
+          </p:nvPr>
+        </p:nvSpPr>
+        <p:spPr>
+          <a:xfrm>
+            <a:off x="28216" y="1110336"/>
+            <a:ext cx="6067784" cy="2074766"/>
+          </a:xfrm>
+          <a:ln/>
+        </p:spPr>
+        <p:txBody>
+          <a:bodyPr anchor="t"/>
+          <a:lstStyle/>
+          <a:p>
+            <a:pPr marL="178587" indent="0">
+              <a:buNone/>
+            </a:pPr>
+            <a:r>
+              <a:rPr lang="en-US" sz="2100" dirty="0"/>
+              <a:t>Input: </a:t>
+            </a:r>
+          </a:p>
+          <a:p>
+            <a:pPr marL="446468"/>
+            <a:r>
+              <a:rPr lang="en-US" sz="1900" dirty="0"/>
+              <a:t>Required delay line size </a:t>
+            </a:r>
+            <a:r>
+              <a:rPr lang="en-US" sz="1900" dirty="0">
+                <a:latin typeface="Courier" pitchFamily="49" charset="0"/>
+                <a:ea typeface="Courier" pitchFamily="49" charset="0"/>
+                <a:cs typeface="Courier" pitchFamily="49" charset="0"/>
+                <a:sym typeface="Courier" pitchFamily="49" charset="0"/>
+              </a:rPr>
+              <a:t>D</a:t>
+            </a:r>
+            <a:endParaRPr lang="en-US" sz="1900" dirty="0"/>
+          </a:p>
+          <a:p>
+            <a:pPr marL="446468"/>
+            <a:r>
+              <a:rPr lang="en-US" sz="1900" dirty="0"/>
+              <a:t>Input x[n] at sampling rate </a:t>
+            </a:r>
+            <a:r>
+              <a:rPr lang="en-US" sz="1900" dirty="0">
+                <a:latin typeface="Courier" pitchFamily="49" charset="0"/>
+                <a:ea typeface="Courier" pitchFamily="49" charset="0"/>
+                <a:cs typeface="Courier" pitchFamily="49" charset="0"/>
+                <a:sym typeface="Courier" pitchFamily="49" charset="0"/>
+              </a:rPr>
+              <a:t>R</a:t>
+            </a:r>
+            <a:endParaRPr lang="en-US" sz="1900" dirty="0"/>
+          </a:p>
+          <a:p>
+            <a:pPr marL="446468"/>
+            <a:r>
+              <a:rPr lang="en-US" sz="1900" dirty="0"/>
+              <a:t>Initial delay for read pointer </a:t>
+            </a:r>
+            <a:r>
+              <a:rPr lang="en-US" sz="1900" dirty="0" err="1">
+                <a:latin typeface="Courier" pitchFamily="49" charset="0"/>
+                <a:ea typeface="Courier" pitchFamily="49" charset="0"/>
+                <a:cs typeface="Courier" pitchFamily="49" charset="0"/>
+                <a:sym typeface="Courier" pitchFamily="49" charset="0"/>
+              </a:rPr>
+              <a:t>initialdelay</a:t>
+            </a:r>
+            <a:endParaRPr lang="en-US" sz="1900" dirty="0">
+              <a:latin typeface="Courier" pitchFamily="49" charset="0"/>
+              <a:ea typeface="Courier" pitchFamily="49" charset="0"/>
+              <a:cs typeface="Courier" pitchFamily="49" charset="0"/>
+              <a:sym typeface="Courier" pitchFamily="49" charset="0"/>
+            </a:endParaRPr>
+          </a:p>
+          <a:p>
+            <a:pPr marL="446468"/>
+            <a:r>
+              <a:rPr lang="en-US" sz="1900" dirty="0"/>
+              <a:t>Write pointer update rate=1</a:t>
+            </a:r>
+          </a:p>
+          <a:p>
+            <a:pPr marL="446468"/>
+            <a:r>
+              <a:rPr lang="en-US" sz="1900" dirty="0"/>
+              <a:t>Read pointer update rate </a:t>
+            </a:r>
+            <a:r>
+              <a:rPr lang="en-US" sz="1900" dirty="0" err="1">
+                <a:latin typeface="Courier" pitchFamily="49" charset="0"/>
+                <a:ea typeface="Courier" pitchFamily="49" charset="0"/>
+                <a:cs typeface="Courier" pitchFamily="49" charset="0"/>
+                <a:sym typeface="Courier" pitchFamily="49" charset="0"/>
+              </a:rPr>
+              <a:t>updateread</a:t>
+            </a:r>
+            <a:endParaRPr lang="en-US" sz="1900" dirty="0"/>
+          </a:p>
+        </p:txBody>
+      </p:sp>
+      <p:sp>
+        <p:nvSpPr>
+          <p:cNvPr id="4" name="Rectangle 2">
+            <a:extLst>
+              <a:ext uri="{FF2B5EF4-FFF2-40B4-BE49-F238E27FC236}">
+                <a16:creationId xmlns:a16="http://schemas.microsoft.com/office/drawing/2014/main" id="{62E4620B-2187-B924-EE15-E0C691BBF3D1}"/>
+              </a:ext>
+            </a:extLst>
+          </p:cNvPr>
+          <p:cNvSpPr txBox="1">
+            <a:spLocks noChangeArrowheads="1"/>
+          </p:cNvSpPr>
+          <p:nvPr/>
+        </p:nvSpPr>
+        <p:spPr bwMode="auto">
+          <a:xfrm>
+            <a:off x="1154494" y="3429000"/>
+            <a:ext cx="10492811" cy="3327598"/>
+          </a:xfrm>
+          <a:prstGeom prst="rect">
+            <a:avLst/>
+          </a:prstGeom>
+          <a:noFill/>
+          <a:ln w="12700">
+            <a:noFill/>
+            <a:miter lim="800000"/>
+            <a:headEnd/>
+            <a:tailEnd/>
+          </a:ln>
+          <a:effectLst/>
+        </p:spPr>
+        <p:txBody>
+          <a:bodyPr vert="horz" wrap="square" lIns="50800" tIns="50800" rIns="28574" bIns="50800" numCol="1" anchor="t" anchorCtr="0" compatLnSpc="1">
+            <a:prstTxWarp prst="textNoShape">
+              <a:avLst/>
+            </a:prstTxWarp>
+          </a:bodyPr>
+          <a:lstStyle>
+            <a:lvl1pPr marL="410751" indent="-267881" algn="l" rtl="0" fontAlgn="base">
+              <a:spcBef>
+                <a:spcPts val="422"/>
+              </a:spcBef>
+              <a:spcAft>
+                <a:spcPct val="0"/>
+              </a:spcAft>
+              <a:buSzPct val="150000"/>
+              <a:buFont typeface="Arial" charset="0"/>
+              <a:buChar char="•"/>
+              <a:defRPr sz="2953">
+                <a:solidFill>
+                  <a:schemeClr val="tx1"/>
+                </a:solidFill>
+                <a:latin typeface="+mn-lt"/>
+                <a:ea typeface="+mn-ea"/>
+                <a:cs typeface="+mn-cs"/>
+                <a:sym typeface="Arial" charset="0"/>
+              </a:defRPr>
+            </a:lvl1pPr>
+            <a:lvl2pPr marL="767926" indent="-267881" algn="l" rtl="0" fontAlgn="base">
+              <a:spcBef>
+                <a:spcPts val="422"/>
+              </a:spcBef>
+              <a:spcAft>
+                <a:spcPct val="0"/>
+              </a:spcAft>
+              <a:buSzPct val="100000"/>
+              <a:buFont typeface="Lucida Grande" charset="0"/>
+              <a:buChar char="‣"/>
+              <a:defRPr sz="2531">
+                <a:solidFill>
+                  <a:schemeClr val="tx1"/>
+                </a:solidFill>
+                <a:latin typeface="+mn-lt"/>
+                <a:ea typeface="+mn-ea"/>
+                <a:cs typeface="+mn-cs"/>
+                <a:sym typeface="Arial" charset="0"/>
+              </a:defRPr>
+            </a:lvl2pPr>
+            <a:lvl3pPr marL="1035807" indent="-223234" algn="l" rtl="0" fontAlgn="base">
+              <a:spcBef>
+                <a:spcPts val="422"/>
+              </a:spcBef>
+              <a:spcAft>
+                <a:spcPct val="0"/>
+              </a:spcAft>
+              <a:buClr>
+                <a:srgbClr val="000000"/>
+              </a:buClr>
+              <a:buSzPct val="100000"/>
+              <a:buFont typeface="Arial" charset="0"/>
+              <a:buChar char="-"/>
+              <a:defRPr sz="2109">
+                <a:solidFill>
+                  <a:schemeClr val="tx1"/>
+                </a:solidFill>
+                <a:latin typeface="+mn-lt"/>
+                <a:ea typeface="+mn-ea"/>
+                <a:cs typeface="+mn-cs"/>
+                <a:sym typeface="Arial" charset="0"/>
+              </a:defRPr>
+            </a:lvl3pPr>
+            <a:lvl4pPr marL="1348335" indent="-223234" algn="l" rtl="0" fontAlgn="base">
+              <a:spcBef>
+                <a:spcPts val="422"/>
+              </a:spcBef>
+              <a:spcAft>
+                <a:spcPct val="0"/>
+              </a:spcAft>
+              <a:buClr>
+                <a:srgbClr val="000000"/>
+              </a:buClr>
+              <a:buSzPct val="100000"/>
+              <a:buFont typeface="Arial" charset="0"/>
+              <a:buChar char="-"/>
+              <a:defRPr sz="2109">
+                <a:solidFill>
+                  <a:schemeClr val="tx1"/>
+                </a:solidFill>
+                <a:latin typeface="+mn-lt"/>
+                <a:ea typeface="+mn-ea"/>
+                <a:cs typeface="+mn-cs"/>
+                <a:sym typeface="Arial" charset="0"/>
+              </a:defRPr>
+            </a:lvl4pPr>
+            <a:lvl5pPr marL="1660863" indent="-223234" algn="l" rtl="0" fontAlgn="base">
+              <a:spcBef>
+                <a:spcPts val="422"/>
+              </a:spcBef>
+              <a:spcAft>
+                <a:spcPct val="0"/>
+              </a:spcAft>
+              <a:buClr>
+                <a:srgbClr val="000000"/>
+              </a:buClr>
+              <a:buSzPct val="100000"/>
+              <a:buFont typeface="Arial" charset="0"/>
+              <a:buChar char="-"/>
+              <a:defRPr sz="2109">
+                <a:solidFill>
+                  <a:schemeClr val="tx1"/>
+                </a:solidFill>
+                <a:latin typeface="+mn-lt"/>
+                <a:ea typeface="+mn-ea"/>
+                <a:cs typeface="+mn-cs"/>
+                <a:sym typeface="Arial" charset="0"/>
+              </a:defRPr>
+            </a:lvl5pPr>
+            <a:lvl6pPr marL="1982320" indent="-223234" algn="l" rtl="0" fontAlgn="base">
+              <a:spcBef>
+                <a:spcPts val="422"/>
+              </a:spcBef>
+              <a:spcAft>
+                <a:spcPct val="0"/>
+              </a:spcAft>
+              <a:buClr>
+                <a:srgbClr val="000000"/>
+              </a:buClr>
+              <a:buSzPct val="100000"/>
+              <a:buFont typeface="Arial" charset="0"/>
+              <a:buChar char="-"/>
+              <a:defRPr sz="2109">
+                <a:solidFill>
+                  <a:schemeClr val="tx1"/>
+                </a:solidFill>
+                <a:latin typeface="+mn-lt"/>
+                <a:ea typeface="+mn-ea"/>
+                <a:cs typeface="+mn-cs"/>
+                <a:sym typeface="Arial" charset="0"/>
+              </a:defRPr>
+            </a:lvl6pPr>
+            <a:lvl7pPr marL="2303777" indent="-223234" algn="l" rtl="0" fontAlgn="base">
+              <a:spcBef>
+                <a:spcPts val="422"/>
+              </a:spcBef>
+              <a:spcAft>
+                <a:spcPct val="0"/>
+              </a:spcAft>
+              <a:buClr>
+                <a:srgbClr val="000000"/>
+              </a:buClr>
+              <a:buSzPct val="100000"/>
+              <a:buFont typeface="Arial" charset="0"/>
+              <a:buChar char="-"/>
+              <a:defRPr sz="2109">
+                <a:solidFill>
+                  <a:schemeClr val="tx1"/>
+                </a:solidFill>
+                <a:latin typeface="+mn-lt"/>
+                <a:ea typeface="+mn-ea"/>
+                <a:cs typeface="+mn-cs"/>
+                <a:sym typeface="Arial" charset="0"/>
+              </a:defRPr>
+            </a:lvl7pPr>
+            <a:lvl8pPr marL="2625235" indent="-223234" algn="l" rtl="0" fontAlgn="base">
+              <a:spcBef>
+                <a:spcPts val="422"/>
+              </a:spcBef>
+              <a:spcAft>
+                <a:spcPct val="0"/>
+              </a:spcAft>
+              <a:buClr>
+                <a:srgbClr val="000000"/>
+              </a:buClr>
+              <a:buSzPct val="100000"/>
+              <a:buFont typeface="Arial" charset="0"/>
+              <a:buChar char="-"/>
+              <a:defRPr sz="2109">
+                <a:solidFill>
+                  <a:schemeClr val="tx1"/>
+                </a:solidFill>
+                <a:latin typeface="+mn-lt"/>
+                <a:ea typeface="+mn-ea"/>
+                <a:cs typeface="+mn-cs"/>
+                <a:sym typeface="Arial" charset="0"/>
+              </a:defRPr>
+            </a:lvl8pPr>
+            <a:lvl9pPr marL="2946692" indent="-223234" algn="l" rtl="0" fontAlgn="base">
+              <a:spcBef>
+                <a:spcPts val="422"/>
+              </a:spcBef>
+              <a:spcAft>
+                <a:spcPct val="0"/>
+              </a:spcAft>
+              <a:buClr>
+                <a:srgbClr val="000000"/>
+              </a:buClr>
+              <a:buSzPct val="100000"/>
+              <a:buFont typeface="Arial" charset="0"/>
+              <a:buChar char="-"/>
+              <a:defRPr sz="2109">
+                <a:solidFill>
+                  <a:schemeClr val="tx1"/>
+                </a:solidFill>
+                <a:latin typeface="+mn-lt"/>
+                <a:ea typeface="+mn-ea"/>
+                <a:cs typeface="+mn-cs"/>
+                <a:sym typeface="Arial" charset="0"/>
+              </a:defRPr>
+            </a:lvl9pPr>
+          </a:lstStyle>
+          <a:p>
+            <a:pPr marL="27905" indent="0">
+              <a:spcBef>
+                <a:spcPts val="492"/>
+              </a:spcBef>
+              <a:buFont typeface="Arial" charset="0"/>
+              <a:buNone/>
+            </a:pPr>
+            <a:r>
+              <a:rPr lang="en-US" sz="1800" kern="0" dirty="0" err="1">
+                <a:latin typeface="Courier" pitchFamily="49" charset="0"/>
+                <a:ea typeface="Courier" pitchFamily="49" charset="0"/>
+                <a:cs typeface="Courier" pitchFamily="49" charset="0"/>
+                <a:sym typeface="Courier" pitchFamily="49" charset="0"/>
+              </a:rPr>
+              <a:t>readPosition</a:t>
+            </a:r>
+            <a:r>
+              <a:rPr lang="en-US" sz="1800" kern="0" dirty="0">
+                <a:latin typeface="Courier" pitchFamily="49" charset="0"/>
+                <a:ea typeface="Courier" pitchFamily="49" charset="0"/>
+                <a:cs typeface="Courier" pitchFamily="49" charset="0"/>
+                <a:sym typeface="Courier" pitchFamily="49" charset="0"/>
+              </a:rPr>
+              <a:t> =(</a:t>
+            </a:r>
+            <a:r>
+              <a:rPr lang="en-US" sz="1800" kern="0" dirty="0" err="1">
+                <a:latin typeface="Courier" pitchFamily="49" charset="0"/>
+                <a:ea typeface="Courier" pitchFamily="49" charset="0"/>
+                <a:cs typeface="Courier" pitchFamily="49" charset="0"/>
+                <a:sym typeface="Courier" pitchFamily="49" charset="0"/>
+              </a:rPr>
+              <a:t>writePosition+D-initdelay</a:t>
+            </a:r>
+            <a:r>
+              <a:rPr lang="en-US" sz="1800" kern="0" dirty="0">
+                <a:latin typeface="Courier" pitchFamily="49" charset="0"/>
+                <a:ea typeface="Courier" pitchFamily="49" charset="0"/>
+                <a:cs typeface="Courier" pitchFamily="49" charset="0"/>
+                <a:sym typeface="Courier" pitchFamily="49" charset="0"/>
+              </a:rPr>
+              <a:t>)%D;</a:t>
+            </a:r>
+            <a:r>
+              <a:rPr lang="en-US" sz="1800" kern="0" dirty="0">
+                <a:solidFill>
+                  <a:srgbClr val="0070C0"/>
+                </a:solidFill>
+                <a:latin typeface="Lucida Grande" charset="0"/>
+                <a:ea typeface="Lucida Grande" charset="0"/>
+                <a:cs typeface="Lucida Grande" charset="0"/>
+                <a:sym typeface="Lucida Grande" charset="0"/>
+              </a:rPr>
+              <a:t>// modulo keeps indexing correct</a:t>
+            </a:r>
+            <a:endParaRPr lang="en-US" sz="1800" kern="0" dirty="0">
+              <a:solidFill>
+                <a:srgbClr val="0070C0"/>
+              </a:solidFill>
+              <a:latin typeface="Lucida Grande" charset="0"/>
+              <a:sym typeface="Lucida Grande" charset="0"/>
+            </a:endParaRPr>
+          </a:p>
+          <a:p>
+            <a:pPr marL="27905" indent="0">
+              <a:spcBef>
+                <a:spcPts val="492"/>
+              </a:spcBef>
+              <a:buFont typeface="Arial" charset="0"/>
+              <a:buNone/>
+            </a:pPr>
+            <a:r>
+              <a:rPr lang="en-US" sz="1800" kern="0" dirty="0">
+                <a:latin typeface="Courier" pitchFamily="49" charset="0"/>
+                <a:ea typeface="Courier" pitchFamily="49" charset="0"/>
+                <a:cs typeface="Courier" pitchFamily="49" charset="0"/>
+                <a:sym typeface="Courier" pitchFamily="49" charset="0"/>
+              </a:rPr>
+              <a:t>for (n=0; n&lt;=</a:t>
+            </a:r>
+            <a:r>
+              <a:rPr lang="en-US" sz="1800" i="1" kern="0" dirty="0">
+                <a:latin typeface="Courier" pitchFamily="49" charset="0"/>
+                <a:ea typeface="Courier" pitchFamily="49" charset="0"/>
+                <a:cs typeface="Courier" pitchFamily="49" charset="0"/>
+                <a:sym typeface="Courier" pitchFamily="49" charset="0"/>
+              </a:rPr>
+              <a:t>N</a:t>
+            </a:r>
+            <a:r>
+              <a:rPr lang="en-US" sz="1800" kern="0" dirty="0">
+                <a:latin typeface="Courier" pitchFamily="49" charset="0"/>
+                <a:ea typeface="Courier" pitchFamily="49" charset="0"/>
+                <a:cs typeface="Courier" pitchFamily="49" charset="0"/>
+                <a:sym typeface="Courier" pitchFamily="49" charset="0"/>
+              </a:rPr>
+              <a:t>-1; n++) </a:t>
+            </a:r>
+            <a:r>
+              <a:rPr lang="en-US" sz="1800" kern="0" dirty="0">
+                <a:latin typeface="Courier" pitchFamily="49" charset="0"/>
+                <a:sym typeface="Courier" pitchFamily="49" charset="0"/>
+              </a:rPr>
+              <a:t>{</a:t>
+            </a:r>
+            <a:endParaRPr lang="en-US" sz="1800" kern="0" dirty="0">
+              <a:latin typeface="Courier New" charset="0"/>
+              <a:sym typeface="Courier New" charset="0"/>
+            </a:endParaRPr>
+          </a:p>
+          <a:p>
+            <a:pPr marL="27905" indent="0">
+              <a:spcBef>
+                <a:spcPts val="492"/>
+              </a:spcBef>
+              <a:buFont typeface="Arial" charset="0"/>
+              <a:buNone/>
+            </a:pPr>
+            <a:r>
+              <a:rPr lang="en-US" sz="1800" kern="0" dirty="0">
+                <a:latin typeface="Courier" pitchFamily="49" charset="0"/>
+                <a:ea typeface="Courier" pitchFamily="49" charset="0"/>
+                <a:cs typeface="Courier" pitchFamily="49" charset="0"/>
+                <a:sym typeface="Courier" pitchFamily="49" charset="0"/>
+              </a:rPr>
+              <a:t>  </a:t>
+            </a:r>
+            <a:r>
+              <a:rPr lang="en-US" sz="1800" kern="0" dirty="0" err="1">
+                <a:latin typeface="Courier" pitchFamily="49" charset="0"/>
+                <a:ea typeface="Courier" pitchFamily="49" charset="0"/>
+                <a:cs typeface="Courier" pitchFamily="49" charset="0"/>
+                <a:sym typeface="Courier" pitchFamily="49" charset="0"/>
+              </a:rPr>
+              <a:t>prev</a:t>
+            </a:r>
+            <a:r>
+              <a:rPr lang="en-US" sz="1800" kern="0" dirty="0">
+                <a:latin typeface="Courier" pitchFamily="49" charset="0"/>
+                <a:ea typeface="Courier" pitchFamily="49" charset="0"/>
+                <a:cs typeface="Courier" pitchFamily="49" charset="0"/>
+                <a:sym typeface="Courier" pitchFamily="49" charset="0"/>
+              </a:rPr>
+              <a:t>=floor(</a:t>
+            </a:r>
+            <a:r>
+              <a:rPr lang="en-US" sz="1800" kern="0" dirty="0" err="1">
+                <a:latin typeface="Courier" pitchFamily="49" charset="0"/>
+                <a:ea typeface="Courier" pitchFamily="49" charset="0"/>
+                <a:cs typeface="Courier" pitchFamily="49" charset="0"/>
+                <a:sym typeface="Courier" pitchFamily="49" charset="0"/>
+              </a:rPr>
+              <a:t>readPosition</a:t>
+            </a:r>
+            <a:r>
+              <a:rPr lang="en-US" sz="1800" kern="0" dirty="0">
+                <a:latin typeface="Courier" pitchFamily="49" charset="0"/>
+                <a:ea typeface="Courier" pitchFamily="49" charset="0"/>
+                <a:cs typeface="Courier" pitchFamily="49" charset="0"/>
+                <a:sym typeface="Courier" pitchFamily="49" charset="0"/>
+              </a:rPr>
+              <a:t>);</a:t>
+            </a:r>
+            <a:r>
+              <a:rPr lang="en-US" sz="1800" kern="0" dirty="0">
+                <a:latin typeface="Courier New" charset="0"/>
+                <a:cs typeface="Courier New" charset="0"/>
+                <a:sym typeface="Courier New" charset="0"/>
+              </a:rPr>
+              <a:t> </a:t>
+            </a:r>
+            <a:r>
+              <a:rPr lang="en-US" sz="1800" kern="0" dirty="0">
+                <a:solidFill>
+                  <a:srgbClr val="0070C0"/>
+                </a:solidFill>
+                <a:latin typeface="Lucida Grande" charset="0"/>
+                <a:ea typeface="Lucida Grande" charset="0"/>
+                <a:cs typeface="Lucida Grande" charset="0"/>
+                <a:sym typeface="Lucida Grande" charset="0"/>
+              </a:rPr>
+              <a:t>// get previous integer index</a:t>
+            </a:r>
+            <a:endParaRPr lang="en-US" sz="1800" kern="0" dirty="0">
+              <a:solidFill>
+                <a:srgbClr val="0070C0"/>
+              </a:solidFill>
+              <a:latin typeface="Lucida Grande" charset="0"/>
+              <a:sym typeface="Lucida Grande" charset="0"/>
+            </a:endParaRPr>
+          </a:p>
+          <a:p>
+            <a:pPr marL="27905" indent="0">
+              <a:spcBef>
+                <a:spcPts val="492"/>
+              </a:spcBef>
+              <a:buFont typeface="Arial" charset="0"/>
+              <a:buNone/>
+            </a:pPr>
+            <a:r>
+              <a:rPr lang="en-US" sz="1800" kern="0" dirty="0">
+                <a:latin typeface="Courier" pitchFamily="49" charset="0"/>
+                <a:ea typeface="Courier" pitchFamily="49" charset="0"/>
+                <a:cs typeface="Courier" pitchFamily="49" charset="0"/>
+                <a:sym typeface="Courier" pitchFamily="49" charset="0"/>
+              </a:rPr>
+              <a:t>  next=(prev+1)%D;</a:t>
+            </a:r>
+            <a:r>
+              <a:rPr lang="en-US" sz="1800" kern="0" dirty="0">
+                <a:latin typeface="Courier New" charset="0"/>
+                <a:cs typeface="Courier New" charset="0"/>
+                <a:sym typeface="Courier New" charset="0"/>
+              </a:rPr>
+              <a:t> </a:t>
+            </a:r>
+            <a:r>
+              <a:rPr lang="en-US" sz="1800" kern="0" dirty="0">
+                <a:solidFill>
+                  <a:srgbClr val="0070C0"/>
+                </a:solidFill>
+                <a:latin typeface="Lucida Grande" charset="0"/>
+                <a:ea typeface="Lucida Grande" charset="0"/>
+                <a:cs typeface="Lucida Grande" charset="0"/>
+                <a:sym typeface="Lucida Grande" charset="0"/>
+              </a:rPr>
+              <a:t>// get next integer index; need modulo because of wraparound</a:t>
+            </a:r>
+            <a:endParaRPr lang="en-US" sz="1800" kern="0" dirty="0">
+              <a:solidFill>
+                <a:srgbClr val="0070C0"/>
+              </a:solidFill>
+              <a:latin typeface="Lucida Grande" charset="0"/>
+              <a:sym typeface="Lucida Grande" charset="0"/>
+            </a:endParaRPr>
+          </a:p>
+          <a:p>
+            <a:pPr marL="27905" indent="0">
+              <a:spcBef>
+                <a:spcPts val="492"/>
+              </a:spcBef>
+              <a:buFont typeface="Arial" charset="0"/>
+              <a:buNone/>
+            </a:pPr>
+            <a:r>
+              <a:rPr lang="en-US" sz="1800" kern="0" dirty="0">
+                <a:latin typeface="Courier" pitchFamily="49" charset="0"/>
+                <a:ea typeface="Courier" pitchFamily="49" charset="0"/>
+                <a:cs typeface="Courier" pitchFamily="49" charset="0"/>
+                <a:sym typeface="Courier" pitchFamily="49" charset="0"/>
+              </a:rPr>
+              <a:t>  t= </a:t>
+            </a:r>
+            <a:r>
+              <a:rPr lang="en-US" sz="1800" kern="0" dirty="0" err="1">
+                <a:latin typeface="Courier" pitchFamily="49" charset="0"/>
+                <a:ea typeface="Courier" pitchFamily="49" charset="0"/>
+                <a:cs typeface="Courier" pitchFamily="49" charset="0"/>
+                <a:sym typeface="Courier" pitchFamily="49" charset="0"/>
+              </a:rPr>
+              <a:t>readPosition</a:t>
+            </a:r>
+            <a:r>
+              <a:rPr lang="en-US" sz="1800" kern="0" dirty="0">
+                <a:latin typeface="Courier" pitchFamily="49" charset="0"/>
+                <a:ea typeface="Courier" pitchFamily="49" charset="0"/>
+                <a:cs typeface="Courier" pitchFamily="49" charset="0"/>
+                <a:sym typeface="Courier" pitchFamily="49" charset="0"/>
+              </a:rPr>
+              <a:t> – </a:t>
+            </a:r>
+            <a:r>
+              <a:rPr lang="en-US" sz="1800" kern="0" dirty="0" err="1">
+                <a:latin typeface="Courier" pitchFamily="49" charset="0"/>
+                <a:ea typeface="Courier" pitchFamily="49" charset="0"/>
+                <a:cs typeface="Courier" pitchFamily="49" charset="0"/>
+                <a:sym typeface="Courier" pitchFamily="49" charset="0"/>
+              </a:rPr>
+              <a:t>prev</a:t>
+            </a:r>
+            <a:r>
+              <a:rPr lang="en-US" sz="1800" kern="0" dirty="0">
+                <a:latin typeface="Courier" pitchFamily="49" charset="0"/>
+                <a:ea typeface="Courier" pitchFamily="49" charset="0"/>
+                <a:cs typeface="Courier" pitchFamily="49" charset="0"/>
+                <a:sym typeface="Courier" pitchFamily="49" charset="0"/>
+              </a:rPr>
+              <a:t>; </a:t>
+            </a:r>
+            <a:r>
+              <a:rPr lang="en-US" sz="1800" kern="0" dirty="0">
+                <a:solidFill>
+                  <a:srgbClr val="0070C0"/>
+                </a:solidFill>
+                <a:latin typeface="Lucida Grande" charset="0"/>
+                <a:ea typeface="Lucida Grande" charset="0"/>
+                <a:cs typeface="Lucida Grande" charset="0"/>
+                <a:sym typeface="Lucida Grande" charset="0"/>
+              </a:rPr>
+              <a:t>// get fractional position of read pointer</a:t>
+            </a:r>
+            <a:endParaRPr lang="en-US" sz="1800" kern="0" dirty="0">
+              <a:solidFill>
+                <a:srgbClr val="0070C0"/>
+              </a:solidFill>
+              <a:latin typeface="Lucida Grande" charset="0"/>
+              <a:sym typeface="Lucida Grande" charset="0"/>
+            </a:endParaRPr>
+          </a:p>
+          <a:p>
+            <a:pPr marL="27905" indent="0">
+              <a:spcBef>
+                <a:spcPts val="492"/>
+              </a:spcBef>
+              <a:buFont typeface="Arial" charset="0"/>
+              <a:buNone/>
+            </a:pPr>
+            <a:r>
+              <a:rPr lang="en-US" sz="1800" kern="0" dirty="0">
+                <a:latin typeface="Courier" pitchFamily="49" charset="0"/>
+                <a:ea typeface="Courier" pitchFamily="49" charset="0"/>
+                <a:cs typeface="Courier" pitchFamily="49" charset="0"/>
+                <a:sym typeface="Courier" pitchFamily="49" charset="0"/>
+              </a:rPr>
+              <a:t>  y[n]=(1-t)*</a:t>
+            </a:r>
+            <a:r>
+              <a:rPr lang="en-US" sz="1800" kern="0" dirty="0" err="1">
+                <a:latin typeface="Courier" pitchFamily="49" charset="0"/>
+                <a:ea typeface="Courier" pitchFamily="49" charset="0"/>
+                <a:cs typeface="Courier" pitchFamily="49" charset="0"/>
+                <a:sym typeface="Courier" pitchFamily="49" charset="0"/>
+              </a:rPr>
+              <a:t>delayline</a:t>
+            </a:r>
+            <a:r>
+              <a:rPr lang="en-US" sz="1800" kern="0" dirty="0">
+                <a:latin typeface="Courier" pitchFamily="49" charset="0"/>
+                <a:ea typeface="Courier" pitchFamily="49" charset="0"/>
+                <a:cs typeface="Courier" pitchFamily="49" charset="0"/>
+                <a:sym typeface="Courier" pitchFamily="49" charset="0"/>
+              </a:rPr>
+              <a:t>[</a:t>
+            </a:r>
+            <a:r>
+              <a:rPr lang="en-US" sz="1800" kern="0" dirty="0" err="1">
+                <a:latin typeface="Courier" pitchFamily="49" charset="0"/>
+                <a:ea typeface="Courier" pitchFamily="49" charset="0"/>
+                <a:cs typeface="Courier" pitchFamily="49" charset="0"/>
+                <a:sym typeface="Courier" pitchFamily="49" charset="0"/>
+              </a:rPr>
+              <a:t>prev</a:t>
+            </a:r>
+            <a:r>
+              <a:rPr lang="en-US" sz="1800" kern="0" dirty="0">
+                <a:latin typeface="Courier" pitchFamily="49" charset="0"/>
+                <a:ea typeface="Courier" pitchFamily="49" charset="0"/>
+                <a:cs typeface="Courier" pitchFamily="49" charset="0"/>
+                <a:sym typeface="Courier" pitchFamily="49" charset="0"/>
+              </a:rPr>
+              <a:t>]+t*</a:t>
+            </a:r>
+            <a:r>
+              <a:rPr lang="en-US" sz="1800" kern="0" dirty="0" err="1">
+                <a:latin typeface="Courier" pitchFamily="49" charset="0"/>
+                <a:ea typeface="Courier" pitchFamily="49" charset="0"/>
+                <a:cs typeface="Courier" pitchFamily="49" charset="0"/>
+                <a:sym typeface="Courier" pitchFamily="49" charset="0"/>
+              </a:rPr>
+              <a:t>delayline</a:t>
+            </a:r>
+            <a:r>
+              <a:rPr lang="en-US" sz="1800" kern="0" dirty="0">
+                <a:latin typeface="Courier" pitchFamily="49" charset="0"/>
+                <a:ea typeface="Courier" pitchFamily="49" charset="0"/>
+                <a:cs typeface="Courier" pitchFamily="49" charset="0"/>
+                <a:sym typeface="Courier" pitchFamily="49" charset="0"/>
+              </a:rPr>
+              <a:t>[next];</a:t>
+            </a:r>
+            <a:r>
+              <a:rPr lang="en-US" sz="1800" kern="0" dirty="0">
+                <a:latin typeface="Courier New" charset="0"/>
+                <a:cs typeface="Courier New" charset="0"/>
+                <a:sym typeface="Courier New" charset="0"/>
+              </a:rPr>
+              <a:t> </a:t>
+            </a:r>
+            <a:r>
+              <a:rPr lang="en-US" sz="1800" kern="0" dirty="0">
+                <a:solidFill>
+                  <a:srgbClr val="0070C0"/>
+                </a:solidFill>
+                <a:latin typeface="Lucida Grande" charset="0"/>
+                <a:ea typeface="Lucida Grande" charset="0"/>
+                <a:cs typeface="Lucida Grande" charset="0"/>
+                <a:sym typeface="Lucida Grande" charset="0"/>
+              </a:rPr>
+              <a:t>// Linear interpolation</a:t>
+            </a:r>
+            <a:r>
+              <a:rPr lang="en-US" sz="1800" kern="0" dirty="0">
+                <a:latin typeface="Courier" pitchFamily="49" charset="0"/>
+                <a:ea typeface="Courier" pitchFamily="49" charset="0"/>
+                <a:cs typeface="Courier" pitchFamily="49" charset="0"/>
+                <a:sym typeface="Courier" pitchFamily="49" charset="0"/>
+              </a:rPr>
+              <a:t> </a:t>
+            </a:r>
+          </a:p>
+          <a:p>
+            <a:pPr marL="27905" indent="0">
+              <a:spcBef>
+                <a:spcPts val="492"/>
+              </a:spcBef>
+              <a:buFont typeface="Arial" charset="0"/>
+              <a:buNone/>
+            </a:pPr>
+            <a:r>
+              <a:rPr lang="en-US" sz="1800" kern="0" dirty="0">
+                <a:latin typeface="Courier" pitchFamily="49" charset="0"/>
+                <a:ea typeface="Courier" pitchFamily="49" charset="0"/>
+                <a:cs typeface="Courier" pitchFamily="49" charset="0"/>
+                <a:sym typeface="Courier" pitchFamily="49" charset="0"/>
+              </a:rPr>
+              <a:t>  </a:t>
+            </a:r>
+            <a:r>
+              <a:rPr lang="en-US" sz="1800" kern="0" dirty="0" err="1">
+                <a:latin typeface="Courier" pitchFamily="49" charset="0"/>
+                <a:ea typeface="Courier" pitchFamily="49" charset="0"/>
+                <a:cs typeface="Courier" pitchFamily="49" charset="0"/>
+                <a:sym typeface="Courier" pitchFamily="49" charset="0"/>
+              </a:rPr>
+              <a:t>delayline</a:t>
+            </a:r>
+            <a:r>
+              <a:rPr lang="en-US" sz="1800" kern="0" dirty="0">
+                <a:latin typeface="Courier" pitchFamily="49" charset="0"/>
+                <a:ea typeface="Courier" pitchFamily="49" charset="0"/>
+                <a:cs typeface="Courier" pitchFamily="49" charset="0"/>
+                <a:sym typeface="Courier" pitchFamily="49" charset="0"/>
+              </a:rPr>
+              <a:t>[</a:t>
+            </a:r>
+            <a:r>
+              <a:rPr lang="en-US" sz="1800" kern="0" dirty="0" err="1">
+                <a:latin typeface="Courier" pitchFamily="49" charset="0"/>
+                <a:ea typeface="Courier" pitchFamily="49" charset="0"/>
+                <a:cs typeface="Courier" pitchFamily="49" charset="0"/>
+                <a:sym typeface="Courier" pitchFamily="49" charset="0"/>
+              </a:rPr>
+              <a:t>writePosition</a:t>
+            </a:r>
+            <a:r>
+              <a:rPr lang="en-US" sz="1800" kern="0" dirty="0">
+                <a:latin typeface="Courier" pitchFamily="49" charset="0"/>
+                <a:ea typeface="Courier" pitchFamily="49" charset="0"/>
+                <a:cs typeface="Courier" pitchFamily="49" charset="0"/>
+                <a:sym typeface="Courier" pitchFamily="49" charset="0"/>
+              </a:rPr>
+              <a:t>]=x[n];</a:t>
+            </a:r>
+            <a:r>
+              <a:rPr lang="en-US" sz="1800" kern="0" dirty="0">
+                <a:latin typeface="Courier New" charset="0"/>
+                <a:cs typeface="Courier New" charset="0"/>
+                <a:sym typeface="Courier New" charset="0"/>
+              </a:rPr>
+              <a:t> </a:t>
+            </a:r>
+            <a:r>
+              <a:rPr lang="en-US" sz="1800" kern="0" dirty="0">
+                <a:solidFill>
+                  <a:srgbClr val="0070C0"/>
+                </a:solidFill>
+                <a:latin typeface="Lucida Grande" charset="0"/>
+                <a:ea typeface="Lucida Grande" charset="0"/>
+                <a:cs typeface="Lucida Grande" charset="0"/>
+                <a:sym typeface="Lucida Grande" charset="0"/>
+              </a:rPr>
+              <a:t>// write current sample to delay line</a:t>
+            </a:r>
+            <a:endParaRPr lang="en-US" sz="1800" kern="0" dirty="0">
+              <a:solidFill>
+                <a:srgbClr val="0070C0"/>
+              </a:solidFill>
+              <a:latin typeface="Lucida Grande" charset="0"/>
+              <a:sym typeface="Lucida Grande" charset="0"/>
+            </a:endParaRPr>
+          </a:p>
+          <a:p>
+            <a:pPr marL="27905" indent="0">
+              <a:spcBef>
+                <a:spcPts val="492"/>
+              </a:spcBef>
+              <a:buFont typeface="Arial" charset="0"/>
+              <a:buNone/>
+            </a:pPr>
+            <a:r>
+              <a:rPr lang="en-US" sz="1800" kern="0" dirty="0">
+                <a:latin typeface="Courier" pitchFamily="49" charset="0"/>
+                <a:ea typeface="Courier" pitchFamily="49" charset="0"/>
+                <a:cs typeface="Courier" pitchFamily="49" charset="0"/>
+                <a:sym typeface="Courier" pitchFamily="49" charset="0"/>
+              </a:rPr>
+              <a:t>  </a:t>
+            </a:r>
+            <a:r>
+              <a:rPr lang="en-US" sz="1800" kern="0" dirty="0" err="1">
+                <a:latin typeface="Courier" pitchFamily="49" charset="0"/>
+                <a:ea typeface="Courier" pitchFamily="49" charset="0"/>
+                <a:cs typeface="Courier" pitchFamily="49" charset="0"/>
+                <a:sym typeface="Courier" pitchFamily="49" charset="0"/>
+              </a:rPr>
+              <a:t>readpos</a:t>
+            </a:r>
+            <a:r>
+              <a:rPr lang="en-US" sz="1800" kern="0" dirty="0">
+                <a:latin typeface="Courier" pitchFamily="49" charset="0"/>
+                <a:ea typeface="Courier" pitchFamily="49" charset="0"/>
+                <a:cs typeface="Courier" pitchFamily="49" charset="0"/>
+                <a:sym typeface="Courier" pitchFamily="49" charset="0"/>
+              </a:rPr>
+              <a:t>=(</a:t>
+            </a:r>
+            <a:r>
+              <a:rPr lang="en-US" sz="1800" kern="0" dirty="0" err="1">
+                <a:latin typeface="Courier" pitchFamily="49" charset="0"/>
+                <a:ea typeface="Courier" pitchFamily="49" charset="0"/>
+                <a:cs typeface="Courier" pitchFamily="49" charset="0"/>
+                <a:sym typeface="Courier" pitchFamily="49" charset="0"/>
+              </a:rPr>
+              <a:t>readPosition+updateread</a:t>
+            </a:r>
+            <a:r>
+              <a:rPr lang="en-US" sz="1800" kern="0" dirty="0">
+                <a:latin typeface="Courier" pitchFamily="49" charset="0"/>
+                <a:ea typeface="Courier" pitchFamily="49" charset="0"/>
+                <a:cs typeface="Courier" pitchFamily="49" charset="0"/>
+                <a:sym typeface="Courier" pitchFamily="49" charset="0"/>
+              </a:rPr>
+              <a:t>)%D;</a:t>
+            </a:r>
+            <a:r>
+              <a:rPr lang="en-US" sz="1800" kern="0" dirty="0">
+                <a:latin typeface="Lucida Grande" charset="0"/>
+                <a:ea typeface="Lucida Grande" charset="0"/>
+                <a:cs typeface="Lucida Grande" charset="0"/>
+                <a:sym typeface="Lucida Grande" charset="0"/>
+              </a:rPr>
+              <a:t> </a:t>
+            </a:r>
+            <a:r>
+              <a:rPr lang="en-US" sz="1800" kern="0" dirty="0">
+                <a:solidFill>
+                  <a:srgbClr val="0070C0"/>
+                </a:solidFill>
+                <a:latin typeface="Lucida Grande" charset="0"/>
+                <a:ea typeface="Lucida Grande" charset="0"/>
+                <a:cs typeface="Lucida Grande" charset="0"/>
+                <a:sym typeface="Lucida Grande" charset="0"/>
+              </a:rPr>
+              <a:t>// update read pointer, modulo wraps</a:t>
+            </a:r>
+            <a:endParaRPr lang="en-US" sz="1800" kern="0" dirty="0">
+              <a:solidFill>
+                <a:srgbClr val="0070C0"/>
+              </a:solidFill>
+              <a:latin typeface="Lucida Grande" charset="0"/>
+              <a:sym typeface="Lucida Grande" charset="0"/>
+            </a:endParaRPr>
+          </a:p>
+          <a:p>
+            <a:pPr marL="27905" indent="0">
+              <a:spcBef>
+                <a:spcPts val="492"/>
+              </a:spcBef>
+              <a:buFont typeface="Arial" charset="0"/>
+              <a:buNone/>
+            </a:pPr>
+            <a:r>
+              <a:rPr lang="en-US" sz="1800" kern="0" dirty="0">
+                <a:latin typeface="Courier" pitchFamily="49" charset="0"/>
+                <a:ea typeface="Courier" pitchFamily="49" charset="0"/>
+                <a:cs typeface="Courier" pitchFamily="49" charset="0"/>
+                <a:sym typeface="Courier" pitchFamily="49" charset="0"/>
+              </a:rPr>
+              <a:t>  </a:t>
+            </a:r>
+            <a:r>
+              <a:rPr lang="en-US" sz="1800" kern="0" dirty="0" err="1">
+                <a:latin typeface="Courier" pitchFamily="49" charset="0"/>
+                <a:ea typeface="Courier" pitchFamily="49" charset="0"/>
+                <a:cs typeface="Courier" pitchFamily="49" charset="0"/>
+                <a:sym typeface="Courier" pitchFamily="49" charset="0"/>
+              </a:rPr>
+              <a:t>writepos</a:t>
+            </a:r>
+            <a:r>
+              <a:rPr lang="en-US" sz="1800" kern="0" dirty="0">
+                <a:latin typeface="Courier" pitchFamily="49" charset="0"/>
+                <a:ea typeface="Courier" pitchFamily="49" charset="0"/>
+                <a:cs typeface="Courier" pitchFamily="49" charset="0"/>
+                <a:sym typeface="Courier" pitchFamily="49" charset="0"/>
+              </a:rPr>
+              <a:t>=(</a:t>
+            </a:r>
+            <a:r>
+              <a:rPr lang="en-US" sz="1800" kern="0" dirty="0" err="1">
+                <a:latin typeface="Courier" pitchFamily="49" charset="0"/>
+                <a:ea typeface="Courier" pitchFamily="49" charset="0"/>
+                <a:cs typeface="Courier" pitchFamily="49" charset="0"/>
+                <a:sym typeface="Courier" pitchFamily="49" charset="0"/>
+              </a:rPr>
+              <a:t>writePosition</a:t>
+            </a:r>
+            <a:r>
+              <a:rPr lang="en-US" sz="1800" kern="0" dirty="0">
+                <a:latin typeface="Courier" pitchFamily="49" charset="0"/>
+                <a:ea typeface="Courier" pitchFamily="49" charset="0"/>
+                <a:cs typeface="Courier" pitchFamily="49" charset="0"/>
+                <a:sym typeface="Courier" pitchFamily="49" charset="0"/>
+              </a:rPr>
+              <a:t> +1)%D;</a:t>
+            </a:r>
+            <a:r>
+              <a:rPr lang="en-US" sz="1800" kern="0" dirty="0">
+                <a:latin typeface="Courier New" charset="0"/>
+                <a:cs typeface="Courier New" charset="0"/>
+                <a:sym typeface="Courier New" charset="0"/>
+              </a:rPr>
+              <a:t> </a:t>
+            </a:r>
+            <a:r>
+              <a:rPr lang="en-US" sz="1800" kern="0" dirty="0">
+                <a:solidFill>
+                  <a:srgbClr val="0070C0"/>
+                </a:solidFill>
+                <a:latin typeface="Lucida Grande" charset="0"/>
+                <a:ea typeface="Lucida Grande" charset="0"/>
+                <a:cs typeface="Lucida Grande" charset="0"/>
+                <a:sym typeface="Lucida Grande" charset="0"/>
+              </a:rPr>
+              <a:t>// update write pointer, modulo wraps</a:t>
+            </a:r>
+            <a:endParaRPr lang="en-US" sz="1800" kern="0" dirty="0">
+              <a:solidFill>
+                <a:srgbClr val="0070C0"/>
+              </a:solidFill>
+              <a:latin typeface="Lucida Grande" charset="0"/>
+              <a:sym typeface="Lucida Grande" charset="0"/>
+            </a:endParaRPr>
+          </a:p>
+          <a:p>
+            <a:pPr marL="27905" indent="0">
+              <a:spcBef>
+                <a:spcPts val="492"/>
+              </a:spcBef>
+              <a:buFont typeface="Arial" charset="0"/>
+              <a:buNone/>
+            </a:pPr>
+            <a:r>
+              <a:rPr lang="en-US" sz="1800" kern="0" dirty="0">
+                <a:latin typeface="Courier" pitchFamily="49" charset="0"/>
+                <a:ea typeface="Courier" pitchFamily="49" charset="0"/>
+                <a:cs typeface="Courier" pitchFamily="49" charset="0"/>
+                <a:sym typeface="Courier" pitchFamily="49" charset="0"/>
+              </a:rPr>
+              <a:t>}</a:t>
+            </a:r>
+            <a:endParaRPr lang="en-US" sz="1800" i="1" kern="0" dirty="0">
+              <a:latin typeface="Courier" pitchFamily="49" charset="0"/>
+              <a:sym typeface="Courier" pitchFamily="49" charset="0"/>
+            </a:endParaRPr>
+          </a:p>
+        </p:txBody>
+      </p:sp>
+      <p:sp>
+        <p:nvSpPr>
+          <p:cNvPr id="10" name="TextBox 9">
+            <a:extLst>
+              <a:ext uri="{FF2B5EF4-FFF2-40B4-BE49-F238E27FC236}">
+                <a16:creationId xmlns:a16="http://schemas.microsoft.com/office/drawing/2014/main" id="{5C95EAEC-4F53-7D73-222A-AF2F1D6A7B76}"/>
+              </a:ext>
+            </a:extLst>
+          </p:cNvPr>
+          <p:cNvSpPr txBox="1"/>
+          <p:nvPr/>
+        </p:nvSpPr>
+        <p:spPr>
+          <a:xfrm>
+            <a:off x="5595640" y="1651926"/>
+            <a:ext cx="5822043" cy="1508105"/>
+          </a:xfrm>
+          <a:prstGeom prst="rect">
+            <a:avLst/>
+          </a:prstGeom>
+          <a:noFill/>
+        </p:spPr>
+        <p:txBody>
+          <a:bodyPr wrap="square">
+            <a:spAutoFit/>
+          </a:bodyPr>
+          <a:lstStyle/>
+          <a:p>
+            <a:pPr marL="178587" marR="0" lvl="0" indent="0" algn="l" defTabSz="914400" rtl="0" eaLnBrk="1" fontAlgn="base" latinLnBrk="0" hangingPunct="1">
+              <a:lnSpc>
+                <a:spcPct val="100000"/>
+              </a:lnSpc>
+              <a:spcBef>
+                <a:spcPts val="422"/>
+              </a:spcBef>
+              <a:spcAft>
+                <a:spcPct val="0"/>
+              </a:spcAft>
+              <a:buClrTx/>
+              <a:buSzPct val="150000"/>
+              <a:buFont typeface="Arial" charset="0"/>
+              <a:buNone/>
+              <a:tabLst/>
+              <a:defRPr/>
+            </a:pPr>
+            <a:r>
+              <a:rPr kumimoji="0" lang="en-US" sz="2100" b="0" u="none" strike="noStrike" kern="0" cap="none" spc="0" normalizeH="0" baseline="0" noProof="0" dirty="0">
+                <a:ln>
+                  <a:noFill/>
+                </a:ln>
+                <a:solidFill>
+                  <a:srgbClr val="000000"/>
+                </a:solidFill>
+                <a:effectLst/>
+                <a:uLnTx/>
+                <a:uFillTx/>
+                <a:latin typeface="Arial"/>
+                <a:sym typeface="Arial" charset="0"/>
+              </a:rPr>
+              <a:t>Output:</a:t>
+            </a:r>
+            <a:endParaRPr kumimoji="0" lang="en-US" sz="2800" b="0" i="0" u="none" strike="noStrike" kern="0" cap="none" spc="0" normalizeH="0" baseline="0" noProof="0" dirty="0">
+              <a:ln>
+                <a:noFill/>
+              </a:ln>
+              <a:solidFill>
+                <a:srgbClr val="000000"/>
+              </a:solidFill>
+              <a:effectLst/>
+              <a:uLnTx/>
+              <a:uFillTx/>
+              <a:latin typeface="Arial"/>
+              <a:sym typeface="Arial" charset="0"/>
+            </a:endParaRPr>
+          </a:p>
+          <a:p>
+            <a:pPr marL="446468" marR="0" lvl="0" indent="-267881" algn="l" defTabSz="914400" rtl="0" eaLnBrk="1" fontAlgn="base" latinLnBrk="0" hangingPunct="1">
+              <a:lnSpc>
+                <a:spcPct val="100000"/>
+              </a:lnSpc>
+              <a:spcBef>
+                <a:spcPts val="422"/>
+              </a:spcBef>
+              <a:spcAft>
+                <a:spcPct val="0"/>
+              </a:spcAft>
+              <a:buClrTx/>
+              <a:buSzPct val="150000"/>
+              <a:buFont typeface="Arial" charset="0"/>
+              <a:buChar char="•"/>
+              <a:tabLst/>
+              <a:defRPr/>
+            </a:pPr>
+            <a:r>
+              <a:rPr kumimoji="0" lang="en-US" sz="1900" b="0" i="1" u="none" strike="noStrike" kern="0" cap="none" spc="0" normalizeH="0" baseline="0" noProof="0" dirty="0">
+                <a:ln>
+                  <a:noFill/>
+                </a:ln>
+                <a:solidFill>
+                  <a:srgbClr val="000000"/>
+                </a:solidFill>
+                <a:effectLst/>
+                <a:uLnTx/>
+                <a:uFillTx/>
+                <a:latin typeface="Arial"/>
+                <a:sym typeface="Arial" charset="0"/>
+              </a:rPr>
+              <a:t>N</a:t>
+            </a:r>
+            <a:r>
+              <a:rPr kumimoji="0" lang="en-US" sz="1900" b="0" i="0" u="none" strike="noStrike" kern="0" cap="none" spc="0" normalizeH="0" baseline="0" noProof="0" dirty="0">
+                <a:ln>
+                  <a:noFill/>
+                </a:ln>
+                <a:solidFill>
+                  <a:srgbClr val="000000"/>
+                </a:solidFill>
+                <a:effectLst/>
+                <a:uLnTx/>
+                <a:uFillTx/>
+                <a:latin typeface="Arial"/>
+                <a:sym typeface="Arial" charset="0"/>
+              </a:rPr>
+              <a:t> samples </a:t>
+            </a:r>
+            <a:r>
+              <a:rPr kumimoji="0" lang="en-US" sz="1900" b="0" i="1" u="none" strike="noStrike" kern="0" cap="none" spc="0" normalizeH="0" baseline="0" noProof="0" dirty="0">
+                <a:ln>
+                  <a:noFill/>
+                </a:ln>
+                <a:solidFill>
+                  <a:srgbClr val="000000"/>
+                </a:solidFill>
+                <a:effectLst/>
+                <a:uLnTx/>
+                <a:uFillTx/>
+                <a:latin typeface="Arial"/>
+                <a:sym typeface="Arial" charset="0"/>
+              </a:rPr>
+              <a:t>y</a:t>
+            </a:r>
+            <a:r>
+              <a:rPr kumimoji="0" lang="en-US" sz="1900" b="0" i="0" u="none" strike="noStrike" kern="0" cap="none" spc="0" normalizeH="0" baseline="0" noProof="0" dirty="0">
+                <a:ln>
+                  <a:noFill/>
+                </a:ln>
+                <a:solidFill>
+                  <a:srgbClr val="000000"/>
+                </a:solidFill>
+                <a:effectLst/>
+                <a:uLnTx/>
+                <a:uFillTx/>
+                <a:latin typeface="Arial"/>
+                <a:sym typeface="Arial" charset="0"/>
+              </a:rPr>
+              <a:t>[</a:t>
+            </a:r>
+            <a:r>
+              <a:rPr kumimoji="0" lang="en-US" sz="1900" b="0" i="1" u="none" strike="noStrike" kern="0" cap="none" spc="0" normalizeH="0" baseline="0" noProof="0" dirty="0">
+                <a:ln>
+                  <a:noFill/>
+                </a:ln>
+                <a:solidFill>
+                  <a:srgbClr val="000000"/>
+                </a:solidFill>
+                <a:effectLst/>
+                <a:uLnTx/>
+                <a:uFillTx/>
+                <a:latin typeface="Arial"/>
+                <a:sym typeface="Arial" charset="0"/>
+              </a:rPr>
+              <a:t>n</a:t>
+            </a:r>
+            <a:r>
+              <a:rPr kumimoji="0" lang="en-US" sz="1900" b="0" i="0" u="none" strike="noStrike" kern="0" cap="none" spc="0" normalizeH="0" baseline="0" noProof="0" dirty="0">
+                <a:ln>
+                  <a:noFill/>
+                </a:ln>
+                <a:solidFill>
+                  <a:srgbClr val="000000"/>
+                </a:solidFill>
+                <a:effectLst/>
+                <a:uLnTx/>
+                <a:uFillTx/>
+                <a:latin typeface="Arial"/>
+                <a:sym typeface="Arial" charset="0"/>
+              </a:rPr>
+              <a:t>], output of read pointer</a:t>
+            </a:r>
+          </a:p>
+          <a:p>
+            <a:pPr marL="178587" marR="0" lvl="0" indent="0" algn="l" defTabSz="914400" rtl="0" eaLnBrk="1" fontAlgn="base" latinLnBrk="0" hangingPunct="1">
+              <a:lnSpc>
+                <a:spcPct val="100000"/>
+              </a:lnSpc>
+              <a:spcBef>
+                <a:spcPts val="422"/>
+              </a:spcBef>
+              <a:spcAft>
+                <a:spcPct val="0"/>
+              </a:spcAft>
+              <a:buClrTx/>
+              <a:buSzPct val="150000"/>
+              <a:buFont typeface="Arial" charset="0"/>
+              <a:buNone/>
+              <a:tabLst/>
+              <a:defRPr/>
+            </a:pPr>
+            <a:r>
+              <a:rPr kumimoji="0" lang="en-US" sz="2100" b="0" u="none" strike="noStrike" kern="0" cap="none" spc="0" normalizeH="0" baseline="0" noProof="0" dirty="0">
+                <a:ln>
+                  <a:noFill/>
+                </a:ln>
+                <a:solidFill>
+                  <a:srgbClr val="000000"/>
+                </a:solidFill>
+                <a:effectLst/>
+                <a:uLnTx/>
+                <a:uFillTx/>
+                <a:latin typeface="Arial" charset="0"/>
+                <a:cs typeface="Arial" charset="0"/>
+                <a:sym typeface="Arial" charset="0"/>
+              </a:rPr>
+              <a:t>Code does not check whether pointers cross</a:t>
+            </a:r>
+            <a:endParaRPr kumimoji="0" lang="en-US" sz="2100" b="0" i="0" u="none" strike="noStrike" kern="0" cap="none" spc="0" normalizeH="0" baseline="0" noProof="0" dirty="0">
+              <a:ln>
+                <a:noFill/>
+              </a:ln>
+              <a:solidFill>
+                <a:srgbClr val="000000"/>
+              </a:solidFill>
+              <a:effectLst/>
+              <a:uLnTx/>
+              <a:uFillTx/>
+              <a:latin typeface="Arial"/>
+              <a:sym typeface="Arial" charset="0"/>
+            </a:endParaRPr>
+          </a:p>
+          <a:p>
+            <a:pPr marL="446468" marR="0" lvl="0" indent="-267881" algn="l" defTabSz="914400" rtl="0" eaLnBrk="1" fontAlgn="base" latinLnBrk="0" hangingPunct="1">
+              <a:lnSpc>
+                <a:spcPct val="100000"/>
+              </a:lnSpc>
+              <a:spcBef>
+                <a:spcPts val="422"/>
+              </a:spcBef>
+              <a:spcAft>
+                <a:spcPct val="0"/>
+              </a:spcAft>
+              <a:buClrTx/>
+              <a:buSzPct val="150000"/>
+              <a:buFont typeface="Arial" charset="0"/>
+              <a:buChar char="•"/>
+              <a:tabLst/>
+              <a:defRPr/>
+            </a:pPr>
+            <a:r>
+              <a:rPr kumimoji="0" lang="en-US" sz="1900" b="0" i="0" u="none" strike="noStrike" kern="0" cap="none" spc="0" normalizeH="0" baseline="0" noProof="0" dirty="0">
+                <a:ln>
+                  <a:noFill/>
+                </a:ln>
+                <a:solidFill>
+                  <a:srgbClr val="000000"/>
+                </a:solidFill>
+                <a:effectLst/>
+                <a:uLnTx/>
+                <a:uFillTx/>
+                <a:latin typeface="Arial" charset="0"/>
+                <a:cs typeface="Arial" charset="0"/>
+                <a:sym typeface="Arial" charset="0"/>
+              </a:rPr>
+              <a:t>won’t happen when moving at same speed</a:t>
+            </a:r>
+          </a:p>
+        </p:txBody>
+      </p:sp>
     </p:spTree>
     <p:extLst>
       <p:ext uri="{BB962C8B-B14F-4D97-AF65-F5344CB8AC3E}">
@@ -13355,957 +13362,6 @@
 </file>
 
 <file path=ppt/slides/slide7.xml><?xml version="1.0" encoding="utf-8"?>
-<p:sld xmlns:a="http://schemas.openxmlformats.org/drawingml/2006/main" xmlns:r="http://schemas.openxmlformats.org/officeDocument/2006/relationships" xmlns:p="http://schemas.openxmlformats.org/presentationml/2006/main" show="0">
-  <p:cSld>
-    <p:spTree>
-      <p:nvGrpSpPr>
-        <p:cNvPr id="1" name=""/>
-        <p:cNvGrpSpPr/>
-        <p:nvPr/>
-      </p:nvGrpSpPr>
-      <p:grpSpPr>
-        <a:xfrm>
-          <a:off x="0" y="0"/>
-          <a:ext cx="0" cy="0"/>
-          <a:chOff x="0" y="0"/>
-          <a:chExt cx="0" cy="0"/>
-        </a:xfrm>
-      </p:grpSpPr>
-      <p:sp>
-        <p:nvSpPr>
-          <p:cNvPr id="50177" name="Rectangle 1"/>
-          <p:cNvSpPr>
-            <a:spLocks noGrp="1" noChangeArrowheads="1"/>
-          </p:cNvSpPr>
-          <p:nvPr>
-            <p:ph type="title"/>
-          </p:nvPr>
-        </p:nvSpPr>
-        <p:spPr>
-          <a:ln/>
-        </p:spPr>
-        <p:txBody>
-          <a:bodyPr/>
-          <a:lstStyle/>
-          <a:p>
-            <a:r>
-              <a:rPr lang="en-US"/>
-              <a:t>Fractional delay in practice</a:t>
-            </a:r>
-          </a:p>
-        </p:txBody>
-      </p:sp>
-      <p:sp>
-        <p:nvSpPr>
-          <p:cNvPr id="50178" name="Rectangle 2"/>
-          <p:cNvSpPr>
-            <a:spLocks noGrp="1" noChangeArrowheads="1"/>
-          </p:cNvSpPr>
-          <p:nvPr>
-            <p:ph type="body" idx="1"/>
-          </p:nvPr>
-        </p:nvSpPr>
-        <p:spPr>
-          <a:xfrm>
-            <a:off x="178594" y="2314189"/>
-            <a:ext cx="12013406" cy="4355420"/>
-          </a:xfrm>
-          <a:ln/>
-        </p:spPr>
-        <p:txBody>
-          <a:bodyPr vert="horz" wrap="square" lIns="50800" tIns="50800" rIns="28574" bIns="50800" numCol="1" anchor="t" anchorCtr="0" compatLnSpc="1">
-            <a:prstTxWarp prst="textNoShape">
-              <a:avLst/>
-            </a:prstTxWarp>
-          </a:bodyPr>
-          <a:lstStyle/>
-          <a:p>
-            <a:pPr marL="27905" indent="0">
-              <a:buNone/>
-            </a:pPr>
-            <a:r>
-              <a:rPr lang="en-US" sz="1800" dirty="0">
-                <a:latin typeface="Courier" pitchFamily="49" charset="0"/>
-                <a:ea typeface="Courier" pitchFamily="49" charset="0"/>
-                <a:cs typeface="Courier" pitchFamily="49" charset="0"/>
-                <a:sym typeface="Courier" pitchFamily="49" charset="0"/>
-              </a:rPr>
-              <a:t>Allocate buffer </a:t>
-            </a:r>
-            <a:r>
-              <a:rPr lang="en-US" sz="1800" dirty="0" err="1">
-                <a:latin typeface="Courier" pitchFamily="49" charset="0"/>
-                <a:ea typeface="Courier" pitchFamily="49" charset="0"/>
-                <a:cs typeface="Courier" pitchFamily="49" charset="0"/>
-                <a:sym typeface="Courier" pitchFamily="49" charset="0"/>
-              </a:rPr>
-              <a:t>delayline</a:t>
-            </a:r>
-            <a:r>
-              <a:rPr lang="en-US" sz="1800" dirty="0">
-                <a:latin typeface="Courier" pitchFamily="49" charset="0"/>
-                <a:ea typeface="Courier" pitchFamily="49" charset="0"/>
-                <a:cs typeface="Courier" pitchFamily="49" charset="0"/>
-                <a:sym typeface="Courier" pitchFamily="49" charset="0"/>
-              </a:rPr>
-              <a:t> of size D for storing samples</a:t>
-            </a:r>
-            <a:endParaRPr lang="en-US" sz="1800" dirty="0">
-              <a:latin typeface="Courier New" charset="0"/>
-              <a:sym typeface="Courier New" charset="0"/>
-            </a:endParaRPr>
-          </a:p>
-          <a:p>
-            <a:pPr marL="27905" indent="0">
-              <a:spcBef>
-                <a:spcPts val="492"/>
-              </a:spcBef>
-              <a:buNone/>
-            </a:pPr>
-            <a:r>
-              <a:rPr lang="en-US" sz="1800" dirty="0" err="1">
-                <a:latin typeface="Courier" pitchFamily="49" charset="0"/>
-                <a:ea typeface="Courier" pitchFamily="49" charset="0"/>
-                <a:cs typeface="Courier" pitchFamily="49" charset="0"/>
-                <a:sym typeface="Courier" pitchFamily="49" charset="0"/>
-              </a:rPr>
-              <a:t>writePosition</a:t>
-            </a:r>
-            <a:r>
-              <a:rPr lang="en-US" sz="1800" dirty="0">
-                <a:latin typeface="Courier" pitchFamily="49" charset="0"/>
-                <a:ea typeface="Courier" pitchFamily="49" charset="0"/>
-                <a:cs typeface="Courier" pitchFamily="49" charset="0"/>
-                <a:sym typeface="Courier" pitchFamily="49" charset="0"/>
-              </a:rPr>
-              <a:t>=0;</a:t>
-            </a:r>
-            <a:r>
-              <a:rPr lang="en-US" sz="1800" dirty="0">
-                <a:latin typeface="Courier New" charset="0"/>
-                <a:cs typeface="Courier New" charset="0"/>
-                <a:sym typeface="Courier New" charset="0"/>
-              </a:rPr>
-              <a:t> </a:t>
-            </a:r>
-            <a:r>
-              <a:rPr lang="en-US" sz="1800" dirty="0">
-                <a:solidFill>
-                  <a:srgbClr val="0070C0"/>
-                </a:solidFill>
-                <a:latin typeface="Lucida Grande" charset="0"/>
-                <a:ea typeface="Lucida Grande" charset="0"/>
-                <a:cs typeface="Lucida Grande" charset="0"/>
-                <a:sym typeface="Lucida Grande" charset="0"/>
-              </a:rPr>
-              <a:t>// write pointer position, start at beginning of buffer</a:t>
-            </a:r>
-            <a:endParaRPr lang="en-US" sz="1800" dirty="0">
-              <a:solidFill>
-                <a:srgbClr val="0070C0"/>
-              </a:solidFill>
-              <a:latin typeface="Lucida Grande" charset="0"/>
-              <a:sym typeface="Lucida Grande" charset="0"/>
-            </a:endParaRPr>
-          </a:p>
-          <a:p>
-            <a:pPr marL="27905" indent="0">
-              <a:spcBef>
-                <a:spcPts val="492"/>
-              </a:spcBef>
-              <a:buNone/>
-            </a:pPr>
-            <a:r>
-              <a:rPr lang="en-US" sz="1800" dirty="0" err="1">
-                <a:latin typeface="Courier" pitchFamily="49" charset="0"/>
-                <a:ea typeface="Courier" pitchFamily="49" charset="0"/>
-                <a:cs typeface="Courier" pitchFamily="49" charset="0"/>
-                <a:sym typeface="Courier" pitchFamily="49" charset="0"/>
-              </a:rPr>
-              <a:t>readPosition</a:t>
-            </a:r>
-            <a:r>
-              <a:rPr lang="en-US" sz="1800" dirty="0">
-                <a:latin typeface="Courier" pitchFamily="49" charset="0"/>
-                <a:ea typeface="Courier" pitchFamily="49" charset="0"/>
-                <a:cs typeface="Courier" pitchFamily="49" charset="0"/>
-                <a:sym typeface="Courier" pitchFamily="49" charset="0"/>
-              </a:rPr>
-              <a:t> =(</a:t>
-            </a:r>
-            <a:r>
-              <a:rPr lang="en-US" sz="1800" dirty="0" err="1">
-                <a:latin typeface="Courier" pitchFamily="49" charset="0"/>
-                <a:ea typeface="Courier" pitchFamily="49" charset="0"/>
-                <a:cs typeface="Courier" pitchFamily="49" charset="0"/>
-                <a:sym typeface="Courier" pitchFamily="49" charset="0"/>
-              </a:rPr>
-              <a:t>writePosition</a:t>
-            </a:r>
-            <a:r>
-              <a:rPr lang="en-US" sz="1800" dirty="0">
-                <a:latin typeface="Courier" pitchFamily="49" charset="0"/>
-                <a:ea typeface="Courier" pitchFamily="49" charset="0"/>
-                <a:cs typeface="Courier" pitchFamily="49" charset="0"/>
-                <a:sym typeface="Courier" pitchFamily="49" charset="0"/>
-              </a:rPr>
-              <a:t> +D-</a:t>
-            </a:r>
-            <a:r>
-              <a:rPr lang="en-US" sz="1800" dirty="0" err="1">
-                <a:latin typeface="Courier" pitchFamily="49" charset="0"/>
-                <a:ea typeface="Courier" pitchFamily="49" charset="0"/>
-                <a:cs typeface="Courier" pitchFamily="49" charset="0"/>
-                <a:sym typeface="Courier" pitchFamily="49" charset="0"/>
-              </a:rPr>
-              <a:t>initdelay</a:t>
-            </a:r>
-            <a:r>
-              <a:rPr lang="en-US" sz="1800" dirty="0">
-                <a:latin typeface="Courier" pitchFamily="49" charset="0"/>
-                <a:ea typeface="Courier" pitchFamily="49" charset="0"/>
-                <a:cs typeface="Courier" pitchFamily="49" charset="0"/>
-                <a:sym typeface="Courier" pitchFamily="49" charset="0"/>
-              </a:rPr>
-              <a:t>)%D;</a:t>
-            </a:r>
-            <a:r>
-              <a:rPr lang="en-US" sz="1800" dirty="0">
-                <a:solidFill>
-                  <a:srgbClr val="0070C0"/>
-                </a:solidFill>
-                <a:latin typeface="Lucida Grande" charset="0"/>
-                <a:ea typeface="Lucida Grande" charset="0"/>
-                <a:cs typeface="Lucida Grande" charset="0"/>
-                <a:sym typeface="Lucida Grande" charset="0"/>
-              </a:rPr>
-              <a:t>// read pointer position, modulo keeps indexing correct</a:t>
-            </a:r>
-            <a:endParaRPr lang="en-US" sz="1800" dirty="0">
-              <a:solidFill>
-                <a:srgbClr val="0070C0"/>
-              </a:solidFill>
-              <a:latin typeface="Lucida Grande" charset="0"/>
-              <a:sym typeface="Lucida Grande" charset="0"/>
-            </a:endParaRPr>
-          </a:p>
-          <a:p>
-            <a:pPr marL="27905" indent="0">
-              <a:spcBef>
-                <a:spcPts val="492"/>
-              </a:spcBef>
-              <a:buNone/>
-            </a:pPr>
-            <a:r>
-              <a:rPr lang="en-US" sz="1800" dirty="0">
-                <a:latin typeface="Courier" pitchFamily="49" charset="0"/>
-                <a:ea typeface="Courier" pitchFamily="49" charset="0"/>
-                <a:cs typeface="Courier" pitchFamily="49" charset="0"/>
-                <a:sym typeface="Courier" pitchFamily="49" charset="0"/>
-              </a:rPr>
-              <a:t>for (n=0; n&lt;=</a:t>
-            </a:r>
-            <a:r>
-              <a:rPr lang="en-US" sz="1800" i="1" dirty="0">
-                <a:latin typeface="Courier" pitchFamily="49" charset="0"/>
-                <a:ea typeface="Courier" pitchFamily="49" charset="0"/>
-                <a:cs typeface="Courier" pitchFamily="49" charset="0"/>
-                <a:sym typeface="Courier" pitchFamily="49" charset="0"/>
-              </a:rPr>
-              <a:t>N</a:t>
-            </a:r>
-            <a:r>
-              <a:rPr lang="en-US" sz="1800" dirty="0">
-                <a:latin typeface="Courier" pitchFamily="49" charset="0"/>
-                <a:ea typeface="Courier" pitchFamily="49" charset="0"/>
-                <a:cs typeface="Courier" pitchFamily="49" charset="0"/>
-                <a:sym typeface="Courier" pitchFamily="49" charset="0"/>
-              </a:rPr>
-              <a:t>-1; n++) </a:t>
-            </a:r>
-            <a:r>
-              <a:rPr lang="en-US" sz="1800" dirty="0">
-                <a:latin typeface="Courier" pitchFamily="49" charset="0"/>
-                <a:sym typeface="Courier" pitchFamily="49" charset="0"/>
-              </a:rPr>
-              <a:t>{</a:t>
-            </a:r>
-            <a:endParaRPr lang="en-US" sz="1800" dirty="0">
-              <a:latin typeface="Courier New" charset="0"/>
-              <a:sym typeface="Courier New" charset="0"/>
-            </a:endParaRPr>
-          </a:p>
-          <a:p>
-            <a:pPr marL="27905" indent="0">
-              <a:spcBef>
-                <a:spcPts val="492"/>
-              </a:spcBef>
-              <a:buNone/>
-            </a:pPr>
-            <a:r>
-              <a:rPr lang="en-US" sz="1800" dirty="0">
-                <a:latin typeface="Courier" pitchFamily="49" charset="0"/>
-                <a:ea typeface="Courier" pitchFamily="49" charset="0"/>
-                <a:cs typeface="Courier" pitchFamily="49" charset="0"/>
-                <a:sym typeface="Courier" pitchFamily="49" charset="0"/>
-              </a:rPr>
-              <a:t>  </a:t>
-            </a:r>
-            <a:r>
-              <a:rPr lang="en-US" sz="1800" dirty="0" err="1">
-                <a:latin typeface="Courier" pitchFamily="49" charset="0"/>
-                <a:ea typeface="Courier" pitchFamily="49" charset="0"/>
-                <a:cs typeface="Courier" pitchFamily="49" charset="0"/>
-                <a:sym typeface="Courier" pitchFamily="49" charset="0"/>
-              </a:rPr>
-              <a:t>prev</a:t>
-            </a:r>
-            <a:r>
-              <a:rPr lang="en-US" sz="1800" dirty="0">
-                <a:latin typeface="Courier" pitchFamily="49" charset="0"/>
-                <a:ea typeface="Courier" pitchFamily="49" charset="0"/>
-                <a:cs typeface="Courier" pitchFamily="49" charset="0"/>
-                <a:sym typeface="Courier" pitchFamily="49" charset="0"/>
-              </a:rPr>
-              <a:t>=floor(</a:t>
-            </a:r>
-            <a:r>
-              <a:rPr lang="en-US" sz="1800" dirty="0" err="1">
-                <a:latin typeface="Courier" pitchFamily="49" charset="0"/>
-                <a:ea typeface="Courier" pitchFamily="49" charset="0"/>
-                <a:cs typeface="Courier" pitchFamily="49" charset="0"/>
-                <a:sym typeface="Courier" pitchFamily="49" charset="0"/>
-              </a:rPr>
-              <a:t>readPosition</a:t>
-            </a:r>
-            <a:r>
-              <a:rPr lang="en-US" sz="1800" dirty="0">
-                <a:latin typeface="Courier" pitchFamily="49" charset="0"/>
-                <a:ea typeface="Courier" pitchFamily="49" charset="0"/>
-                <a:cs typeface="Courier" pitchFamily="49" charset="0"/>
-                <a:sym typeface="Courier" pitchFamily="49" charset="0"/>
-              </a:rPr>
-              <a:t>);</a:t>
-            </a:r>
-            <a:r>
-              <a:rPr lang="en-US" sz="1800" dirty="0">
-                <a:latin typeface="Courier New" charset="0"/>
-                <a:cs typeface="Courier New" charset="0"/>
-                <a:sym typeface="Courier New" charset="0"/>
-              </a:rPr>
-              <a:t> </a:t>
-            </a:r>
-            <a:r>
-              <a:rPr lang="en-US" sz="1800" dirty="0">
-                <a:solidFill>
-                  <a:srgbClr val="0070C0"/>
-                </a:solidFill>
-                <a:latin typeface="Lucida Grande" charset="0"/>
-                <a:ea typeface="Lucida Grande" charset="0"/>
-                <a:cs typeface="Lucida Grande" charset="0"/>
-                <a:sym typeface="Lucida Grande" charset="0"/>
-              </a:rPr>
-              <a:t>// get previous integer index</a:t>
-            </a:r>
-            <a:endParaRPr lang="en-US" sz="1800" dirty="0">
-              <a:solidFill>
-                <a:srgbClr val="0070C0"/>
-              </a:solidFill>
-              <a:latin typeface="Lucida Grande" charset="0"/>
-              <a:sym typeface="Lucida Grande" charset="0"/>
-            </a:endParaRPr>
-          </a:p>
-          <a:p>
-            <a:pPr marL="27905" indent="0">
-              <a:spcBef>
-                <a:spcPts val="492"/>
-              </a:spcBef>
-              <a:buNone/>
-            </a:pPr>
-            <a:r>
-              <a:rPr lang="en-US" sz="1800" dirty="0">
-                <a:latin typeface="Courier" pitchFamily="49" charset="0"/>
-                <a:ea typeface="Courier" pitchFamily="49" charset="0"/>
-                <a:cs typeface="Courier" pitchFamily="49" charset="0"/>
-                <a:sym typeface="Courier" pitchFamily="49" charset="0"/>
-              </a:rPr>
-              <a:t>  next=(prev+1)%D;</a:t>
-            </a:r>
-            <a:r>
-              <a:rPr lang="en-US" sz="1800" dirty="0">
-                <a:latin typeface="Courier New" charset="0"/>
-                <a:cs typeface="Courier New" charset="0"/>
-                <a:sym typeface="Courier New" charset="0"/>
-              </a:rPr>
-              <a:t> </a:t>
-            </a:r>
-            <a:r>
-              <a:rPr lang="en-US" sz="1800" dirty="0">
-                <a:solidFill>
-                  <a:srgbClr val="0070C0"/>
-                </a:solidFill>
-                <a:latin typeface="Lucida Grande" charset="0"/>
-                <a:ea typeface="Lucida Grande" charset="0"/>
-                <a:cs typeface="Lucida Grande" charset="0"/>
-                <a:sym typeface="Lucida Grande" charset="0"/>
-              </a:rPr>
-              <a:t>// get next integer index; because of wraparound, need modulo for safety</a:t>
-            </a:r>
-            <a:endParaRPr lang="en-US" sz="1800" dirty="0">
-              <a:solidFill>
-                <a:srgbClr val="0070C0"/>
-              </a:solidFill>
-              <a:latin typeface="Lucida Grande" charset="0"/>
-              <a:sym typeface="Lucida Grande" charset="0"/>
-            </a:endParaRPr>
-          </a:p>
-          <a:p>
-            <a:pPr marL="27905" indent="0">
-              <a:spcBef>
-                <a:spcPts val="492"/>
-              </a:spcBef>
-              <a:buNone/>
-            </a:pPr>
-            <a:r>
-              <a:rPr lang="en-US" sz="1800" dirty="0">
-                <a:latin typeface="Courier" pitchFamily="49" charset="0"/>
-                <a:ea typeface="Courier" pitchFamily="49" charset="0"/>
-                <a:cs typeface="Courier" pitchFamily="49" charset="0"/>
-                <a:sym typeface="Courier" pitchFamily="49" charset="0"/>
-              </a:rPr>
-              <a:t>  t= </a:t>
-            </a:r>
-            <a:r>
-              <a:rPr lang="en-US" sz="1800" dirty="0" err="1">
-                <a:latin typeface="Courier" pitchFamily="49" charset="0"/>
-                <a:ea typeface="Courier" pitchFamily="49" charset="0"/>
-                <a:cs typeface="Courier" pitchFamily="49" charset="0"/>
-                <a:sym typeface="Courier" pitchFamily="49" charset="0"/>
-              </a:rPr>
-              <a:t>readPosition</a:t>
-            </a:r>
-            <a:r>
-              <a:rPr lang="en-US" sz="1800" dirty="0">
-                <a:latin typeface="Courier" pitchFamily="49" charset="0"/>
-                <a:ea typeface="Courier" pitchFamily="49" charset="0"/>
-                <a:cs typeface="Courier" pitchFamily="49" charset="0"/>
-                <a:sym typeface="Courier" pitchFamily="49" charset="0"/>
-              </a:rPr>
-              <a:t> – </a:t>
-            </a:r>
-            <a:r>
-              <a:rPr lang="en-US" sz="1800" dirty="0" err="1">
-                <a:latin typeface="Courier" pitchFamily="49" charset="0"/>
-                <a:ea typeface="Courier" pitchFamily="49" charset="0"/>
-                <a:cs typeface="Courier" pitchFamily="49" charset="0"/>
-                <a:sym typeface="Courier" pitchFamily="49" charset="0"/>
-              </a:rPr>
-              <a:t>prev</a:t>
-            </a:r>
-            <a:r>
-              <a:rPr lang="en-US" sz="1800" dirty="0">
-                <a:latin typeface="Courier" pitchFamily="49" charset="0"/>
-                <a:ea typeface="Courier" pitchFamily="49" charset="0"/>
-                <a:cs typeface="Courier" pitchFamily="49" charset="0"/>
-                <a:sym typeface="Courier" pitchFamily="49" charset="0"/>
-              </a:rPr>
-              <a:t>; </a:t>
-            </a:r>
-            <a:r>
-              <a:rPr lang="en-US" sz="1800" dirty="0">
-                <a:solidFill>
-                  <a:srgbClr val="0070C0"/>
-                </a:solidFill>
-                <a:latin typeface="Lucida Grande" charset="0"/>
-                <a:ea typeface="Lucida Grande" charset="0"/>
-                <a:cs typeface="Lucida Grande" charset="0"/>
-                <a:sym typeface="Lucida Grande" charset="0"/>
-              </a:rPr>
-              <a:t>// get fractional position of read pointer</a:t>
-            </a:r>
-            <a:endParaRPr lang="en-US" sz="1800" dirty="0">
-              <a:solidFill>
-                <a:srgbClr val="0070C0"/>
-              </a:solidFill>
-              <a:latin typeface="Lucida Grande" charset="0"/>
-              <a:sym typeface="Lucida Grande" charset="0"/>
-            </a:endParaRPr>
-          </a:p>
-          <a:p>
-            <a:pPr marL="27905" indent="0">
-              <a:spcBef>
-                <a:spcPts val="492"/>
-              </a:spcBef>
-              <a:buNone/>
-            </a:pPr>
-            <a:r>
-              <a:rPr lang="en-US" sz="1800" dirty="0">
-                <a:latin typeface="Courier" pitchFamily="49" charset="0"/>
-                <a:ea typeface="Courier" pitchFamily="49" charset="0"/>
-                <a:cs typeface="Courier" pitchFamily="49" charset="0"/>
-                <a:sym typeface="Courier" pitchFamily="49" charset="0"/>
-              </a:rPr>
-              <a:t>  y[n]=(1-t)*</a:t>
-            </a:r>
-            <a:r>
-              <a:rPr lang="en-US" sz="1800" dirty="0" err="1">
-                <a:latin typeface="Courier" pitchFamily="49" charset="0"/>
-                <a:ea typeface="Courier" pitchFamily="49" charset="0"/>
-                <a:cs typeface="Courier" pitchFamily="49" charset="0"/>
-                <a:sym typeface="Courier" pitchFamily="49" charset="0"/>
-              </a:rPr>
-              <a:t>delayline</a:t>
-            </a:r>
-            <a:r>
-              <a:rPr lang="en-US" sz="1800" dirty="0">
-                <a:latin typeface="Courier" pitchFamily="49" charset="0"/>
-                <a:ea typeface="Courier" pitchFamily="49" charset="0"/>
-                <a:cs typeface="Courier" pitchFamily="49" charset="0"/>
-                <a:sym typeface="Courier" pitchFamily="49" charset="0"/>
-              </a:rPr>
-              <a:t>[</a:t>
-            </a:r>
-            <a:r>
-              <a:rPr lang="en-US" sz="1800" dirty="0" err="1">
-                <a:latin typeface="Courier" pitchFamily="49" charset="0"/>
-                <a:ea typeface="Courier" pitchFamily="49" charset="0"/>
-                <a:cs typeface="Courier" pitchFamily="49" charset="0"/>
-                <a:sym typeface="Courier" pitchFamily="49" charset="0"/>
-              </a:rPr>
-              <a:t>prev</a:t>
-            </a:r>
-            <a:r>
-              <a:rPr lang="en-US" sz="1800" dirty="0">
-                <a:latin typeface="Courier" pitchFamily="49" charset="0"/>
-                <a:ea typeface="Courier" pitchFamily="49" charset="0"/>
-                <a:cs typeface="Courier" pitchFamily="49" charset="0"/>
-                <a:sym typeface="Courier" pitchFamily="49" charset="0"/>
-              </a:rPr>
-              <a:t>]+t*</a:t>
-            </a:r>
-            <a:r>
-              <a:rPr lang="en-US" sz="1800" dirty="0" err="1">
-                <a:latin typeface="Courier" pitchFamily="49" charset="0"/>
-                <a:ea typeface="Courier" pitchFamily="49" charset="0"/>
-                <a:cs typeface="Courier" pitchFamily="49" charset="0"/>
-                <a:sym typeface="Courier" pitchFamily="49" charset="0"/>
-              </a:rPr>
-              <a:t>delayline</a:t>
-            </a:r>
-            <a:r>
-              <a:rPr lang="en-US" sz="1800" dirty="0">
-                <a:latin typeface="Courier" pitchFamily="49" charset="0"/>
-                <a:ea typeface="Courier" pitchFamily="49" charset="0"/>
-                <a:cs typeface="Courier" pitchFamily="49" charset="0"/>
-                <a:sym typeface="Courier" pitchFamily="49" charset="0"/>
-              </a:rPr>
-              <a:t>[next];</a:t>
-            </a:r>
-            <a:r>
-              <a:rPr lang="en-US" sz="1800" dirty="0">
-                <a:latin typeface="Courier New" charset="0"/>
-                <a:cs typeface="Courier New" charset="0"/>
-                <a:sym typeface="Courier New" charset="0"/>
-              </a:rPr>
-              <a:t> </a:t>
-            </a:r>
-            <a:r>
-              <a:rPr lang="en-US" sz="1800" dirty="0">
-                <a:solidFill>
-                  <a:srgbClr val="0070C0"/>
-                </a:solidFill>
-                <a:latin typeface="Lucida Grande" charset="0"/>
-                <a:ea typeface="Lucida Grande" charset="0"/>
-                <a:cs typeface="Lucida Grande" charset="0"/>
-                <a:sym typeface="Lucida Grande" charset="0"/>
-              </a:rPr>
-              <a:t>// Linear interpolation</a:t>
-            </a:r>
-            <a:r>
-              <a:rPr lang="en-US" sz="1800" dirty="0">
-                <a:latin typeface="Courier" pitchFamily="49" charset="0"/>
-                <a:ea typeface="Courier" pitchFamily="49" charset="0"/>
-                <a:cs typeface="Courier" pitchFamily="49" charset="0"/>
-                <a:sym typeface="Courier" pitchFamily="49" charset="0"/>
-              </a:rPr>
-              <a:t> </a:t>
-            </a:r>
-          </a:p>
-          <a:p>
-            <a:pPr marL="27905" indent="0">
-              <a:spcBef>
-                <a:spcPts val="492"/>
-              </a:spcBef>
-              <a:buNone/>
-            </a:pPr>
-            <a:r>
-              <a:rPr lang="en-US" sz="1800" dirty="0">
-                <a:latin typeface="Courier" pitchFamily="49" charset="0"/>
-                <a:ea typeface="Courier" pitchFamily="49" charset="0"/>
-                <a:cs typeface="Courier" pitchFamily="49" charset="0"/>
-                <a:sym typeface="Courier" pitchFamily="49" charset="0"/>
-              </a:rPr>
-              <a:t>  </a:t>
-            </a:r>
-            <a:r>
-              <a:rPr lang="en-US" sz="1800" dirty="0" err="1">
-                <a:latin typeface="Courier" pitchFamily="49" charset="0"/>
-                <a:ea typeface="Courier" pitchFamily="49" charset="0"/>
-                <a:cs typeface="Courier" pitchFamily="49" charset="0"/>
-                <a:sym typeface="Courier" pitchFamily="49" charset="0"/>
-              </a:rPr>
-              <a:t>delayline</a:t>
-            </a:r>
-            <a:r>
-              <a:rPr lang="en-US" sz="1800" dirty="0">
-                <a:latin typeface="Courier" pitchFamily="49" charset="0"/>
-                <a:ea typeface="Courier" pitchFamily="49" charset="0"/>
-                <a:cs typeface="Courier" pitchFamily="49" charset="0"/>
-                <a:sym typeface="Courier" pitchFamily="49" charset="0"/>
-              </a:rPr>
-              <a:t>[</a:t>
-            </a:r>
-            <a:r>
-              <a:rPr lang="en-US" sz="1800" dirty="0" err="1">
-                <a:latin typeface="Courier" pitchFamily="49" charset="0"/>
-                <a:ea typeface="Courier" pitchFamily="49" charset="0"/>
-                <a:cs typeface="Courier" pitchFamily="49" charset="0"/>
-                <a:sym typeface="Courier" pitchFamily="49" charset="0"/>
-              </a:rPr>
-              <a:t>writePosition</a:t>
-            </a:r>
-            <a:r>
-              <a:rPr lang="en-US" sz="1800" dirty="0">
-                <a:latin typeface="Courier" pitchFamily="49" charset="0"/>
-                <a:ea typeface="Courier" pitchFamily="49" charset="0"/>
-                <a:cs typeface="Courier" pitchFamily="49" charset="0"/>
-                <a:sym typeface="Courier" pitchFamily="49" charset="0"/>
-              </a:rPr>
-              <a:t>]=x[n];</a:t>
-            </a:r>
-            <a:r>
-              <a:rPr lang="en-US" sz="1800" dirty="0">
-                <a:latin typeface="Courier New" charset="0"/>
-                <a:cs typeface="Courier New" charset="0"/>
-                <a:sym typeface="Courier New" charset="0"/>
-              </a:rPr>
-              <a:t> </a:t>
-            </a:r>
-            <a:r>
-              <a:rPr lang="en-US" sz="1800" dirty="0">
-                <a:solidFill>
-                  <a:srgbClr val="0070C0"/>
-                </a:solidFill>
-                <a:latin typeface="Lucida Grande" charset="0"/>
-                <a:ea typeface="Lucida Grande" charset="0"/>
-                <a:cs typeface="Lucida Grande" charset="0"/>
-                <a:sym typeface="Lucida Grande" charset="0"/>
-              </a:rPr>
-              <a:t>// write current sample to delay line</a:t>
-            </a:r>
-            <a:endParaRPr lang="en-US" sz="1800" dirty="0">
-              <a:solidFill>
-                <a:srgbClr val="0070C0"/>
-              </a:solidFill>
-              <a:latin typeface="Lucida Grande" charset="0"/>
-              <a:sym typeface="Lucida Grande" charset="0"/>
-            </a:endParaRPr>
-          </a:p>
-          <a:p>
-            <a:pPr marL="27905" indent="0">
-              <a:spcBef>
-                <a:spcPts val="492"/>
-              </a:spcBef>
-              <a:buNone/>
-            </a:pPr>
-            <a:r>
-              <a:rPr lang="en-US" sz="1800" dirty="0">
-                <a:latin typeface="Courier" pitchFamily="49" charset="0"/>
-                <a:ea typeface="Courier" pitchFamily="49" charset="0"/>
-                <a:cs typeface="Courier" pitchFamily="49" charset="0"/>
-                <a:sym typeface="Courier" pitchFamily="49" charset="0"/>
-              </a:rPr>
-              <a:t>  </a:t>
-            </a:r>
-            <a:r>
-              <a:rPr lang="en-US" sz="1800" dirty="0" err="1">
-                <a:latin typeface="Courier" pitchFamily="49" charset="0"/>
-                <a:ea typeface="Courier" pitchFamily="49" charset="0"/>
-                <a:cs typeface="Courier" pitchFamily="49" charset="0"/>
-                <a:sym typeface="Courier" pitchFamily="49" charset="0"/>
-              </a:rPr>
-              <a:t>readpos</a:t>
-            </a:r>
-            <a:r>
-              <a:rPr lang="en-US" sz="1800" dirty="0">
-                <a:latin typeface="Courier" pitchFamily="49" charset="0"/>
-                <a:ea typeface="Courier" pitchFamily="49" charset="0"/>
-                <a:cs typeface="Courier" pitchFamily="49" charset="0"/>
-                <a:sym typeface="Courier" pitchFamily="49" charset="0"/>
-              </a:rPr>
-              <a:t>=(</a:t>
-            </a:r>
-            <a:r>
-              <a:rPr lang="en-US" sz="1800" dirty="0" err="1">
-                <a:latin typeface="Courier" pitchFamily="49" charset="0"/>
-                <a:ea typeface="Courier" pitchFamily="49" charset="0"/>
-                <a:cs typeface="Courier" pitchFamily="49" charset="0"/>
-                <a:sym typeface="Courier" pitchFamily="49" charset="0"/>
-              </a:rPr>
-              <a:t>readPosition+updateread</a:t>
-            </a:r>
-            <a:r>
-              <a:rPr lang="en-US" sz="1800" dirty="0">
-                <a:latin typeface="Courier" pitchFamily="49" charset="0"/>
-                <a:ea typeface="Courier" pitchFamily="49" charset="0"/>
-                <a:cs typeface="Courier" pitchFamily="49" charset="0"/>
-                <a:sym typeface="Courier" pitchFamily="49" charset="0"/>
-              </a:rPr>
-              <a:t>)%D;</a:t>
-            </a:r>
-            <a:r>
-              <a:rPr lang="en-US" sz="1800" dirty="0">
-                <a:latin typeface="Lucida Grande" charset="0"/>
-                <a:ea typeface="Lucida Grande" charset="0"/>
-                <a:cs typeface="Lucida Grande" charset="0"/>
-                <a:sym typeface="Lucida Grande" charset="0"/>
-              </a:rPr>
-              <a:t> </a:t>
-            </a:r>
-            <a:r>
-              <a:rPr lang="en-US" sz="1800" dirty="0">
-                <a:solidFill>
-                  <a:srgbClr val="0070C0"/>
-                </a:solidFill>
-                <a:latin typeface="Lucida Grande" charset="0"/>
-                <a:ea typeface="Lucida Grande" charset="0"/>
-                <a:cs typeface="Lucida Grande" charset="0"/>
-                <a:sym typeface="Lucida Grande" charset="0"/>
-              </a:rPr>
-              <a:t>// update read pointer for next time, modulo wraps</a:t>
-            </a:r>
-            <a:endParaRPr lang="en-US" sz="1800" dirty="0">
-              <a:solidFill>
-                <a:srgbClr val="0070C0"/>
-              </a:solidFill>
-              <a:latin typeface="Lucida Grande" charset="0"/>
-              <a:sym typeface="Lucida Grande" charset="0"/>
-            </a:endParaRPr>
-          </a:p>
-          <a:p>
-            <a:pPr marL="27905" indent="0">
-              <a:spcBef>
-                <a:spcPts val="492"/>
-              </a:spcBef>
-              <a:buNone/>
-            </a:pPr>
-            <a:r>
-              <a:rPr lang="en-US" sz="1800" dirty="0">
-                <a:latin typeface="Courier" pitchFamily="49" charset="0"/>
-                <a:ea typeface="Courier" pitchFamily="49" charset="0"/>
-                <a:cs typeface="Courier" pitchFamily="49" charset="0"/>
-                <a:sym typeface="Courier" pitchFamily="49" charset="0"/>
-              </a:rPr>
-              <a:t>  </a:t>
-            </a:r>
-            <a:r>
-              <a:rPr lang="en-US" sz="1800" dirty="0" err="1">
-                <a:latin typeface="Courier" pitchFamily="49" charset="0"/>
-                <a:ea typeface="Courier" pitchFamily="49" charset="0"/>
-                <a:cs typeface="Courier" pitchFamily="49" charset="0"/>
-                <a:sym typeface="Courier" pitchFamily="49" charset="0"/>
-              </a:rPr>
-              <a:t>writepos</a:t>
-            </a:r>
-            <a:r>
-              <a:rPr lang="en-US" sz="1800" dirty="0">
-                <a:latin typeface="Courier" pitchFamily="49" charset="0"/>
-                <a:ea typeface="Courier" pitchFamily="49" charset="0"/>
-                <a:cs typeface="Courier" pitchFamily="49" charset="0"/>
-                <a:sym typeface="Courier" pitchFamily="49" charset="0"/>
-              </a:rPr>
-              <a:t>=(</a:t>
-            </a:r>
-            <a:r>
-              <a:rPr lang="en-US" sz="1800" dirty="0" err="1">
-                <a:latin typeface="Courier" pitchFamily="49" charset="0"/>
-                <a:ea typeface="Courier" pitchFamily="49" charset="0"/>
-                <a:cs typeface="Courier" pitchFamily="49" charset="0"/>
-                <a:sym typeface="Courier" pitchFamily="49" charset="0"/>
-              </a:rPr>
-              <a:t>writePosition</a:t>
-            </a:r>
-            <a:r>
-              <a:rPr lang="en-US" sz="1800" dirty="0">
-                <a:latin typeface="Courier" pitchFamily="49" charset="0"/>
-                <a:ea typeface="Courier" pitchFamily="49" charset="0"/>
-                <a:cs typeface="Courier" pitchFamily="49" charset="0"/>
-                <a:sym typeface="Courier" pitchFamily="49" charset="0"/>
-              </a:rPr>
-              <a:t> +1)%D;</a:t>
-            </a:r>
-            <a:r>
-              <a:rPr lang="en-US" sz="1800" dirty="0">
-                <a:latin typeface="Courier New" charset="0"/>
-                <a:cs typeface="Courier New" charset="0"/>
-                <a:sym typeface="Courier New" charset="0"/>
-              </a:rPr>
-              <a:t> </a:t>
-            </a:r>
-            <a:r>
-              <a:rPr lang="en-US" sz="1800" dirty="0">
-                <a:solidFill>
-                  <a:srgbClr val="0070C0"/>
-                </a:solidFill>
-                <a:latin typeface="Lucida Grande" charset="0"/>
-                <a:ea typeface="Lucida Grande" charset="0"/>
-                <a:cs typeface="Lucida Grande" charset="0"/>
-                <a:sym typeface="Lucida Grande" charset="0"/>
-              </a:rPr>
-              <a:t>// update write pointer for next time, modulo wraps</a:t>
-            </a:r>
-            <a:endParaRPr lang="en-US" sz="1800" dirty="0">
-              <a:solidFill>
-                <a:srgbClr val="0070C0"/>
-              </a:solidFill>
-              <a:latin typeface="Lucida Grande" charset="0"/>
-              <a:sym typeface="Lucida Grande" charset="0"/>
-            </a:endParaRPr>
-          </a:p>
-          <a:p>
-            <a:pPr marL="27905" indent="0">
-              <a:spcBef>
-                <a:spcPts val="492"/>
-              </a:spcBef>
-              <a:buNone/>
-            </a:pPr>
-            <a:r>
-              <a:rPr lang="en-US" sz="1800" dirty="0">
-                <a:latin typeface="Courier" pitchFamily="49" charset="0"/>
-                <a:ea typeface="Courier" pitchFamily="49" charset="0"/>
-                <a:cs typeface="Courier" pitchFamily="49" charset="0"/>
-                <a:sym typeface="Courier" pitchFamily="49" charset="0"/>
-              </a:rPr>
-              <a:t>}</a:t>
-            </a:r>
-            <a:endParaRPr lang="en-US" sz="1800" i="1" dirty="0">
-              <a:latin typeface="Courier" pitchFamily="49" charset="0"/>
-              <a:sym typeface="Courier" pitchFamily="49" charset="0"/>
-            </a:endParaRPr>
-          </a:p>
-        </p:txBody>
-      </p:sp>
-      <p:sp>
-        <p:nvSpPr>
-          <p:cNvPr id="50179" name="Rectangle 3"/>
-          <p:cNvSpPr>
-            <a:spLocks/>
-          </p:cNvSpPr>
-          <p:nvPr/>
-        </p:nvSpPr>
-        <p:spPr bwMode="auto">
-          <a:xfrm>
-            <a:off x="1462441" y="797010"/>
-            <a:ext cx="9255211" cy="2132892"/>
-          </a:xfrm>
-          <a:prstGeom prst="rect">
-            <a:avLst/>
-          </a:prstGeom>
-          <a:noFill/>
-          <a:ln w="12700" cap="flat">
-            <a:noFill/>
-            <a:miter lim="800000"/>
-            <a:headEnd type="none" w="med" len="med"/>
-            <a:tailEnd type="none" w="med" len="med"/>
-          </a:ln>
-        </p:spPr>
-        <p:txBody>
-          <a:bodyPr lIns="0" tIns="0" rIns="0" bIns="0"/>
-          <a:lstStyle/>
-          <a:p>
-            <a:pPr marL="321457" indent="-321457" defTabSz="642915" fontAlgn="base">
-              <a:spcBef>
-                <a:spcPts val="422"/>
-              </a:spcBef>
-              <a:spcAft>
-                <a:spcPct val="0"/>
-              </a:spcAft>
-              <a:buSzPct val="100000"/>
-              <a:buFont typeface="Wingdings" panose="05000000000000000000" pitchFamily="2" charset="2"/>
-              <a:buChar char="§"/>
-            </a:pPr>
-            <a:r>
-              <a:rPr lang="en-US" sz="2200" dirty="0">
-                <a:solidFill>
-                  <a:srgbClr val="000000"/>
-                </a:solidFill>
-                <a:latin typeface="Arial" charset="0"/>
-                <a:cs typeface="Arial" charset="0"/>
-                <a:sym typeface="Arial" charset="0"/>
-              </a:rPr>
-              <a:t>Code does not check whether pointers cross</a:t>
-            </a:r>
-          </a:p>
-          <a:p>
-            <a:pPr marL="589338" lvl="1" indent="-267881" defTabSz="642915" fontAlgn="base">
-              <a:spcBef>
-                <a:spcPts val="422"/>
-              </a:spcBef>
-              <a:spcAft>
-                <a:spcPct val="0"/>
-              </a:spcAft>
-              <a:buSzPct val="100000"/>
-              <a:buFont typeface="Lucida Grande" charset="0"/>
-              <a:buChar char="‣"/>
-            </a:pPr>
-            <a:r>
-              <a:rPr lang="en-US" sz="2000" dirty="0">
-                <a:solidFill>
-                  <a:srgbClr val="000000"/>
-                </a:solidFill>
-                <a:latin typeface="Arial" charset="0"/>
-                <a:cs typeface="Arial" charset="0"/>
-                <a:sym typeface="Arial" charset="0"/>
-              </a:rPr>
-              <a:t>won’t happen when moving at same speed</a:t>
-            </a:r>
-          </a:p>
-          <a:p>
-            <a:pPr marL="589338" lvl="1" indent="-267881" defTabSz="642915" fontAlgn="base">
-              <a:spcBef>
-                <a:spcPts val="422"/>
-              </a:spcBef>
-              <a:spcAft>
-                <a:spcPct val="0"/>
-              </a:spcAft>
-              <a:buSzPct val="100000"/>
-              <a:buFont typeface="Lucida Grande" charset="0"/>
-              <a:buChar char="‣"/>
-            </a:pPr>
-            <a:r>
-              <a:rPr lang="en-US" sz="2000" dirty="0">
-                <a:solidFill>
-                  <a:srgbClr val="000000"/>
-                </a:solidFill>
-                <a:latin typeface="Arial" charset="0"/>
-                <a:cs typeface="Arial" charset="0"/>
-                <a:sym typeface="Arial" charset="0"/>
-              </a:rPr>
-              <a:t>pointers moving at different speeds here</a:t>
-            </a:r>
-          </a:p>
-        </p:txBody>
-      </p:sp>
-    </p:spTree>
-  </p:cSld>
-  <p:clrMapOvr>
-    <a:masterClrMapping/>
-  </p:clrMapOvr>
-  <p:transition/>
-</p:sld>
-</file>
-
-<file path=ppt/slides/slide8.xml><?xml version="1.0" encoding="utf-8"?>
 <p:sld xmlns:a="http://schemas.openxmlformats.org/drawingml/2006/main" xmlns:r="http://schemas.openxmlformats.org/officeDocument/2006/relationships" xmlns:p="http://schemas.openxmlformats.org/presentationml/2006/main">
   <p:cSld>
     <p:spTree>
@@ -15372,7 +14428,7 @@
 </p:sld>
 </file>
 
-<file path=ppt/slides/slide9.xml><?xml version="1.0" encoding="utf-8"?>
+<file path=ppt/slides/slide8.xml><?xml version="1.0" encoding="utf-8"?>
 <p:sld xmlns:a="http://schemas.openxmlformats.org/drawingml/2006/main" xmlns:r="http://schemas.openxmlformats.org/officeDocument/2006/relationships" xmlns:p="http://schemas.openxmlformats.org/presentationml/2006/main">
   <p:cSld>
     <p:spTree>
@@ -16491,6 +15547,1138 @@
     <p:bldLst>
       <p:bldP spid="12" grpId="0" animBg="1"/>
       <p:bldP spid="12" grpId="1" animBg="1"/>
+    </p:bldLst>
+  </p:timing>
+</p:sld>
+</file>
+
+<file path=ppt/slides/slide9.xml><?xml version="1.0" encoding="utf-8"?>
+<p:sld xmlns:a="http://schemas.openxmlformats.org/drawingml/2006/main" xmlns:r="http://schemas.openxmlformats.org/officeDocument/2006/relationships" xmlns:p="http://schemas.openxmlformats.org/presentationml/2006/main">
+  <p:cSld>
+    <p:spTree>
+      <p:nvGrpSpPr>
+        <p:cNvPr id="1" name=""/>
+        <p:cNvGrpSpPr/>
+        <p:nvPr/>
+      </p:nvGrpSpPr>
+      <p:grpSpPr>
+        <a:xfrm>
+          <a:off x="0" y="0"/>
+          <a:ext cx="0" cy="0"/>
+          <a:chOff x="0" y="0"/>
+          <a:chExt cx="0" cy="0"/>
+        </a:xfrm>
+      </p:grpSpPr>
+      <p:sp>
+        <p:nvSpPr>
+          <p:cNvPr id="2" name="Title 1">
+            <a:extLst>
+              <a:ext uri="{FF2B5EF4-FFF2-40B4-BE49-F238E27FC236}">
+                <a16:creationId xmlns:a16="http://schemas.microsoft.com/office/drawing/2014/main" id="{118C212E-98BB-B9A3-DFE9-B4F95E1EA6F8}"/>
+              </a:ext>
+            </a:extLst>
+          </p:cNvPr>
+          <p:cNvSpPr>
+            <a:spLocks noGrp="1"/>
+          </p:cNvSpPr>
+          <p:nvPr>
+            <p:ph type="title"/>
+          </p:nvPr>
+        </p:nvSpPr>
+        <p:spPr/>
+        <p:txBody>
+          <a:bodyPr/>
+          <a:lstStyle/>
+          <a:p>
+            <a:r>
+              <a:rPr lang="en-GB" dirty="0"/>
+              <a:t>Interpolate sample</a:t>
+            </a:r>
+          </a:p>
+        </p:txBody>
+      </p:sp>
+      <p:sp>
+        <p:nvSpPr>
+          <p:cNvPr id="10" name="TextBox 9">
+            <a:extLst>
+              <a:ext uri="{FF2B5EF4-FFF2-40B4-BE49-F238E27FC236}">
+                <a16:creationId xmlns:a16="http://schemas.microsoft.com/office/drawing/2014/main" id="{D97B1AAE-913C-6F01-8193-03F17736D115}"/>
+              </a:ext>
+            </a:extLst>
+          </p:cNvPr>
+          <p:cNvSpPr txBox="1"/>
+          <p:nvPr/>
+        </p:nvSpPr>
+        <p:spPr>
+          <a:xfrm>
+            <a:off x="190921" y="1748248"/>
+            <a:ext cx="11708231" cy="4678204"/>
+          </a:xfrm>
+          <a:prstGeom prst="rect">
+            <a:avLst/>
+          </a:prstGeom>
+          <a:noFill/>
+          <a:ln w="19050">
+            <a:solidFill>
+              <a:srgbClr val="FF0000"/>
+            </a:solidFill>
+          </a:ln>
+        </p:spPr>
+        <p:txBody>
+          <a:bodyPr wrap="square" rtlCol="0">
+            <a:spAutoFit/>
+          </a:bodyPr>
+          <a:lstStyle/>
+          <a:p>
+            <a:r>
+              <a:rPr lang="en-GB" sz="2000" dirty="0">
+                <a:solidFill>
+                  <a:srgbClr val="0000FF"/>
+                </a:solidFill>
+                <a:latin typeface="Cascadia Mono" panose="020B0609020000020004" pitchFamily="49" charset="0"/>
+              </a:rPr>
+              <a:t>float</a:t>
+            </a:r>
+            <a:r>
+              <a:rPr lang="en-GB" sz="2000" dirty="0">
+                <a:solidFill>
+                  <a:srgbClr val="000000"/>
+                </a:solidFill>
+                <a:latin typeface="Cascadia Mono" panose="020B0609020000020004" pitchFamily="49" charset="0"/>
+              </a:rPr>
+              <a:t> </a:t>
+            </a:r>
+            <a:r>
+              <a:rPr lang="en-GB" sz="2000" dirty="0" err="1">
+                <a:solidFill>
+                  <a:srgbClr val="2B91AF"/>
+                </a:solidFill>
+                <a:latin typeface="Cascadia Mono" panose="020B0609020000020004" pitchFamily="49" charset="0"/>
+              </a:rPr>
+              <a:t>PluginAudioProcessor</a:t>
+            </a:r>
+            <a:r>
+              <a:rPr lang="en-GB" sz="2000" dirty="0">
+                <a:solidFill>
+                  <a:srgbClr val="000000"/>
+                </a:solidFill>
+                <a:latin typeface="Cascadia Mono" panose="020B0609020000020004" pitchFamily="49" charset="0"/>
+              </a:rPr>
+              <a:t>::</a:t>
+            </a:r>
+            <a:r>
+              <a:rPr lang="en-GB" sz="2000" dirty="0" err="1">
+                <a:solidFill>
+                  <a:srgbClr val="000000"/>
+                </a:solidFill>
+                <a:latin typeface="Cascadia Mono" panose="020B0609020000020004" pitchFamily="49" charset="0"/>
+              </a:rPr>
+              <a:t>interpolateSample</a:t>
+            </a:r>
+            <a:r>
+              <a:rPr lang="en-GB" sz="2000" dirty="0">
+                <a:solidFill>
+                  <a:srgbClr val="000000"/>
+                </a:solidFill>
+                <a:latin typeface="Cascadia Mono" panose="020B0609020000020004" pitchFamily="49" charset="0"/>
+              </a:rPr>
+              <a:t>(</a:t>
+            </a:r>
+            <a:r>
+              <a:rPr lang="en-GB" sz="2000" dirty="0">
+                <a:solidFill>
+                  <a:srgbClr val="0000FF"/>
+                </a:solidFill>
+                <a:latin typeface="Cascadia Mono" panose="020B0609020000020004" pitchFamily="49" charset="0"/>
+              </a:rPr>
+              <a:t>int</a:t>
+            </a:r>
+            <a:r>
+              <a:rPr lang="en-GB" sz="2000" dirty="0">
+                <a:solidFill>
+                  <a:srgbClr val="000000"/>
+                </a:solidFill>
+                <a:latin typeface="Cascadia Mono" panose="020B0609020000020004" pitchFamily="49" charset="0"/>
+              </a:rPr>
+              <a:t> </a:t>
+            </a:r>
+            <a:r>
+              <a:rPr lang="en-GB" sz="2000" dirty="0">
+                <a:solidFill>
+                  <a:srgbClr val="808080"/>
+                </a:solidFill>
+                <a:latin typeface="Cascadia Mono" panose="020B0609020000020004" pitchFamily="49" charset="0"/>
+              </a:rPr>
+              <a:t>type</a:t>
+            </a:r>
+            <a:r>
+              <a:rPr lang="en-GB" sz="2000" dirty="0">
+                <a:solidFill>
+                  <a:srgbClr val="000000"/>
+                </a:solidFill>
+                <a:latin typeface="Cascadia Mono" panose="020B0609020000020004" pitchFamily="49" charset="0"/>
+              </a:rPr>
+              <a:t>, </a:t>
+            </a:r>
+          </a:p>
+          <a:p>
+            <a:r>
+              <a:rPr lang="en-GB" sz="2000" dirty="0">
+                <a:solidFill>
+                  <a:srgbClr val="000000"/>
+                </a:solidFill>
+                <a:latin typeface="Cascadia Mono" panose="020B0609020000020004" pitchFamily="49" charset="0"/>
+              </a:rPr>
+              <a:t>       </a:t>
+            </a:r>
+            <a:r>
+              <a:rPr lang="en-GB" sz="2000" dirty="0">
+                <a:solidFill>
+                  <a:srgbClr val="0000FF"/>
+                </a:solidFill>
+                <a:latin typeface="Cascadia Mono" panose="020B0609020000020004" pitchFamily="49" charset="0"/>
+              </a:rPr>
+              <a:t>float</a:t>
+            </a:r>
+            <a:r>
+              <a:rPr lang="en-GB" sz="2000" dirty="0">
+                <a:solidFill>
+                  <a:srgbClr val="000000"/>
+                </a:solidFill>
+                <a:latin typeface="Cascadia Mono" panose="020B0609020000020004" pitchFamily="49" charset="0"/>
+              </a:rPr>
+              <a:t> </a:t>
+            </a:r>
+            <a:r>
+              <a:rPr lang="en-GB" sz="2000" dirty="0" err="1">
+                <a:solidFill>
+                  <a:srgbClr val="808080"/>
+                </a:solidFill>
+                <a:latin typeface="Cascadia Mono" panose="020B0609020000020004" pitchFamily="49" charset="0"/>
+              </a:rPr>
+              <a:t>delayReadPosition</a:t>
+            </a:r>
+            <a:r>
+              <a:rPr lang="en-GB" sz="2000" dirty="0">
+                <a:solidFill>
+                  <a:srgbClr val="000000"/>
+                </a:solidFill>
+                <a:latin typeface="Cascadia Mono" panose="020B0609020000020004" pitchFamily="49" charset="0"/>
+              </a:rPr>
+              <a:t>, </a:t>
+            </a:r>
+            <a:r>
+              <a:rPr lang="en-GB" sz="2000" dirty="0">
+                <a:solidFill>
+                  <a:srgbClr val="0000FF"/>
+                </a:solidFill>
+                <a:latin typeface="Cascadia Mono" panose="020B0609020000020004" pitchFamily="49" charset="0"/>
+              </a:rPr>
+              <a:t>float</a:t>
+            </a:r>
+            <a:r>
+              <a:rPr lang="en-GB" sz="2000" dirty="0">
+                <a:solidFill>
+                  <a:srgbClr val="000000"/>
+                </a:solidFill>
+                <a:latin typeface="Cascadia Mono" panose="020B0609020000020004" pitchFamily="49" charset="0"/>
+              </a:rPr>
+              <a:t>* </a:t>
+            </a:r>
+            <a:r>
+              <a:rPr lang="en-GB" sz="2000" dirty="0" err="1">
+                <a:solidFill>
+                  <a:srgbClr val="808080"/>
+                </a:solidFill>
+                <a:latin typeface="Cascadia Mono" panose="020B0609020000020004" pitchFamily="49" charset="0"/>
+              </a:rPr>
+              <a:t>delayData</a:t>
+            </a:r>
+            <a:r>
+              <a:rPr lang="en-GB" sz="2000" dirty="0">
+                <a:solidFill>
+                  <a:srgbClr val="000000"/>
+                </a:solidFill>
+                <a:latin typeface="Cascadia Mono" panose="020B0609020000020004" pitchFamily="49" charset="0"/>
+              </a:rPr>
+              <a:t>, </a:t>
+            </a:r>
+            <a:r>
+              <a:rPr lang="en-GB" sz="2000" dirty="0">
+                <a:solidFill>
+                  <a:srgbClr val="0000FF"/>
+                </a:solidFill>
+                <a:latin typeface="Cascadia Mono" panose="020B0609020000020004" pitchFamily="49" charset="0"/>
+              </a:rPr>
+              <a:t>int</a:t>
+            </a:r>
+            <a:r>
+              <a:rPr lang="en-GB" sz="2000" dirty="0">
+                <a:solidFill>
+                  <a:srgbClr val="000000"/>
+                </a:solidFill>
+                <a:latin typeface="Cascadia Mono" panose="020B0609020000020004" pitchFamily="49" charset="0"/>
+              </a:rPr>
+              <a:t> </a:t>
+            </a:r>
+            <a:r>
+              <a:rPr lang="en-GB" sz="2000" dirty="0" err="1">
+                <a:solidFill>
+                  <a:srgbClr val="808080"/>
+                </a:solidFill>
+                <a:latin typeface="Cascadia Mono" panose="020B0609020000020004" pitchFamily="49" charset="0"/>
+              </a:rPr>
+              <a:t>delayBufferLength</a:t>
+            </a:r>
+            <a:r>
+              <a:rPr lang="en-GB" sz="2000" dirty="0">
+                <a:solidFill>
+                  <a:srgbClr val="000000"/>
+                </a:solidFill>
+                <a:latin typeface="Cascadia Mono" panose="020B0609020000020004" pitchFamily="49" charset="0"/>
+              </a:rPr>
+              <a:t>) {</a:t>
+            </a:r>
+          </a:p>
+          <a:p>
+            <a:r>
+              <a:rPr lang="en-GB" sz="2000" dirty="0">
+                <a:solidFill>
+                  <a:srgbClr val="000000"/>
+                </a:solidFill>
+                <a:latin typeface="Cascadia Mono" panose="020B0609020000020004" pitchFamily="49" charset="0"/>
+              </a:rPr>
+              <a:t>  </a:t>
+            </a:r>
+            <a:r>
+              <a:rPr lang="en-GB" sz="2000" dirty="0">
+                <a:solidFill>
+                  <a:srgbClr val="0000FF"/>
+                </a:solidFill>
+                <a:latin typeface="Cascadia Mono" panose="020B0609020000020004" pitchFamily="49" charset="0"/>
+              </a:rPr>
+              <a:t>switch</a:t>
+            </a:r>
+            <a:r>
+              <a:rPr lang="en-GB" sz="2000" dirty="0">
+                <a:solidFill>
+                  <a:srgbClr val="000000"/>
+                </a:solidFill>
+                <a:latin typeface="Cascadia Mono" panose="020B0609020000020004" pitchFamily="49" charset="0"/>
+              </a:rPr>
+              <a:t> (</a:t>
+            </a:r>
+            <a:r>
+              <a:rPr lang="en-GB" sz="2000" dirty="0">
+                <a:solidFill>
+                  <a:srgbClr val="808080"/>
+                </a:solidFill>
+                <a:latin typeface="Cascadia Mono" panose="020B0609020000020004" pitchFamily="49" charset="0"/>
+              </a:rPr>
+              <a:t>type</a:t>
+            </a:r>
+            <a:r>
+              <a:rPr lang="en-GB" sz="2000" dirty="0">
+                <a:solidFill>
+                  <a:srgbClr val="000000"/>
+                </a:solidFill>
+                <a:latin typeface="Cascadia Mono" panose="020B0609020000020004" pitchFamily="49" charset="0"/>
+              </a:rPr>
+              <a:t>) {</a:t>
+            </a:r>
+          </a:p>
+          <a:p>
+            <a:r>
+              <a:rPr lang="en-GB" sz="2000" dirty="0">
+                <a:solidFill>
+                  <a:srgbClr val="0000FF"/>
+                </a:solidFill>
+                <a:latin typeface="Cascadia Mono" panose="020B0609020000020004" pitchFamily="49" charset="0"/>
+              </a:rPr>
+              <a:t>    …</a:t>
+            </a:r>
+          </a:p>
+          <a:p>
+            <a:r>
+              <a:rPr lang="en-GB" sz="2000" dirty="0">
+                <a:solidFill>
+                  <a:srgbClr val="0000FF"/>
+                </a:solidFill>
+                <a:latin typeface="Cascadia Mono" panose="020B0609020000020004" pitchFamily="49" charset="0"/>
+              </a:rPr>
+              <a:t>    case</a:t>
+            </a:r>
+            <a:r>
+              <a:rPr lang="en-GB" sz="2000" dirty="0">
+                <a:solidFill>
+                  <a:srgbClr val="000000"/>
+                </a:solidFill>
+                <a:latin typeface="Cascadia Mono" panose="020B0609020000020004" pitchFamily="49" charset="0"/>
+              </a:rPr>
+              <a:t> 2: { </a:t>
+            </a:r>
+            <a:r>
+              <a:rPr lang="en-GB" sz="2000" dirty="0">
+                <a:solidFill>
+                  <a:srgbClr val="008000"/>
+                </a:solidFill>
+                <a:latin typeface="Cascadia Mono" panose="020B0609020000020004" pitchFamily="49" charset="0"/>
+              </a:rPr>
+              <a:t>//quadratic</a:t>
+            </a:r>
+          </a:p>
+          <a:p>
+            <a:r>
+              <a:rPr lang="en-GB" sz="2000" dirty="0">
+                <a:solidFill>
+                  <a:srgbClr val="000000"/>
+                </a:solidFill>
+                <a:latin typeface="Cascadia Mono" panose="020B0609020000020004" pitchFamily="49" charset="0"/>
+              </a:rPr>
+              <a:t>      </a:t>
+            </a:r>
+            <a:r>
+              <a:rPr lang="en-GB" sz="2000" dirty="0">
+                <a:solidFill>
+                  <a:srgbClr val="0000FF"/>
+                </a:solidFill>
+                <a:latin typeface="Cascadia Mono" panose="020B0609020000020004" pitchFamily="49" charset="0"/>
+              </a:rPr>
+              <a:t>int</a:t>
+            </a:r>
+            <a:r>
+              <a:rPr lang="en-GB" sz="2000" dirty="0">
+                <a:solidFill>
+                  <a:srgbClr val="000000"/>
+                </a:solidFill>
+                <a:latin typeface="Cascadia Mono" panose="020B0609020000020004" pitchFamily="49" charset="0"/>
+              </a:rPr>
+              <a:t> sample1 = (</a:t>
+            </a:r>
+            <a:r>
+              <a:rPr lang="en-GB" sz="2000" dirty="0">
+                <a:solidFill>
+                  <a:srgbClr val="0000FF"/>
+                </a:solidFill>
+                <a:latin typeface="Cascadia Mono" panose="020B0609020000020004" pitchFamily="49" charset="0"/>
+              </a:rPr>
+              <a:t>int</a:t>
+            </a:r>
+            <a:r>
+              <a:rPr lang="en-GB" sz="2000" dirty="0">
+                <a:solidFill>
+                  <a:srgbClr val="000000"/>
+                </a:solidFill>
+                <a:latin typeface="Cascadia Mono" panose="020B0609020000020004" pitchFamily="49" charset="0"/>
+              </a:rPr>
+              <a:t>)</a:t>
+            </a:r>
+            <a:r>
+              <a:rPr lang="en-GB" sz="2000" dirty="0" err="1">
+                <a:solidFill>
+                  <a:srgbClr val="000000"/>
+                </a:solidFill>
+                <a:latin typeface="Cascadia Mono" panose="020B0609020000020004" pitchFamily="49" charset="0"/>
+              </a:rPr>
+              <a:t>floorf</a:t>
+            </a:r>
+            <a:r>
+              <a:rPr lang="en-GB" sz="2000" dirty="0">
+                <a:solidFill>
+                  <a:srgbClr val="000000"/>
+                </a:solidFill>
+                <a:latin typeface="Cascadia Mono" panose="020B0609020000020004" pitchFamily="49" charset="0"/>
+              </a:rPr>
+              <a:t>(</a:t>
+            </a:r>
+            <a:r>
+              <a:rPr lang="en-GB" sz="2000" dirty="0" err="1">
+                <a:solidFill>
+                  <a:srgbClr val="808080"/>
+                </a:solidFill>
+                <a:latin typeface="Cascadia Mono" panose="020B0609020000020004" pitchFamily="49" charset="0"/>
+              </a:rPr>
+              <a:t>delayReadPosition</a:t>
+            </a:r>
+            <a:r>
+              <a:rPr lang="en-GB" sz="2000" dirty="0">
+                <a:solidFill>
+                  <a:srgbClr val="000000"/>
+                </a:solidFill>
+                <a:latin typeface="Cascadia Mono" panose="020B0609020000020004" pitchFamily="49" charset="0"/>
+              </a:rPr>
+              <a:t> + 0.5) % </a:t>
+            </a:r>
+            <a:r>
+              <a:rPr lang="en-GB" sz="2000" dirty="0" err="1">
+                <a:solidFill>
+                  <a:srgbClr val="808080"/>
+                </a:solidFill>
+                <a:latin typeface="Cascadia Mono" panose="020B0609020000020004" pitchFamily="49" charset="0"/>
+              </a:rPr>
+              <a:t>delayBufferLength</a:t>
+            </a:r>
+            <a:r>
+              <a:rPr lang="en-GB" sz="2000" dirty="0">
+                <a:solidFill>
+                  <a:srgbClr val="000000"/>
+                </a:solidFill>
+                <a:latin typeface="Cascadia Mono" panose="020B0609020000020004" pitchFamily="49" charset="0"/>
+              </a:rPr>
+              <a:t>;</a:t>
+            </a:r>
+          </a:p>
+          <a:p>
+            <a:r>
+              <a:rPr lang="en-GB" sz="2000" dirty="0">
+                <a:solidFill>
+                  <a:srgbClr val="000000"/>
+                </a:solidFill>
+                <a:latin typeface="Cascadia Mono" panose="020B0609020000020004" pitchFamily="49" charset="0"/>
+              </a:rPr>
+              <a:t>      </a:t>
+            </a:r>
+            <a:r>
+              <a:rPr lang="en-GB" sz="2000" dirty="0">
+                <a:solidFill>
+                  <a:srgbClr val="0000FF"/>
+                </a:solidFill>
+                <a:latin typeface="Cascadia Mono" panose="020B0609020000020004" pitchFamily="49" charset="0"/>
+              </a:rPr>
+              <a:t>int</a:t>
+            </a:r>
+            <a:r>
+              <a:rPr lang="en-GB" sz="2000" dirty="0">
+                <a:solidFill>
+                  <a:srgbClr val="000000"/>
+                </a:solidFill>
+                <a:latin typeface="Cascadia Mono" panose="020B0609020000020004" pitchFamily="49" charset="0"/>
+              </a:rPr>
+              <a:t> sample2 = (sample1 + 1) % </a:t>
+            </a:r>
+            <a:r>
+              <a:rPr lang="en-GB" sz="2000" dirty="0" err="1">
+                <a:solidFill>
+                  <a:srgbClr val="808080"/>
+                </a:solidFill>
+                <a:latin typeface="Cascadia Mono" panose="020B0609020000020004" pitchFamily="49" charset="0"/>
+              </a:rPr>
+              <a:t>delayBufferLength</a:t>
+            </a:r>
+            <a:r>
+              <a:rPr lang="en-GB" sz="2000" dirty="0">
+                <a:solidFill>
+                  <a:srgbClr val="000000"/>
+                </a:solidFill>
+                <a:latin typeface="Cascadia Mono" panose="020B0609020000020004" pitchFamily="49" charset="0"/>
+              </a:rPr>
+              <a:t>;</a:t>
+            </a:r>
+          </a:p>
+          <a:p>
+            <a:r>
+              <a:rPr lang="en-GB" sz="2000" dirty="0">
+                <a:solidFill>
+                  <a:srgbClr val="000000"/>
+                </a:solidFill>
+                <a:latin typeface="Cascadia Mono" panose="020B0609020000020004" pitchFamily="49" charset="0"/>
+              </a:rPr>
+              <a:t>      </a:t>
+            </a:r>
+            <a:r>
+              <a:rPr lang="en-GB" sz="2000" dirty="0">
+                <a:solidFill>
+                  <a:srgbClr val="0000FF"/>
+                </a:solidFill>
+                <a:latin typeface="Cascadia Mono" panose="020B0609020000020004" pitchFamily="49" charset="0"/>
+              </a:rPr>
+              <a:t>int</a:t>
+            </a:r>
+            <a:r>
+              <a:rPr lang="en-GB" sz="2000" dirty="0">
+                <a:solidFill>
+                  <a:srgbClr val="000000"/>
+                </a:solidFill>
+                <a:latin typeface="Cascadia Mono" panose="020B0609020000020004" pitchFamily="49" charset="0"/>
+              </a:rPr>
+              <a:t> sample0 = (sample1 - 1) % </a:t>
+            </a:r>
+            <a:r>
+              <a:rPr lang="en-GB" sz="2000" dirty="0" err="1">
+                <a:solidFill>
+                  <a:srgbClr val="808080"/>
+                </a:solidFill>
+                <a:latin typeface="Cascadia Mono" panose="020B0609020000020004" pitchFamily="49" charset="0"/>
+              </a:rPr>
+              <a:t>delayBufferLength</a:t>
+            </a:r>
+            <a:r>
+              <a:rPr lang="en-GB" sz="2000" dirty="0">
+                <a:solidFill>
+                  <a:srgbClr val="000000"/>
+                </a:solidFill>
+                <a:latin typeface="Cascadia Mono" panose="020B0609020000020004" pitchFamily="49" charset="0"/>
+              </a:rPr>
+              <a:t>;</a:t>
+            </a:r>
+          </a:p>
+          <a:p>
+            <a:r>
+              <a:rPr lang="en-GB" sz="2000" dirty="0">
+                <a:solidFill>
+                  <a:srgbClr val="000000"/>
+                </a:solidFill>
+                <a:latin typeface="Cascadia Mono" panose="020B0609020000020004" pitchFamily="49" charset="0"/>
+              </a:rPr>
+              <a:t>      </a:t>
+            </a:r>
+            <a:r>
+              <a:rPr lang="en-GB" sz="2000" dirty="0">
+                <a:solidFill>
+                  <a:srgbClr val="0000FF"/>
+                </a:solidFill>
+                <a:latin typeface="Cascadia Mono" panose="020B0609020000020004" pitchFamily="49" charset="0"/>
+              </a:rPr>
+              <a:t>float</a:t>
+            </a:r>
+            <a:r>
+              <a:rPr lang="en-GB" sz="2000" dirty="0">
+                <a:solidFill>
+                  <a:srgbClr val="000000"/>
+                </a:solidFill>
+                <a:latin typeface="Cascadia Mono" panose="020B0609020000020004" pitchFamily="49" charset="0"/>
+              </a:rPr>
+              <a:t> fraction = </a:t>
+            </a:r>
+            <a:r>
+              <a:rPr lang="en-GB" sz="2000" dirty="0" err="1">
+                <a:solidFill>
+                  <a:srgbClr val="808080"/>
+                </a:solidFill>
+                <a:latin typeface="Cascadia Mono" panose="020B0609020000020004" pitchFamily="49" charset="0"/>
+              </a:rPr>
+              <a:t>delayReadPosition</a:t>
+            </a:r>
+            <a:r>
+              <a:rPr lang="en-GB" sz="2000" dirty="0">
+                <a:solidFill>
+                  <a:srgbClr val="000000"/>
+                </a:solidFill>
+                <a:latin typeface="Cascadia Mono" panose="020B0609020000020004" pitchFamily="49" charset="0"/>
+              </a:rPr>
+              <a:t> - sample1;</a:t>
+            </a:r>
+          </a:p>
+          <a:p>
+            <a:r>
+              <a:rPr lang="en-GB" sz="2000" dirty="0">
+                <a:solidFill>
+                  <a:srgbClr val="000000"/>
+                </a:solidFill>
+                <a:latin typeface="Cascadia Mono" panose="020B0609020000020004" pitchFamily="49" charset="0"/>
+              </a:rPr>
+              <a:t>      </a:t>
+            </a:r>
+            <a:r>
+              <a:rPr lang="en-GB" sz="2000" dirty="0">
+                <a:solidFill>
+                  <a:srgbClr val="0000FF"/>
+                </a:solidFill>
+                <a:latin typeface="Cascadia Mono" panose="020B0609020000020004" pitchFamily="49" charset="0"/>
+              </a:rPr>
+              <a:t>return</a:t>
+            </a:r>
+            <a:r>
+              <a:rPr lang="en-GB" sz="2000" dirty="0">
+                <a:solidFill>
+                  <a:srgbClr val="000000"/>
+                </a:solidFill>
+                <a:latin typeface="Cascadia Mono" panose="020B0609020000020004" pitchFamily="49" charset="0"/>
+              </a:rPr>
+              <a:t> (fraction * (fraction - 1) * </a:t>
+            </a:r>
+            <a:r>
+              <a:rPr lang="en-GB" sz="2000" dirty="0" err="1">
+                <a:solidFill>
+                  <a:srgbClr val="808080"/>
+                </a:solidFill>
+                <a:latin typeface="Cascadia Mono" panose="020B0609020000020004" pitchFamily="49" charset="0"/>
+              </a:rPr>
+              <a:t>delayData</a:t>
+            </a:r>
+            <a:r>
+              <a:rPr lang="en-GB" sz="2000" dirty="0">
+                <a:solidFill>
+                  <a:srgbClr val="000000"/>
+                </a:solidFill>
+                <a:latin typeface="Cascadia Mono" panose="020B0609020000020004" pitchFamily="49" charset="0"/>
+              </a:rPr>
+              <a:t>[sample0]</a:t>
+            </a:r>
+          </a:p>
+          <a:p>
+            <a:r>
+              <a:rPr lang="en-GB" sz="2000" dirty="0">
+                <a:solidFill>
+                  <a:srgbClr val="000000"/>
+                </a:solidFill>
+                <a:latin typeface="Cascadia Mono" panose="020B0609020000020004" pitchFamily="49" charset="0"/>
+              </a:rPr>
+              <a:t>           - 2 * (fraction - 1) * (fraction + 1) * </a:t>
+            </a:r>
+            <a:r>
+              <a:rPr lang="en-GB" sz="2000" dirty="0" err="1">
+                <a:solidFill>
+                  <a:srgbClr val="808080"/>
+                </a:solidFill>
+                <a:latin typeface="Cascadia Mono" panose="020B0609020000020004" pitchFamily="49" charset="0"/>
+              </a:rPr>
+              <a:t>delayData</a:t>
+            </a:r>
+            <a:r>
+              <a:rPr lang="en-GB" sz="2000" dirty="0">
+                <a:solidFill>
+                  <a:srgbClr val="000000"/>
+                </a:solidFill>
+                <a:latin typeface="Cascadia Mono" panose="020B0609020000020004" pitchFamily="49" charset="0"/>
+              </a:rPr>
+              <a:t>[sample1]</a:t>
+            </a:r>
+          </a:p>
+          <a:p>
+            <a:r>
+              <a:rPr lang="en-GB" sz="2000" dirty="0">
+                <a:solidFill>
+                  <a:srgbClr val="000000"/>
+                </a:solidFill>
+                <a:latin typeface="Cascadia Mono" panose="020B0609020000020004" pitchFamily="49" charset="0"/>
+              </a:rPr>
+              <a:t>           + fraction * (fraction + 1) * </a:t>
+            </a:r>
+            <a:r>
+              <a:rPr lang="en-GB" sz="2000" dirty="0" err="1">
+                <a:solidFill>
+                  <a:srgbClr val="808080"/>
+                </a:solidFill>
+                <a:latin typeface="Cascadia Mono" panose="020B0609020000020004" pitchFamily="49" charset="0"/>
+              </a:rPr>
+              <a:t>delayData</a:t>
+            </a:r>
+            <a:r>
+              <a:rPr lang="en-GB" sz="2000" dirty="0">
+                <a:solidFill>
+                  <a:srgbClr val="000000"/>
+                </a:solidFill>
+                <a:latin typeface="Cascadia Mono" panose="020B0609020000020004" pitchFamily="49" charset="0"/>
+              </a:rPr>
+              <a:t>[sample2]) / 2.0f;</a:t>
+            </a:r>
+          </a:p>
+          <a:p>
+            <a:r>
+              <a:rPr lang="en-GB" sz="2000" dirty="0">
+                <a:solidFill>
+                  <a:srgbClr val="000000"/>
+                </a:solidFill>
+                <a:latin typeface="Cascadia Mono" panose="020B0609020000020004" pitchFamily="49" charset="0"/>
+              </a:rPr>
+              <a:t>    }</a:t>
+            </a:r>
+          </a:p>
+          <a:p>
+            <a:r>
+              <a:rPr lang="en-GB" sz="2000" dirty="0">
+                <a:solidFill>
+                  <a:srgbClr val="000000"/>
+                </a:solidFill>
+                <a:latin typeface="Cascadia Mono" panose="020B0609020000020004" pitchFamily="49" charset="0"/>
+              </a:rPr>
+              <a:t>  }</a:t>
+            </a:r>
+          </a:p>
+          <a:p>
+            <a:r>
+              <a:rPr lang="en-GB" sz="2000" dirty="0">
+                <a:solidFill>
+                  <a:srgbClr val="000000"/>
+                </a:solidFill>
+                <a:latin typeface="Cascadia Mono" panose="020B0609020000020004" pitchFamily="49" charset="0"/>
+              </a:rPr>
+              <a:t>}</a:t>
+            </a:r>
+            <a:endParaRPr lang="en-GB" sz="2800" dirty="0">
+              <a:solidFill>
+                <a:srgbClr val="000000"/>
+              </a:solidFill>
+              <a:latin typeface="Cascadia Mono" panose="020B0609020000020004" pitchFamily="49" charset="0"/>
+            </a:endParaRPr>
+          </a:p>
+        </p:txBody>
+      </p:sp>
+      <p:cxnSp>
+        <p:nvCxnSpPr>
+          <p:cNvPr id="14" name="Straight Arrow Connector 13">
+            <a:extLst>
+              <a:ext uri="{FF2B5EF4-FFF2-40B4-BE49-F238E27FC236}">
+                <a16:creationId xmlns:a16="http://schemas.microsoft.com/office/drawing/2014/main" id="{FCC83061-C463-0CEC-AA4B-05FDEB66BBB7}"/>
+              </a:ext>
+            </a:extLst>
+          </p:cNvPr>
+          <p:cNvCxnSpPr>
+            <a:cxnSpLocks/>
+            <a:endCxn id="15" idx="1"/>
+          </p:cNvCxnSpPr>
+          <p:nvPr/>
+        </p:nvCxnSpPr>
+        <p:spPr>
+          <a:xfrm flipV="1">
+            <a:off x="4326966" y="2295381"/>
+            <a:ext cx="4159622" cy="969496"/>
+          </a:xfrm>
+          <a:prstGeom prst="straightConnector1">
+            <a:avLst/>
+          </a:prstGeom>
+          <a:ln w="25400">
+            <a:headEnd type="arrow" w="lg" len="lg"/>
+            <a:tailEnd type="none"/>
+          </a:ln>
+        </p:spPr>
+        <p:style>
+          <a:lnRef idx="1">
+            <a:schemeClr val="accent1"/>
+          </a:lnRef>
+          <a:fillRef idx="0">
+            <a:schemeClr val="accent1"/>
+          </a:fillRef>
+          <a:effectRef idx="0">
+            <a:schemeClr val="accent1"/>
+          </a:effectRef>
+          <a:fontRef idx="minor">
+            <a:schemeClr val="tx1"/>
+          </a:fontRef>
+        </p:style>
+      </p:cxnSp>
+      <p:sp>
+        <p:nvSpPr>
+          <p:cNvPr id="15" name="TextBox 14">
+            <a:extLst>
+              <a:ext uri="{FF2B5EF4-FFF2-40B4-BE49-F238E27FC236}">
+                <a16:creationId xmlns:a16="http://schemas.microsoft.com/office/drawing/2014/main" id="{4831D541-01FF-060A-52C7-DD916370C7FB}"/>
+              </a:ext>
+            </a:extLst>
+          </p:cNvPr>
+          <p:cNvSpPr txBox="1"/>
+          <p:nvPr/>
+        </p:nvSpPr>
+        <p:spPr>
+          <a:xfrm>
+            <a:off x="8486588" y="1633661"/>
+            <a:ext cx="2674471" cy="1323439"/>
+          </a:xfrm>
+          <a:prstGeom prst="rect">
+            <a:avLst/>
+          </a:prstGeom>
+          <a:solidFill>
+            <a:schemeClr val="bg1"/>
+          </a:solidFill>
+          <a:ln w="25400">
+            <a:solidFill>
+              <a:schemeClr val="accent1"/>
+            </a:solidFill>
+          </a:ln>
+        </p:spPr>
+        <p:txBody>
+          <a:bodyPr wrap="square" rtlCol="0">
+            <a:spAutoFit/>
+          </a:bodyPr>
+          <a:lstStyle/>
+          <a:p>
+            <a:r>
+              <a:rPr lang="en-GB" sz="2000" dirty="0"/>
+              <a:t>adjust sample weights with fraction by which read pointer between 3 samples</a:t>
+            </a:r>
+          </a:p>
+        </p:txBody>
+      </p:sp>
+    </p:spTree>
+    <p:extLst>
+      <p:ext uri="{BB962C8B-B14F-4D97-AF65-F5344CB8AC3E}">
+        <p14:creationId xmlns:p14="http://schemas.microsoft.com/office/powerpoint/2010/main" val="705262965"/>
+      </p:ext>
+    </p:extLst>
+  </p:cSld>
+  <p:clrMapOvr>
+    <a:masterClrMapping/>
+  </p:clrMapOvr>
+  <p:transition/>
+  <p:timing>
+    <p:tnLst>
+      <p:par>
+        <p:cTn id="1" dur="indefinite" restart="never" nodeType="tmRoot">
+          <p:childTnLst>
+            <p:seq concurrent="1" nextAc="seek">
+              <p:cTn id="2" dur="indefinite" nodeType="mainSeq">
+                <p:childTnLst>
+                  <p:par>
+                    <p:cTn id="3" fill="hold">
+                      <p:stCondLst>
+                        <p:cond delay="indefinite"/>
+                      </p:stCondLst>
+                      <p:childTnLst>
+                        <p:par>
+                          <p:cTn id="4" fill="hold">
+                            <p:stCondLst>
+                              <p:cond delay="0"/>
+                            </p:stCondLst>
+                            <p:childTnLst>
+                              <p:par>
+                                <p:cTn id="5" presetID="1" presetClass="entr" presetSubtype="0" fill="hold" nodeType="clickEffect">
+                                  <p:stCondLst>
+                                    <p:cond delay="0"/>
+                                  </p:stCondLst>
+                                  <p:childTnLst>
+                                    <p:set>
+                                      <p:cBhvr>
+                                        <p:cTn id="6" dur="1" fill="hold">
+                                          <p:stCondLst>
+                                            <p:cond delay="0"/>
+                                          </p:stCondLst>
+                                        </p:cTn>
+                                        <p:tgtEl>
+                                          <p:spTgt spid="14"/>
+                                        </p:tgtEl>
+                                        <p:attrNameLst>
+                                          <p:attrName>style.visibility</p:attrName>
+                                        </p:attrNameLst>
+                                      </p:cBhvr>
+                                      <p:to>
+                                        <p:strVal val="visible"/>
+                                      </p:to>
+                                    </p:set>
+                                  </p:childTnLst>
+                                </p:cTn>
+                              </p:par>
+                              <p:par>
+                                <p:cTn id="7" presetID="1" presetClass="entr" presetSubtype="0" fill="hold" grpId="0" nodeType="withEffect">
+                                  <p:stCondLst>
+                                    <p:cond delay="0"/>
+                                  </p:stCondLst>
+                                  <p:childTnLst>
+                                    <p:set>
+                                      <p:cBhvr>
+                                        <p:cTn id="8" dur="1" fill="hold">
+                                          <p:stCondLst>
+                                            <p:cond delay="0"/>
+                                          </p:stCondLst>
+                                        </p:cTn>
+                                        <p:tgtEl>
+                                          <p:spTgt spid="15"/>
+                                        </p:tgtEl>
+                                        <p:attrNameLst>
+                                          <p:attrName>style.visibility</p:attrName>
+                                        </p:attrNameLst>
+                                      </p:cBhvr>
+                                      <p:to>
+                                        <p:strVal val="visible"/>
+                                      </p:to>
+                                    </p:set>
+                                  </p:childTnLst>
+                                </p:cTn>
+                              </p:par>
+                            </p:childTnLst>
+                          </p:cTn>
+                        </p:par>
+                      </p:childTnLst>
+                    </p:cTn>
+                  </p:par>
+                  <p:par>
+                    <p:cTn id="9" fill="hold">
+                      <p:stCondLst>
+                        <p:cond delay="indefinite"/>
+                      </p:stCondLst>
+                      <p:childTnLst>
+                        <p:par>
+                          <p:cTn id="10" fill="hold">
+                            <p:stCondLst>
+                              <p:cond delay="0"/>
+                            </p:stCondLst>
+                            <p:childTnLst>
+                              <p:par>
+                                <p:cTn id="11" presetID="2" presetClass="exit" presetSubtype="4" fill="hold" nodeType="clickEffect">
+                                  <p:stCondLst>
+                                    <p:cond delay="0"/>
+                                  </p:stCondLst>
+                                  <p:childTnLst>
+                                    <p:anim calcmode="lin" valueType="num">
+                                      <p:cBhvr additive="base">
+                                        <p:cTn id="12" dur="500"/>
+                                        <p:tgtEl>
+                                          <p:spTgt spid="14"/>
+                                        </p:tgtEl>
+                                        <p:attrNameLst>
+                                          <p:attrName>ppt_x</p:attrName>
+                                        </p:attrNameLst>
+                                      </p:cBhvr>
+                                      <p:tavLst>
+                                        <p:tav tm="0">
+                                          <p:val>
+                                            <p:strVal val="ppt_x"/>
+                                          </p:val>
+                                        </p:tav>
+                                        <p:tav tm="100000">
+                                          <p:val>
+                                            <p:strVal val="ppt_x"/>
+                                          </p:val>
+                                        </p:tav>
+                                      </p:tavLst>
+                                    </p:anim>
+                                    <p:anim calcmode="lin" valueType="num">
+                                      <p:cBhvr additive="base">
+                                        <p:cTn id="13" dur="500"/>
+                                        <p:tgtEl>
+                                          <p:spTgt spid="14"/>
+                                        </p:tgtEl>
+                                        <p:attrNameLst>
+                                          <p:attrName>ppt_y</p:attrName>
+                                        </p:attrNameLst>
+                                      </p:cBhvr>
+                                      <p:tavLst>
+                                        <p:tav tm="0">
+                                          <p:val>
+                                            <p:strVal val="ppt_y"/>
+                                          </p:val>
+                                        </p:tav>
+                                        <p:tav tm="100000">
+                                          <p:val>
+                                            <p:strVal val="1+ppt_h/2"/>
+                                          </p:val>
+                                        </p:tav>
+                                      </p:tavLst>
+                                    </p:anim>
+                                    <p:set>
+                                      <p:cBhvr>
+                                        <p:cTn id="14" dur="1" fill="hold">
+                                          <p:stCondLst>
+                                            <p:cond delay="499"/>
+                                          </p:stCondLst>
+                                        </p:cTn>
+                                        <p:tgtEl>
+                                          <p:spTgt spid="14"/>
+                                        </p:tgtEl>
+                                        <p:attrNameLst>
+                                          <p:attrName>style.visibility</p:attrName>
+                                        </p:attrNameLst>
+                                      </p:cBhvr>
+                                      <p:to>
+                                        <p:strVal val="hidden"/>
+                                      </p:to>
+                                    </p:set>
+                                  </p:childTnLst>
+                                </p:cTn>
+                              </p:par>
+                              <p:par>
+                                <p:cTn id="15" presetID="2" presetClass="exit" presetSubtype="4" fill="hold" grpId="1" nodeType="withEffect">
+                                  <p:stCondLst>
+                                    <p:cond delay="0"/>
+                                  </p:stCondLst>
+                                  <p:childTnLst>
+                                    <p:anim calcmode="lin" valueType="num">
+                                      <p:cBhvr additive="base">
+                                        <p:cTn id="16" dur="500"/>
+                                        <p:tgtEl>
+                                          <p:spTgt spid="15"/>
+                                        </p:tgtEl>
+                                        <p:attrNameLst>
+                                          <p:attrName>ppt_x</p:attrName>
+                                        </p:attrNameLst>
+                                      </p:cBhvr>
+                                      <p:tavLst>
+                                        <p:tav tm="0">
+                                          <p:val>
+                                            <p:strVal val="ppt_x"/>
+                                          </p:val>
+                                        </p:tav>
+                                        <p:tav tm="100000">
+                                          <p:val>
+                                            <p:strVal val="ppt_x"/>
+                                          </p:val>
+                                        </p:tav>
+                                      </p:tavLst>
+                                    </p:anim>
+                                    <p:anim calcmode="lin" valueType="num">
+                                      <p:cBhvr additive="base">
+                                        <p:cTn id="17" dur="500"/>
+                                        <p:tgtEl>
+                                          <p:spTgt spid="15"/>
+                                        </p:tgtEl>
+                                        <p:attrNameLst>
+                                          <p:attrName>ppt_y</p:attrName>
+                                        </p:attrNameLst>
+                                      </p:cBhvr>
+                                      <p:tavLst>
+                                        <p:tav tm="0">
+                                          <p:val>
+                                            <p:strVal val="ppt_y"/>
+                                          </p:val>
+                                        </p:tav>
+                                        <p:tav tm="100000">
+                                          <p:val>
+                                            <p:strVal val="1+ppt_h/2"/>
+                                          </p:val>
+                                        </p:tav>
+                                      </p:tavLst>
+                                    </p:anim>
+                                    <p:set>
+                                      <p:cBhvr>
+                                        <p:cTn id="18" dur="1" fill="hold">
+                                          <p:stCondLst>
+                                            <p:cond delay="499"/>
+                                          </p:stCondLst>
+                                        </p:cTn>
+                                        <p:tgtEl>
+                                          <p:spTgt spid="15"/>
+                                        </p:tgtEl>
+                                        <p:attrNameLst>
+                                          <p:attrName>style.visibility</p:attrName>
+                                        </p:attrNameLst>
+                                      </p:cBhvr>
+                                      <p:to>
+                                        <p:strVal val="hidden"/>
+                                      </p:to>
+                                    </p:set>
+                                  </p:childTnLst>
+                                </p:cTn>
+                              </p:par>
+                            </p:childTnLst>
+                          </p:cTn>
+                        </p:par>
+                      </p:childTnLst>
+                    </p:cTn>
+                  </p:par>
+                </p:childTnLst>
+              </p:cTn>
+              <p:prevCondLst>
+                <p:cond evt="onPrev" delay="0">
+                  <p:tgtEl>
+                    <p:sldTgt/>
+                  </p:tgtEl>
+                </p:cond>
+              </p:prevCondLst>
+              <p:nextCondLst>
+                <p:cond evt="onNext" delay="0">
+                  <p:tgtEl>
+                    <p:sldTgt/>
+                  </p:tgtEl>
+                </p:cond>
+              </p:nextCondLst>
+            </p:seq>
+          </p:childTnLst>
+        </p:cTn>
+      </p:par>
+    </p:tnLst>
+    <p:bldLst>
+      <p:bldP spid="15" grpId="0" animBg="1"/>
+      <p:bldP spid="15" grpId="1" animBg="1"/>
     </p:bldLst>
   </p:timing>
 </p:sld>
